--- a/various documents/7th of August presentation.pptx
+++ b/various documents/7th of August presentation.pptx
@@ -9,6 +9,7 @@
     <p:sldId id="257" r:id="rId3"/>
     <p:sldId id="258" r:id="rId4"/>
     <p:sldId id="259" r:id="rId5"/>
+    <p:sldId id="260" r:id="rId6"/>
   </p:sldIdLst>
   <p:sldSz cx="12192000" cy="6858000"/>
   <p:notesSz cx="6858000" cy="9144000"/>
@@ -107,6 +108,11 @@
       </a:defRPr>
     </a:lvl9pPr>
   </p:defaultTextStyle>
+  <p:extLst>
+    <p:ext uri="{EFAFB233-063F-42B5-8137-9DF3F51BA10A}">
+      <p15:sldGuideLst xmlns:p15="http://schemas.microsoft.com/office/powerpoint/2012/main"/>
+    </p:ext>
+  </p:extLst>
 </p:presentation>
 </file>
 
@@ -858,6 +864,753 @@
 </file>
 
 <file path=ppt/diagrams/colors2.xml><?xml version="1.0" encoding="utf-8"?>
+<dgm:colorsDef xmlns:dgm="http://schemas.openxmlformats.org/drawingml/2006/diagram" xmlns:a="http://schemas.openxmlformats.org/drawingml/2006/main" uniqueId="urn:microsoft.com/office/officeart/2005/8/colors/accent1_2">
+  <dgm:title val=""/>
+  <dgm:desc val=""/>
+  <dgm:catLst>
+    <dgm:cat type="accent1" pri="11200"/>
+  </dgm:catLst>
+  <dgm:styleLbl name="node0">
+    <dgm:fillClrLst meth="repeat">
+      <a:schemeClr val="accent1"/>
+    </dgm:fillClrLst>
+    <dgm:linClrLst meth="repeat">
+      <a:schemeClr val="lt1"/>
+    </dgm:linClrLst>
+    <dgm:effectClrLst/>
+    <dgm:txLinClrLst/>
+    <dgm:txFillClrLst/>
+    <dgm:txEffectClrLst/>
+  </dgm:styleLbl>
+  <dgm:styleLbl name="alignNode1">
+    <dgm:fillClrLst meth="repeat">
+      <a:schemeClr val="accent1"/>
+    </dgm:fillClrLst>
+    <dgm:linClrLst meth="repeat">
+      <a:schemeClr val="accent1"/>
+    </dgm:linClrLst>
+    <dgm:effectClrLst/>
+    <dgm:txLinClrLst/>
+    <dgm:txFillClrLst/>
+    <dgm:txEffectClrLst/>
+  </dgm:styleLbl>
+  <dgm:styleLbl name="node1">
+    <dgm:fillClrLst meth="repeat">
+      <a:schemeClr val="accent1"/>
+    </dgm:fillClrLst>
+    <dgm:linClrLst meth="repeat">
+      <a:schemeClr val="lt1"/>
+    </dgm:linClrLst>
+    <dgm:effectClrLst/>
+    <dgm:txLinClrLst/>
+    <dgm:txFillClrLst/>
+    <dgm:txEffectClrLst/>
+  </dgm:styleLbl>
+  <dgm:styleLbl name="lnNode1">
+    <dgm:fillClrLst meth="repeat">
+      <a:schemeClr val="accent1"/>
+    </dgm:fillClrLst>
+    <dgm:linClrLst meth="repeat">
+      <a:schemeClr val="lt1"/>
+    </dgm:linClrLst>
+    <dgm:effectClrLst/>
+    <dgm:txLinClrLst/>
+    <dgm:txFillClrLst/>
+    <dgm:txEffectClrLst/>
+  </dgm:styleLbl>
+  <dgm:styleLbl name="vennNode1">
+    <dgm:fillClrLst meth="repeat">
+      <a:schemeClr val="accent1">
+        <a:alpha val="50000"/>
+      </a:schemeClr>
+    </dgm:fillClrLst>
+    <dgm:linClrLst meth="repeat">
+      <a:schemeClr val="lt1"/>
+    </dgm:linClrLst>
+    <dgm:effectClrLst/>
+    <dgm:txLinClrLst/>
+    <dgm:txFillClrLst/>
+    <dgm:txEffectClrLst/>
+  </dgm:styleLbl>
+  <dgm:styleLbl name="node2">
+    <dgm:fillClrLst meth="repeat">
+      <a:schemeClr val="accent1"/>
+    </dgm:fillClrLst>
+    <dgm:linClrLst meth="repeat">
+      <a:schemeClr val="lt1"/>
+    </dgm:linClrLst>
+    <dgm:effectClrLst/>
+    <dgm:txLinClrLst/>
+    <dgm:txFillClrLst/>
+    <dgm:txEffectClrLst/>
+  </dgm:styleLbl>
+  <dgm:styleLbl name="node3">
+    <dgm:fillClrLst meth="repeat">
+      <a:schemeClr val="accent1"/>
+    </dgm:fillClrLst>
+    <dgm:linClrLst meth="repeat">
+      <a:schemeClr val="lt1"/>
+    </dgm:linClrLst>
+    <dgm:effectClrLst/>
+    <dgm:txLinClrLst/>
+    <dgm:txFillClrLst/>
+    <dgm:txEffectClrLst/>
+  </dgm:styleLbl>
+  <dgm:styleLbl name="node4">
+    <dgm:fillClrLst meth="repeat">
+      <a:schemeClr val="accent1"/>
+    </dgm:fillClrLst>
+    <dgm:linClrLst meth="repeat">
+      <a:schemeClr val="lt1"/>
+    </dgm:linClrLst>
+    <dgm:effectClrLst/>
+    <dgm:txLinClrLst/>
+    <dgm:txFillClrLst/>
+    <dgm:txEffectClrLst/>
+  </dgm:styleLbl>
+  <dgm:styleLbl name="fgImgPlace1">
+    <dgm:fillClrLst meth="repeat">
+      <a:schemeClr val="accent1">
+        <a:tint val="50000"/>
+      </a:schemeClr>
+    </dgm:fillClrLst>
+    <dgm:linClrLst meth="repeat">
+      <a:schemeClr val="lt1"/>
+    </dgm:linClrLst>
+    <dgm:effectClrLst/>
+    <dgm:txLinClrLst/>
+    <dgm:txFillClrLst meth="repeat">
+      <a:schemeClr val="lt1"/>
+    </dgm:txFillClrLst>
+    <dgm:txEffectClrLst/>
+  </dgm:styleLbl>
+  <dgm:styleLbl name="alignImgPlace1">
+    <dgm:fillClrLst meth="repeat">
+      <a:schemeClr val="accent1">
+        <a:tint val="50000"/>
+      </a:schemeClr>
+    </dgm:fillClrLst>
+    <dgm:linClrLst meth="repeat">
+      <a:schemeClr val="lt1"/>
+    </dgm:linClrLst>
+    <dgm:effectClrLst/>
+    <dgm:txLinClrLst/>
+    <dgm:txFillClrLst meth="repeat">
+      <a:schemeClr val="lt1"/>
+    </dgm:txFillClrLst>
+    <dgm:txEffectClrLst/>
+  </dgm:styleLbl>
+  <dgm:styleLbl name="bgImgPlace1">
+    <dgm:fillClrLst meth="repeat">
+      <a:schemeClr val="accent1">
+        <a:tint val="50000"/>
+      </a:schemeClr>
+    </dgm:fillClrLst>
+    <dgm:linClrLst meth="repeat">
+      <a:schemeClr val="lt1"/>
+    </dgm:linClrLst>
+    <dgm:effectClrLst/>
+    <dgm:txLinClrLst/>
+    <dgm:txFillClrLst meth="repeat">
+      <a:schemeClr val="lt1"/>
+    </dgm:txFillClrLst>
+    <dgm:txEffectClrLst/>
+  </dgm:styleLbl>
+  <dgm:styleLbl name="sibTrans2D1">
+    <dgm:fillClrLst meth="repeat">
+      <a:schemeClr val="accent1">
+        <a:tint val="60000"/>
+      </a:schemeClr>
+    </dgm:fillClrLst>
+    <dgm:linClrLst meth="repeat">
+      <a:schemeClr val="accent1">
+        <a:tint val="60000"/>
+      </a:schemeClr>
+    </dgm:linClrLst>
+    <dgm:effectClrLst/>
+    <dgm:txLinClrLst/>
+    <dgm:txFillClrLst/>
+    <dgm:txEffectClrLst/>
+  </dgm:styleLbl>
+  <dgm:styleLbl name="fgSibTrans2D1">
+    <dgm:fillClrLst meth="repeat">
+      <a:schemeClr val="accent1">
+        <a:tint val="60000"/>
+      </a:schemeClr>
+    </dgm:fillClrLst>
+    <dgm:linClrLst meth="repeat">
+      <a:schemeClr val="accent1">
+        <a:tint val="60000"/>
+      </a:schemeClr>
+    </dgm:linClrLst>
+    <dgm:effectClrLst/>
+    <dgm:txLinClrLst/>
+    <dgm:txFillClrLst/>
+    <dgm:txEffectClrLst/>
+  </dgm:styleLbl>
+  <dgm:styleLbl name="bgSibTrans2D1">
+    <dgm:fillClrLst meth="repeat">
+      <a:schemeClr val="accent1">
+        <a:tint val="60000"/>
+      </a:schemeClr>
+    </dgm:fillClrLst>
+    <dgm:linClrLst meth="repeat">
+      <a:schemeClr val="accent1">
+        <a:tint val="60000"/>
+      </a:schemeClr>
+    </dgm:linClrLst>
+    <dgm:effectClrLst/>
+    <dgm:txLinClrLst/>
+    <dgm:txFillClrLst/>
+    <dgm:txEffectClrLst/>
+  </dgm:styleLbl>
+  <dgm:styleLbl name="sibTrans1D1">
+    <dgm:fillClrLst meth="repeat">
+      <a:schemeClr val="accent1"/>
+    </dgm:fillClrLst>
+    <dgm:linClrLst meth="repeat">
+      <a:schemeClr val="accent1"/>
+    </dgm:linClrLst>
+    <dgm:effectClrLst/>
+    <dgm:txLinClrLst/>
+    <dgm:txFillClrLst meth="repeat">
+      <a:schemeClr val="tx1"/>
+    </dgm:txFillClrLst>
+    <dgm:txEffectClrLst/>
+  </dgm:styleLbl>
+  <dgm:styleLbl name="callout">
+    <dgm:fillClrLst meth="repeat">
+      <a:schemeClr val="accent1"/>
+    </dgm:fillClrLst>
+    <dgm:linClrLst meth="repeat">
+      <a:schemeClr val="accent1">
+        <a:tint val="50000"/>
+      </a:schemeClr>
+    </dgm:linClrLst>
+    <dgm:effectClrLst/>
+    <dgm:txLinClrLst/>
+    <dgm:txFillClrLst meth="repeat">
+      <a:schemeClr val="tx1"/>
+    </dgm:txFillClrLst>
+    <dgm:txEffectClrLst/>
+  </dgm:styleLbl>
+  <dgm:styleLbl name="asst0">
+    <dgm:fillClrLst meth="repeat">
+      <a:schemeClr val="accent1"/>
+    </dgm:fillClrLst>
+    <dgm:linClrLst meth="repeat">
+      <a:schemeClr val="lt1"/>
+    </dgm:linClrLst>
+    <dgm:effectClrLst/>
+    <dgm:txLinClrLst/>
+    <dgm:txFillClrLst/>
+    <dgm:txEffectClrLst/>
+  </dgm:styleLbl>
+  <dgm:styleLbl name="asst1">
+    <dgm:fillClrLst meth="repeat">
+      <a:schemeClr val="accent1"/>
+    </dgm:fillClrLst>
+    <dgm:linClrLst meth="repeat">
+      <a:schemeClr val="lt1"/>
+    </dgm:linClrLst>
+    <dgm:effectClrLst/>
+    <dgm:txLinClrLst/>
+    <dgm:txFillClrLst/>
+    <dgm:txEffectClrLst/>
+  </dgm:styleLbl>
+  <dgm:styleLbl name="asst2">
+    <dgm:fillClrLst meth="repeat">
+      <a:schemeClr val="accent1"/>
+    </dgm:fillClrLst>
+    <dgm:linClrLst meth="repeat">
+      <a:schemeClr val="lt1"/>
+    </dgm:linClrLst>
+    <dgm:effectClrLst/>
+    <dgm:txLinClrLst/>
+    <dgm:txFillClrLst/>
+    <dgm:txEffectClrLst/>
+  </dgm:styleLbl>
+  <dgm:styleLbl name="asst3">
+    <dgm:fillClrLst meth="repeat">
+      <a:schemeClr val="accent1"/>
+    </dgm:fillClrLst>
+    <dgm:linClrLst meth="repeat">
+      <a:schemeClr val="lt1"/>
+    </dgm:linClrLst>
+    <dgm:effectClrLst/>
+    <dgm:txLinClrLst/>
+    <dgm:txFillClrLst/>
+    <dgm:txEffectClrLst/>
+  </dgm:styleLbl>
+  <dgm:styleLbl name="asst4">
+    <dgm:fillClrLst meth="repeat">
+      <a:schemeClr val="accent1"/>
+    </dgm:fillClrLst>
+    <dgm:linClrLst meth="repeat">
+      <a:schemeClr val="lt1"/>
+    </dgm:linClrLst>
+    <dgm:effectClrLst/>
+    <dgm:txLinClrLst/>
+    <dgm:txFillClrLst/>
+    <dgm:txEffectClrLst/>
+  </dgm:styleLbl>
+  <dgm:styleLbl name="parChTrans2D1">
+    <dgm:fillClrLst meth="repeat">
+      <a:schemeClr val="accent1">
+        <a:tint val="60000"/>
+      </a:schemeClr>
+    </dgm:fillClrLst>
+    <dgm:linClrLst meth="repeat">
+      <a:schemeClr val="accent1">
+        <a:tint val="60000"/>
+      </a:schemeClr>
+    </dgm:linClrLst>
+    <dgm:effectClrLst/>
+    <dgm:txLinClrLst/>
+    <dgm:txFillClrLst meth="repeat">
+      <a:schemeClr val="lt1"/>
+    </dgm:txFillClrLst>
+    <dgm:txEffectClrLst/>
+  </dgm:styleLbl>
+  <dgm:styleLbl name="parChTrans2D2">
+    <dgm:fillClrLst meth="repeat">
+      <a:schemeClr val="accent1"/>
+    </dgm:fillClrLst>
+    <dgm:linClrLst meth="repeat">
+      <a:schemeClr val="accent1"/>
+    </dgm:linClrLst>
+    <dgm:effectClrLst/>
+    <dgm:txLinClrLst/>
+    <dgm:txFillClrLst meth="repeat">
+      <a:schemeClr val="lt1"/>
+    </dgm:txFillClrLst>
+    <dgm:txEffectClrLst/>
+  </dgm:styleLbl>
+  <dgm:styleLbl name="parChTrans2D3">
+    <dgm:fillClrLst meth="repeat">
+      <a:schemeClr val="accent1"/>
+    </dgm:fillClrLst>
+    <dgm:linClrLst meth="repeat">
+      <a:schemeClr val="accent1"/>
+    </dgm:linClrLst>
+    <dgm:effectClrLst/>
+    <dgm:txLinClrLst/>
+    <dgm:txFillClrLst meth="repeat">
+      <a:schemeClr val="lt1"/>
+    </dgm:txFillClrLst>
+    <dgm:txEffectClrLst/>
+  </dgm:styleLbl>
+  <dgm:styleLbl name="parChTrans2D4">
+    <dgm:fillClrLst meth="repeat">
+      <a:schemeClr val="accent1"/>
+    </dgm:fillClrLst>
+    <dgm:linClrLst meth="repeat">
+      <a:schemeClr val="accent1"/>
+    </dgm:linClrLst>
+    <dgm:effectClrLst/>
+    <dgm:txLinClrLst/>
+    <dgm:txFillClrLst meth="repeat">
+      <a:schemeClr val="lt1"/>
+    </dgm:txFillClrLst>
+    <dgm:txEffectClrLst/>
+  </dgm:styleLbl>
+  <dgm:styleLbl name="parChTrans1D1">
+    <dgm:fillClrLst meth="repeat">
+      <a:schemeClr val="accent1"/>
+    </dgm:fillClrLst>
+    <dgm:linClrLst meth="repeat">
+      <a:schemeClr val="accent1">
+        <a:shade val="60000"/>
+      </a:schemeClr>
+    </dgm:linClrLst>
+    <dgm:effectClrLst/>
+    <dgm:txLinClrLst/>
+    <dgm:txFillClrLst meth="repeat">
+      <a:schemeClr val="tx1"/>
+    </dgm:txFillClrLst>
+    <dgm:txEffectClrLst/>
+  </dgm:styleLbl>
+  <dgm:styleLbl name="parChTrans1D2">
+    <dgm:fillClrLst meth="repeat">
+      <a:schemeClr val="accent1"/>
+    </dgm:fillClrLst>
+    <dgm:linClrLst meth="repeat">
+      <a:schemeClr val="accent1">
+        <a:shade val="60000"/>
+      </a:schemeClr>
+    </dgm:linClrLst>
+    <dgm:effectClrLst/>
+    <dgm:txLinClrLst/>
+    <dgm:txFillClrLst meth="repeat">
+      <a:schemeClr val="tx1"/>
+    </dgm:txFillClrLst>
+    <dgm:txEffectClrLst/>
+  </dgm:styleLbl>
+  <dgm:styleLbl name="parChTrans1D3">
+    <dgm:fillClrLst meth="repeat">
+      <a:schemeClr val="accent1"/>
+    </dgm:fillClrLst>
+    <dgm:linClrLst meth="repeat">
+      <a:schemeClr val="accent1">
+        <a:shade val="80000"/>
+      </a:schemeClr>
+    </dgm:linClrLst>
+    <dgm:effectClrLst/>
+    <dgm:txLinClrLst/>
+    <dgm:txFillClrLst meth="repeat">
+      <a:schemeClr val="tx1"/>
+    </dgm:txFillClrLst>
+    <dgm:txEffectClrLst/>
+  </dgm:styleLbl>
+  <dgm:styleLbl name="parChTrans1D4">
+    <dgm:fillClrLst meth="repeat">
+      <a:schemeClr val="accent1"/>
+    </dgm:fillClrLst>
+    <dgm:linClrLst meth="repeat">
+      <a:schemeClr val="accent1">
+        <a:shade val="80000"/>
+      </a:schemeClr>
+    </dgm:linClrLst>
+    <dgm:effectClrLst/>
+    <dgm:txLinClrLst/>
+    <dgm:txFillClrLst meth="repeat">
+      <a:schemeClr val="tx1"/>
+    </dgm:txFillClrLst>
+    <dgm:txEffectClrLst/>
+  </dgm:styleLbl>
+  <dgm:styleLbl name="fgAcc1">
+    <dgm:fillClrLst meth="repeat">
+      <a:schemeClr val="lt1">
+        <a:alpha val="90000"/>
+      </a:schemeClr>
+    </dgm:fillClrLst>
+    <dgm:linClrLst meth="repeat">
+      <a:schemeClr val="accent1"/>
+    </dgm:linClrLst>
+    <dgm:effectClrLst/>
+    <dgm:txLinClrLst/>
+    <dgm:txFillClrLst meth="repeat">
+      <a:schemeClr val="dk1"/>
+    </dgm:txFillClrLst>
+    <dgm:txEffectClrLst/>
+  </dgm:styleLbl>
+  <dgm:styleLbl name="conFgAcc1">
+    <dgm:fillClrLst meth="repeat">
+      <a:schemeClr val="lt1">
+        <a:alpha val="90000"/>
+      </a:schemeClr>
+    </dgm:fillClrLst>
+    <dgm:linClrLst meth="repeat">
+      <a:schemeClr val="accent1"/>
+    </dgm:linClrLst>
+    <dgm:effectClrLst/>
+    <dgm:txLinClrLst/>
+    <dgm:txFillClrLst meth="repeat">
+      <a:schemeClr val="dk1"/>
+    </dgm:txFillClrLst>
+    <dgm:txEffectClrLst/>
+  </dgm:styleLbl>
+  <dgm:styleLbl name="alignAcc1">
+    <dgm:fillClrLst meth="repeat">
+      <a:schemeClr val="lt1">
+        <a:alpha val="90000"/>
+      </a:schemeClr>
+    </dgm:fillClrLst>
+    <dgm:linClrLst meth="repeat">
+      <a:schemeClr val="accent1"/>
+    </dgm:linClrLst>
+    <dgm:effectClrLst/>
+    <dgm:txLinClrLst/>
+    <dgm:txFillClrLst meth="repeat">
+      <a:schemeClr val="dk1"/>
+    </dgm:txFillClrLst>
+    <dgm:txEffectClrLst/>
+  </dgm:styleLbl>
+  <dgm:styleLbl name="trAlignAcc1">
+    <dgm:fillClrLst meth="repeat">
+      <a:schemeClr val="lt1">
+        <a:alpha val="40000"/>
+      </a:schemeClr>
+    </dgm:fillClrLst>
+    <dgm:linClrLst meth="repeat">
+      <a:schemeClr val="accent1"/>
+    </dgm:linClrLst>
+    <dgm:effectClrLst/>
+    <dgm:txLinClrLst/>
+    <dgm:txFillClrLst meth="repeat">
+      <a:schemeClr val="dk1"/>
+    </dgm:txFillClrLst>
+    <dgm:txEffectClrLst/>
+  </dgm:styleLbl>
+  <dgm:styleLbl name="bgAcc1">
+    <dgm:fillClrLst meth="repeat">
+      <a:schemeClr val="lt1">
+        <a:alpha val="90000"/>
+      </a:schemeClr>
+    </dgm:fillClrLst>
+    <dgm:linClrLst meth="repeat">
+      <a:schemeClr val="accent1"/>
+    </dgm:linClrLst>
+    <dgm:effectClrLst/>
+    <dgm:txLinClrLst/>
+    <dgm:txFillClrLst meth="repeat">
+      <a:schemeClr val="dk1"/>
+    </dgm:txFillClrLst>
+    <dgm:txEffectClrLst/>
+  </dgm:styleLbl>
+  <dgm:styleLbl name="solidFgAcc1">
+    <dgm:fillClrLst meth="repeat">
+      <a:schemeClr val="lt1"/>
+    </dgm:fillClrLst>
+    <dgm:linClrLst meth="repeat">
+      <a:schemeClr val="accent1"/>
+    </dgm:linClrLst>
+    <dgm:effectClrLst/>
+    <dgm:txLinClrLst/>
+    <dgm:txFillClrLst meth="repeat">
+      <a:schemeClr val="dk1"/>
+    </dgm:txFillClrLst>
+    <dgm:txEffectClrLst/>
+  </dgm:styleLbl>
+  <dgm:styleLbl name="solidAlignAcc1">
+    <dgm:fillClrLst meth="repeat">
+      <a:schemeClr val="lt1"/>
+    </dgm:fillClrLst>
+    <dgm:linClrLst meth="repeat">
+      <a:schemeClr val="accent1"/>
+    </dgm:linClrLst>
+    <dgm:effectClrLst/>
+    <dgm:txLinClrLst/>
+    <dgm:txFillClrLst meth="repeat">
+      <a:schemeClr val="dk1"/>
+    </dgm:txFillClrLst>
+    <dgm:txEffectClrLst/>
+  </dgm:styleLbl>
+  <dgm:styleLbl name="solidBgAcc1">
+    <dgm:fillClrLst meth="repeat">
+      <a:schemeClr val="lt1"/>
+    </dgm:fillClrLst>
+    <dgm:linClrLst meth="repeat">
+      <a:schemeClr val="accent1"/>
+    </dgm:linClrLst>
+    <dgm:effectClrLst/>
+    <dgm:txLinClrLst/>
+    <dgm:txFillClrLst meth="repeat">
+      <a:schemeClr val="dk1"/>
+    </dgm:txFillClrLst>
+    <dgm:txEffectClrLst/>
+  </dgm:styleLbl>
+  <dgm:styleLbl name="fgAccFollowNode1">
+    <dgm:fillClrLst meth="repeat">
+      <a:schemeClr val="accent1">
+        <a:alpha val="90000"/>
+        <a:tint val="40000"/>
+      </a:schemeClr>
+    </dgm:fillClrLst>
+    <dgm:linClrLst meth="repeat">
+      <a:schemeClr val="accent1">
+        <a:alpha val="90000"/>
+        <a:tint val="40000"/>
+      </a:schemeClr>
+    </dgm:linClrLst>
+    <dgm:effectClrLst/>
+    <dgm:txLinClrLst/>
+    <dgm:txFillClrLst meth="repeat">
+      <a:schemeClr val="dk1"/>
+    </dgm:txFillClrLst>
+    <dgm:txEffectClrLst/>
+  </dgm:styleLbl>
+  <dgm:styleLbl name="alignAccFollowNode1">
+    <dgm:fillClrLst meth="repeat">
+      <a:schemeClr val="accent1">
+        <a:alpha val="90000"/>
+        <a:tint val="40000"/>
+      </a:schemeClr>
+    </dgm:fillClrLst>
+    <dgm:linClrLst meth="repeat">
+      <a:schemeClr val="accent1">
+        <a:alpha val="90000"/>
+        <a:tint val="40000"/>
+      </a:schemeClr>
+    </dgm:linClrLst>
+    <dgm:effectClrLst/>
+    <dgm:txLinClrLst/>
+    <dgm:txFillClrLst meth="repeat">
+      <a:schemeClr val="dk1"/>
+    </dgm:txFillClrLst>
+    <dgm:txEffectClrLst/>
+  </dgm:styleLbl>
+  <dgm:styleLbl name="bgAccFollowNode1">
+    <dgm:fillClrLst meth="repeat">
+      <a:schemeClr val="accent1">
+        <a:alpha val="90000"/>
+        <a:tint val="40000"/>
+      </a:schemeClr>
+    </dgm:fillClrLst>
+    <dgm:linClrLst meth="repeat">
+      <a:schemeClr val="accent1">
+        <a:alpha val="90000"/>
+        <a:tint val="40000"/>
+      </a:schemeClr>
+    </dgm:linClrLst>
+    <dgm:effectClrLst/>
+    <dgm:txLinClrLst/>
+    <dgm:txFillClrLst meth="repeat">
+      <a:schemeClr val="dk1"/>
+    </dgm:txFillClrLst>
+    <dgm:txEffectClrLst/>
+  </dgm:styleLbl>
+  <dgm:styleLbl name="fgAcc0">
+    <dgm:fillClrLst meth="repeat">
+      <a:schemeClr val="lt1">
+        <a:alpha val="90000"/>
+      </a:schemeClr>
+    </dgm:fillClrLst>
+    <dgm:linClrLst meth="repeat">
+      <a:schemeClr val="accent1"/>
+    </dgm:linClrLst>
+    <dgm:effectClrLst/>
+    <dgm:txLinClrLst/>
+    <dgm:txFillClrLst meth="repeat">
+      <a:schemeClr val="dk1"/>
+    </dgm:txFillClrLst>
+    <dgm:txEffectClrLst/>
+  </dgm:styleLbl>
+  <dgm:styleLbl name="fgAcc2">
+    <dgm:fillClrLst meth="repeat">
+      <a:schemeClr val="lt1">
+        <a:alpha val="90000"/>
+      </a:schemeClr>
+    </dgm:fillClrLst>
+    <dgm:linClrLst meth="repeat">
+      <a:schemeClr val="accent1"/>
+    </dgm:linClrLst>
+    <dgm:effectClrLst/>
+    <dgm:txLinClrLst/>
+    <dgm:txFillClrLst meth="repeat">
+      <a:schemeClr val="dk1"/>
+    </dgm:txFillClrLst>
+    <dgm:txEffectClrLst/>
+  </dgm:styleLbl>
+  <dgm:styleLbl name="fgAcc3">
+    <dgm:fillClrLst meth="repeat">
+      <a:schemeClr val="lt1">
+        <a:alpha val="90000"/>
+      </a:schemeClr>
+    </dgm:fillClrLst>
+    <dgm:linClrLst meth="repeat">
+      <a:schemeClr val="accent1"/>
+    </dgm:linClrLst>
+    <dgm:effectClrLst/>
+    <dgm:txLinClrLst/>
+    <dgm:txFillClrLst meth="repeat">
+      <a:schemeClr val="dk1"/>
+    </dgm:txFillClrLst>
+    <dgm:txEffectClrLst/>
+  </dgm:styleLbl>
+  <dgm:styleLbl name="fgAcc4">
+    <dgm:fillClrLst meth="repeat">
+      <a:schemeClr val="lt1">
+        <a:alpha val="90000"/>
+      </a:schemeClr>
+    </dgm:fillClrLst>
+    <dgm:linClrLst meth="repeat">
+      <a:schemeClr val="accent1"/>
+    </dgm:linClrLst>
+    <dgm:effectClrLst/>
+    <dgm:txLinClrLst/>
+    <dgm:txFillClrLst meth="repeat">
+      <a:schemeClr val="dk1"/>
+    </dgm:txFillClrLst>
+    <dgm:txEffectClrLst/>
+  </dgm:styleLbl>
+  <dgm:styleLbl name="bgShp">
+    <dgm:fillClrLst meth="repeat">
+      <a:schemeClr val="accent1">
+        <a:tint val="40000"/>
+      </a:schemeClr>
+    </dgm:fillClrLst>
+    <dgm:linClrLst meth="repeat">
+      <a:schemeClr val="accent1"/>
+    </dgm:linClrLst>
+    <dgm:effectClrLst/>
+    <dgm:txLinClrLst/>
+    <dgm:txFillClrLst meth="repeat">
+      <a:schemeClr val="dk1"/>
+    </dgm:txFillClrLst>
+    <dgm:txEffectClrLst/>
+  </dgm:styleLbl>
+  <dgm:styleLbl name="dkBgShp">
+    <dgm:fillClrLst meth="repeat">
+      <a:schemeClr val="accent1">
+        <a:shade val="80000"/>
+      </a:schemeClr>
+    </dgm:fillClrLst>
+    <dgm:linClrLst meth="repeat">
+      <a:schemeClr val="accent1"/>
+    </dgm:linClrLst>
+    <dgm:effectClrLst/>
+    <dgm:txLinClrLst/>
+    <dgm:txFillClrLst meth="repeat">
+      <a:schemeClr val="lt1"/>
+    </dgm:txFillClrLst>
+    <dgm:txEffectClrLst/>
+  </dgm:styleLbl>
+  <dgm:styleLbl name="trBgShp">
+    <dgm:fillClrLst meth="repeat">
+      <a:schemeClr val="accent1">
+        <a:tint val="50000"/>
+        <a:alpha val="40000"/>
+      </a:schemeClr>
+    </dgm:fillClrLst>
+    <dgm:linClrLst meth="repeat">
+      <a:schemeClr val="accent1"/>
+    </dgm:linClrLst>
+    <dgm:effectClrLst/>
+    <dgm:txLinClrLst/>
+    <dgm:txFillClrLst meth="repeat">
+      <a:schemeClr val="lt1"/>
+    </dgm:txFillClrLst>
+    <dgm:txEffectClrLst/>
+  </dgm:styleLbl>
+  <dgm:styleLbl name="fgShp">
+    <dgm:fillClrLst meth="repeat">
+      <a:schemeClr val="accent1">
+        <a:tint val="60000"/>
+      </a:schemeClr>
+    </dgm:fillClrLst>
+    <dgm:linClrLst meth="repeat">
+      <a:schemeClr val="lt1"/>
+    </dgm:linClrLst>
+    <dgm:effectClrLst/>
+    <dgm:txLinClrLst/>
+    <dgm:txFillClrLst meth="repeat">
+      <a:schemeClr val="dk1"/>
+    </dgm:txFillClrLst>
+    <dgm:txEffectClrLst/>
+  </dgm:styleLbl>
+  <dgm:styleLbl name="revTx">
+    <dgm:fillClrLst meth="repeat">
+      <a:schemeClr val="lt1">
+        <a:alpha val="0"/>
+      </a:schemeClr>
+    </dgm:fillClrLst>
+    <dgm:linClrLst meth="repeat">
+      <a:schemeClr val="dk1">
+        <a:alpha val="0"/>
+      </a:schemeClr>
+    </dgm:linClrLst>
+    <dgm:effectClrLst/>
+    <dgm:txLinClrLst/>
+    <dgm:txFillClrLst meth="repeat">
+      <a:schemeClr val="tx1"/>
+    </dgm:txFillClrLst>
+    <dgm:txEffectClrLst/>
+  </dgm:styleLbl>
+</dgm:colorsDef>
+</file>
+
+<file path=ppt/diagrams/colors3.xml><?xml version="1.0" encoding="utf-8"?>
 <dgm:colorsDef xmlns:dgm="http://schemas.openxmlformats.org/drawingml/2006/diagram" xmlns:a="http://schemas.openxmlformats.org/drawingml/2006/main" uniqueId="urn:microsoft.com/office/officeart/2005/8/colors/accent1_2">
   <dgm:title val=""/>
   <dgm:desc val=""/>
@@ -3458,6 +4211,682 @@
   <dgm:extLst>
     <a:ext uri="http://schemas.microsoft.com/office/drawing/2008/diagram">
       <dsp:dataModelExt xmlns:dsp="http://schemas.microsoft.com/office/drawing/2008/diagram" relId="rId11" minVer="http://schemas.openxmlformats.org/drawingml/2006/diagram"/>
+    </a:ext>
+  </dgm:extLst>
+</dgm:dataModel>
+</file>
+
+<file path=ppt/diagrams/data3.xml><?xml version="1.0" encoding="utf-8"?>
+<dgm:dataModel xmlns:dgm="http://schemas.openxmlformats.org/drawingml/2006/diagram" xmlns:a="http://schemas.openxmlformats.org/drawingml/2006/main">
+  <dgm:ptLst>
+    <dgm:pt modelId="{AE1472F7-0925-46F9-B4D8-932E67C83366}" type="doc">
+      <dgm:prSet loTypeId="urn:microsoft.com/office/officeart/2005/8/layout/pList1" loCatId="list" qsTypeId="urn:microsoft.com/office/officeart/2005/8/quickstyle/simple1" qsCatId="simple" csTypeId="urn:microsoft.com/office/officeart/2005/8/colors/accent1_2" csCatId="accent1" phldr="1"/>
+      <dgm:spPr/>
+      <dgm:t>
+        <a:bodyPr/>
+        <a:lstStyle/>
+        <a:p>
+          <a:endParaRPr lang="en-GB"/>
+        </a:p>
+      </dgm:t>
+    </dgm:pt>
+    <dgm:pt modelId="{B0401208-FE72-4FAD-8E96-4355FA95BAB8}">
+      <dgm:prSet phldrT="[Text]"/>
+      <dgm:spPr/>
+      <dgm:t>
+        <a:bodyPr/>
+        <a:lstStyle/>
+        <a:p>
+          <a:r>
+            <a:rPr lang="de-AT" dirty="0"/>
+            <a:t>Streamline </a:t>
+          </a:r>
+          <a:r>
+            <a:rPr lang="de-AT" dirty="0" err="1"/>
+            <a:t>the</a:t>
+          </a:r>
+          <a:r>
+            <a:rPr lang="de-AT" dirty="0"/>
+            <a:t> </a:t>
+          </a:r>
+          <a:r>
+            <a:rPr lang="de-AT" dirty="0" err="1"/>
+            <a:t>experiment</a:t>
+          </a:r>
+          <a:endParaRPr lang="en-GB" dirty="0"/>
+        </a:p>
+      </dgm:t>
+    </dgm:pt>
+    <dgm:pt modelId="{B6A0ED6F-B39C-49F1-80BB-43F2CE1CF2E6}" type="parTrans" cxnId="{963CA243-4D49-492D-B4BF-0D14F10A9F70}">
+      <dgm:prSet/>
+      <dgm:spPr/>
+      <dgm:t>
+        <a:bodyPr/>
+        <a:lstStyle/>
+        <a:p>
+          <a:endParaRPr lang="en-GB"/>
+        </a:p>
+      </dgm:t>
+    </dgm:pt>
+    <dgm:pt modelId="{CF1DB156-37F1-427C-8F95-F80656559085}" type="sibTrans" cxnId="{963CA243-4D49-492D-B4BF-0D14F10A9F70}">
+      <dgm:prSet/>
+      <dgm:spPr/>
+      <dgm:t>
+        <a:bodyPr/>
+        <a:lstStyle/>
+        <a:p>
+          <a:endParaRPr lang="en-GB"/>
+        </a:p>
+      </dgm:t>
+    </dgm:pt>
+    <dgm:pt modelId="{A44B9E63-DC64-421C-B20B-CB8EC57573D2}">
+      <dgm:prSet phldrT="[Text]"/>
+      <dgm:spPr/>
+      <dgm:t>
+        <a:bodyPr/>
+        <a:lstStyle/>
+        <a:p>
+          <a:r>
+            <a:rPr lang="de-AT" dirty="0"/>
+            <a:t>Run </a:t>
+          </a:r>
+          <a:r>
+            <a:rPr lang="de-AT" dirty="0" err="1"/>
+            <a:t>the</a:t>
+          </a:r>
+          <a:r>
+            <a:rPr lang="de-AT" dirty="0"/>
+            <a:t> </a:t>
+          </a:r>
+          <a:r>
+            <a:rPr lang="de-AT" dirty="0" err="1"/>
+            <a:t>experiment</a:t>
+          </a:r>
+          <a:r>
+            <a:rPr lang="de-AT" dirty="0"/>
+            <a:t> on </a:t>
+          </a:r>
+          <a:r>
+            <a:rPr lang="de-AT" dirty="0" err="1"/>
+            <a:t>more</a:t>
+          </a:r>
+          <a:r>
+            <a:rPr lang="de-AT" dirty="0"/>
+            <a:t> </a:t>
+          </a:r>
+          <a:r>
+            <a:rPr lang="de-AT" dirty="0" err="1"/>
+            <a:t>stocks</a:t>
+          </a:r>
+          <a:endParaRPr lang="en-GB" dirty="0"/>
+        </a:p>
+      </dgm:t>
+    </dgm:pt>
+    <dgm:pt modelId="{870A4D1E-5D57-41BB-AF92-D02C0A5EE650}" type="parTrans" cxnId="{2D19CD9F-C884-44B7-94D7-BB3283E3B48E}">
+      <dgm:prSet/>
+      <dgm:spPr/>
+      <dgm:t>
+        <a:bodyPr/>
+        <a:lstStyle/>
+        <a:p>
+          <a:endParaRPr lang="en-GB"/>
+        </a:p>
+      </dgm:t>
+    </dgm:pt>
+    <dgm:pt modelId="{9B2323AD-7FBA-48B9-97F2-9DC1B7F33050}" type="sibTrans" cxnId="{2D19CD9F-C884-44B7-94D7-BB3283E3B48E}">
+      <dgm:prSet/>
+      <dgm:spPr/>
+      <dgm:t>
+        <a:bodyPr/>
+        <a:lstStyle/>
+        <a:p>
+          <a:endParaRPr lang="en-GB"/>
+        </a:p>
+      </dgm:t>
+    </dgm:pt>
+    <dgm:pt modelId="{B32D5A24-89BB-4F4C-AF39-2678FC41C60C}">
+      <dgm:prSet phldrT="[Text]"/>
+      <dgm:spPr/>
+      <dgm:t>
+        <a:bodyPr/>
+        <a:lstStyle/>
+        <a:p>
+          <a:r>
+            <a:rPr lang="de-AT" dirty="0"/>
+            <a:t>Run </a:t>
+          </a:r>
+          <a:r>
+            <a:rPr lang="de-AT" dirty="0" err="1"/>
+            <a:t>the</a:t>
+          </a:r>
+          <a:r>
+            <a:rPr lang="de-AT" dirty="0"/>
+            <a:t> </a:t>
+          </a:r>
+          <a:r>
+            <a:rPr lang="de-AT" dirty="0" err="1"/>
+            <a:t>experiment</a:t>
+          </a:r>
+          <a:r>
+            <a:rPr lang="de-AT" dirty="0"/>
+            <a:t> </a:t>
+          </a:r>
+          <a:r>
+            <a:rPr lang="de-AT" dirty="0" err="1"/>
+            <a:t>across</a:t>
+          </a:r>
+          <a:r>
+            <a:rPr lang="de-AT" dirty="0"/>
+            <a:t> </a:t>
+          </a:r>
+          <a:r>
+            <a:rPr lang="de-AT" dirty="0" err="1"/>
+            <a:t>longer</a:t>
+          </a:r>
+          <a:r>
+            <a:rPr lang="de-AT" dirty="0"/>
+            <a:t> time-</a:t>
+          </a:r>
+          <a:r>
+            <a:rPr lang="de-AT" dirty="0" err="1"/>
+            <a:t>periods</a:t>
+          </a:r>
+          <a:endParaRPr lang="en-GB" dirty="0"/>
+        </a:p>
+      </dgm:t>
+    </dgm:pt>
+    <dgm:pt modelId="{CF893CC8-803C-404D-94C9-2EBD2EEC8911}" type="parTrans" cxnId="{72AF07BF-2089-4464-84A5-F618818D7125}">
+      <dgm:prSet/>
+      <dgm:spPr/>
+      <dgm:t>
+        <a:bodyPr/>
+        <a:lstStyle/>
+        <a:p>
+          <a:endParaRPr lang="en-GB"/>
+        </a:p>
+      </dgm:t>
+    </dgm:pt>
+    <dgm:pt modelId="{CC3D8CF2-3209-4185-829E-D1C51AE3B261}" type="sibTrans" cxnId="{72AF07BF-2089-4464-84A5-F618818D7125}">
+      <dgm:prSet/>
+      <dgm:spPr/>
+      <dgm:t>
+        <a:bodyPr/>
+        <a:lstStyle/>
+        <a:p>
+          <a:endParaRPr lang="en-GB"/>
+        </a:p>
+      </dgm:t>
+    </dgm:pt>
+    <dgm:pt modelId="{E74786FD-2CED-433F-B81E-FB23E4B5B42A}">
+      <dgm:prSet phldrT="[Text]"/>
+      <dgm:spPr/>
+      <dgm:t>
+        <a:bodyPr/>
+        <a:lstStyle/>
+        <a:p>
+          <a:r>
+            <a:rPr lang="de-AT" dirty="0"/>
+            <a:t>(</a:t>
+          </a:r>
+          <a:r>
+            <a:rPr lang="de-AT" dirty="0" err="1"/>
+            <a:t>potentially</a:t>
+          </a:r>
+          <a:r>
+            <a:rPr lang="de-AT" dirty="0"/>
+            <a:t>) Implement </a:t>
+          </a:r>
+          <a:r>
+            <a:rPr lang="de-AT" dirty="0" err="1"/>
+            <a:t>more</a:t>
+          </a:r>
+          <a:r>
+            <a:rPr lang="de-AT" dirty="0"/>
+            <a:t> </a:t>
+          </a:r>
+          <a:r>
+            <a:rPr lang="de-AT" dirty="0" err="1"/>
+            <a:t>models</a:t>
+          </a:r>
+          <a:endParaRPr lang="de-AT" dirty="0"/>
+        </a:p>
+        <a:p>
+          <a:endParaRPr lang="en-GB" dirty="0"/>
+        </a:p>
+      </dgm:t>
+    </dgm:pt>
+    <dgm:pt modelId="{57EDC003-28EC-4D9B-80D4-EADFBD26A47F}" type="parTrans" cxnId="{BF7EA843-3A81-4BFE-AD87-DD4AEF7F2523}">
+      <dgm:prSet/>
+      <dgm:spPr/>
+      <dgm:t>
+        <a:bodyPr/>
+        <a:lstStyle/>
+        <a:p>
+          <a:endParaRPr lang="en-GB"/>
+        </a:p>
+      </dgm:t>
+    </dgm:pt>
+    <dgm:pt modelId="{3F1BA69D-FE4F-4FD5-9721-3D3CA904DB0D}" type="sibTrans" cxnId="{BF7EA843-3A81-4BFE-AD87-DD4AEF7F2523}">
+      <dgm:prSet/>
+      <dgm:spPr/>
+      <dgm:t>
+        <a:bodyPr/>
+        <a:lstStyle/>
+        <a:p>
+          <a:endParaRPr lang="en-GB"/>
+        </a:p>
+      </dgm:t>
+    </dgm:pt>
+    <dgm:pt modelId="{0A39FEBB-D9F5-473B-9F99-6F4FF8CCF42B}">
+      <dgm:prSet phldrT="[Text]"/>
+      <dgm:spPr/>
+      <dgm:t>
+        <a:bodyPr/>
+        <a:lstStyle/>
+        <a:p>
+          <a:r>
+            <a:rPr lang="de-AT" dirty="0"/>
+            <a:t>(</a:t>
+          </a:r>
+          <a:r>
+            <a:rPr lang="de-AT" dirty="0" err="1"/>
+            <a:t>potentially</a:t>
+          </a:r>
+          <a:r>
+            <a:rPr lang="de-AT" dirty="0"/>
+            <a:t>) Implement hybrid </a:t>
+          </a:r>
+          <a:r>
+            <a:rPr lang="de-AT" dirty="0" err="1"/>
+            <a:t>models</a:t>
+          </a:r>
+          <a:endParaRPr lang="en-GB" dirty="0"/>
+        </a:p>
+      </dgm:t>
+    </dgm:pt>
+    <dgm:pt modelId="{4356E689-D838-43F3-B717-9F3D9A305287}" type="parTrans" cxnId="{A322D260-AE39-445F-B5CA-33B2579AE93D}">
+      <dgm:prSet/>
+      <dgm:spPr/>
+      <dgm:t>
+        <a:bodyPr/>
+        <a:lstStyle/>
+        <a:p>
+          <a:endParaRPr lang="en-GB"/>
+        </a:p>
+      </dgm:t>
+    </dgm:pt>
+    <dgm:pt modelId="{1B56EE11-B587-4F80-9BFE-7B8DCFD3DBE6}" type="sibTrans" cxnId="{A322D260-AE39-445F-B5CA-33B2579AE93D}">
+      <dgm:prSet/>
+      <dgm:spPr/>
+      <dgm:t>
+        <a:bodyPr/>
+        <a:lstStyle/>
+        <a:p>
+          <a:endParaRPr lang="en-GB"/>
+        </a:p>
+      </dgm:t>
+    </dgm:pt>
+    <dgm:pt modelId="{082CE6B6-C991-48F8-8A59-42BB70E51731}">
+      <dgm:prSet phldrT="[Text]"/>
+      <dgm:spPr/>
+      <dgm:t>
+        <a:bodyPr/>
+        <a:lstStyle/>
+        <a:p>
+          <a:r>
+            <a:rPr lang="de-AT" dirty="0"/>
+            <a:t>(</a:t>
+          </a:r>
+          <a:r>
+            <a:rPr lang="de-AT" dirty="0" err="1"/>
+            <a:t>potentially</a:t>
+          </a:r>
+          <a:r>
+            <a:rPr lang="de-AT" dirty="0"/>
+            <a:t>) Include </a:t>
+          </a:r>
+          <a:r>
+            <a:rPr lang="de-AT" dirty="0" err="1"/>
+            <a:t>other</a:t>
+          </a:r>
+          <a:r>
+            <a:rPr lang="de-AT" dirty="0"/>
+            <a:t> </a:t>
+          </a:r>
+          <a:r>
+            <a:rPr lang="de-AT" dirty="0" err="1"/>
+            <a:t>types</a:t>
+          </a:r>
+          <a:r>
+            <a:rPr lang="de-AT" dirty="0"/>
+            <a:t> </a:t>
+          </a:r>
+          <a:r>
+            <a:rPr lang="de-AT" dirty="0" err="1"/>
+            <a:t>of</a:t>
+          </a:r>
+          <a:r>
+            <a:rPr lang="de-AT" dirty="0"/>
+            <a:t> </a:t>
+          </a:r>
+          <a:r>
+            <a:rPr lang="de-AT" dirty="0" err="1"/>
+            <a:t>data</a:t>
+          </a:r>
+          <a:endParaRPr lang="en-GB" dirty="0"/>
+        </a:p>
+      </dgm:t>
+    </dgm:pt>
+    <dgm:pt modelId="{DDE7937E-328A-4416-BD0A-50D65C725DAA}" type="parTrans" cxnId="{9AD0E7B7-AE3A-4B0F-863A-4C8063FBF88A}">
+      <dgm:prSet/>
+      <dgm:spPr/>
+      <dgm:t>
+        <a:bodyPr/>
+        <a:lstStyle/>
+        <a:p>
+          <a:endParaRPr lang="en-GB"/>
+        </a:p>
+      </dgm:t>
+    </dgm:pt>
+    <dgm:pt modelId="{063DE07C-78C8-4949-9367-A4A5B890F86A}" type="sibTrans" cxnId="{9AD0E7B7-AE3A-4B0F-863A-4C8063FBF88A}">
+      <dgm:prSet/>
+      <dgm:spPr/>
+      <dgm:t>
+        <a:bodyPr/>
+        <a:lstStyle/>
+        <a:p>
+          <a:endParaRPr lang="en-GB"/>
+        </a:p>
+      </dgm:t>
+    </dgm:pt>
+    <dgm:pt modelId="{E1DEE9DF-F064-4C50-A472-35986DF5BE57}" type="pres">
+      <dgm:prSet presAssocID="{AE1472F7-0925-46F9-B4D8-932E67C83366}" presName="Name0" presStyleCnt="0">
+        <dgm:presLayoutVars>
+          <dgm:dir/>
+          <dgm:resizeHandles val="exact"/>
+        </dgm:presLayoutVars>
+      </dgm:prSet>
+      <dgm:spPr/>
+    </dgm:pt>
+    <dgm:pt modelId="{F36E11BD-6E86-41E2-9C28-1B376910FEA6}" type="pres">
+      <dgm:prSet presAssocID="{B0401208-FE72-4FAD-8E96-4355FA95BAB8}" presName="compNode" presStyleCnt="0"/>
+      <dgm:spPr/>
+    </dgm:pt>
+    <dgm:pt modelId="{0EC3307A-9E36-412F-A327-C6C247205EE2}" type="pres">
+      <dgm:prSet presAssocID="{B0401208-FE72-4FAD-8E96-4355FA95BAB8}" presName="pictRect" presStyleLbl="node1" presStyleIdx="0" presStyleCnt="6"/>
+      <dgm:spPr>
+        <a:blipFill>
+          <a:blip xmlns:r="http://schemas.openxmlformats.org/officeDocument/2006/relationships" r:embed="rId1">
+            <a:extLst>
+              <a:ext uri="{96DAC541-7B7A-43D3-8B79-37D633B846F1}">
+                <asvg:svgBlip xmlns:asvg="http://schemas.microsoft.com/office/drawing/2016/SVG/main" r:embed="rId2"/>
+              </a:ext>
+            </a:extLst>
+          </a:blip>
+          <a:srcRect/>
+          <a:stretch>
+            <a:fillRect t="-23000" b="-23000"/>
+          </a:stretch>
+        </a:blipFill>
+      </dgm:spPr>
+      <dgm:extLst>
+        <a:ext uri="{E40237B7-FDA0-4F09-8148-C483321AD2D9}">
+          <dgm14:cNvPr xmlns:dgm14="http://schemas.microsoft.com/office/drawing/2010/diagram" id="0" name="" descr="Fast Forward with solid fill"/>
+        </a:ext>
+      </dgm:extLst>
+    </dgm:pt>
+    <dgm:pt modelId="{8BA21C14-5E5E-411E-ADD7-78B8B34F33EF}" type="pres">
+      <dgm:prSet presAssocID="{B0401208-FE72-4FAD-8E96-4355FA95BAB8}" presName="textRect" presStyleLbl="revTx" presStyleIdx="0" presStyleCnt="6">
+        <dgm:presLayoutVars>
+          <dgm:bulletEnabled val="1"/>
+        </dgm:presLayoutVars>
+      </dgm:prSet>
+      <dgm:spPr/>
+    </dgm:pt>
+    <dgm:pt modelId="{89B38939-86FC-4F60-B113-8F352642D7C3}" type="pres">
+      <dgm:prSet presAssocID="{CF1DB156-37F1-427C-8F95-F80656559085}" presName="sibTrans" presStyleLbl="sibTrans2D1" presStyleIdx="0" presStyleCnt="0"/>
+      <dgm:spPr/>
+    </dgm:pt>
+    <dgm:pt modelId="{B1BFC519-DB11-4C46-A110-224514B9750E}" type="pres">
+      <dgm:prSet presAssocID="{A44B9E63-DC64-421C-B20B-CB8EC57573D2}" presName="compNode" presStyleCnt="0"/>
+      <dgm:spPr/>
+    </dgm:pt>
+    <dgm:pt modelId="{0AFB5329-2D84-4237-AB17-E70C2070148C}" type="pres">
+      <dgm:prSet presAssocID="{A44B9E63-DC64-421C-B20B-CB8EC57573D2}" presName="pictRect" presStyleLbl="node1" presStyleIdx="1" presStyleCnt="6"/>
+      <dgm:spPr>
+        <a:blipFill>
+          <a:blip xmlns:r="http://schemas.openxmlformats.org/officeDocument/2006/relationships" r:embed="rId3">
+            <a:extLst>
+              <a:ext uri="{96DAC541-7B7A-43D3-8B79-37D633B846F1}">
+                <asvg:svgBlip xmlns:asvg="http://schemas.microsoft.com/office/drawing/2016/SVG/main" r:embed="rId4"/>
+              </a:ext>
+            </a:extLst>
+          </a:blip>
+          <a:srcRect/>
+          <a:stretch>
+            <a:fillRect t="-23000" b="-23000"/>
+          </a:stretch>
+        </a:blipFill>
+      </dgm:spPr>
+      <dgm:extLst>
+        <a:ext uri="{E40237B7-FDA0-4F09-8148-C483321AD2D9}">
+          <dgm14:cNvPr xmlns:dgm14="http://schemas.microsoft.com/office/drawing/2010/diagram" id="0" name="" descr="Upward trend with solid fill"/>
+        </a:ext>
+      </dgm:extLst>
+    </dgm:pt>
+    <dgm:pt modelId="{781F1151-1726-475C-AFE9-3E301809C857}" type="pres">
+      <dgm:prSet presAssocID="{A44B9E63-DC64-421C-B20B-CB8EC57573D2}" presName="textRect" presStyleLbl="revTx" presStyleIdx="1" presStyleCnt="6">
+        <dgm:presLayoutVars>
+          <dgm:bulletEnabled val="1"/>
+        </dgm:presLayoutVars>
+      </dgm:prSet>
+      <dgm:spPr/>
+    </dgm:pt>
+    <dgm:pt modelId="{A7C5C128-8521-451C-98F7-9AAE1BE311D4}" type="pres">
+      <dgm:prSet presAssocID="{9B2323AD-7FBA-48B9-97F2-9DC1B7F33050}" presName="sibTrans" presStyleLbl="sibTrans2D1" presStyleIdx="0" presStyleCnt="0"/>
+      <dgm:spPr/>
+    </dgm:pt>
+    <dgm:pt modelId="{B1AEBB8B-FB95-4DEE-9012-C6791FE76701}" type="pres">
+      <dgm:prSet presAssocID="{B32D5A24-89BB-4F4C-AF39-2678FC41C60C}" presName="compNode" presStyleCnt="0"/>
+      <dgm:spPr/>
+    </dgm:pt>
+    <dgm:pt modelId="{22EEAAEC-42EF-4BC2-9D34-F11FD5BCA975}" type="pres">
+      <dgm:prSet presAssocID="{B32D5A24-89BB-4F4C-AF39-2678FC41C60C}" presName="pictRect" presStyleLbl="node1" presStyleIdx="2" presStyleCnt="6"/>
+      <dgm:spPr>
+        <a:blipFill>
+          <a:blip xmlns:r="http://schemas.openxmlformats.org/officeDocument/2006/relationships" r:embed="rId5">
+            <a:extLst>
+              <a:ext uri="{96DAC541-7B7A-43D3-8B79-37D633B846F1}">
+                <asvg:svgBlip xmlns:asvg="http://schemas.microsoft.com/office/drawing/2016/SVG/main" r:embed="rId6"/>
+              </a:ext>
+            </a:extLst>
+          </a:blip>
+          <a:srcRect/>
+          <a:stretch>
+            <a:fillRect t="-23000" b="-23000"/>
+          </a:stretch>
+        </a:blipFill>
+      </dgm:spPr>
+      <dgm:extLst>
+        <a:ext uri="{E40237B7-FDA0-4F09-8148-C483321AD2D9}">
+          <dgm14:cNvPr xmlns:dgm14="http://schemas.microsoft.com/office/drawing/2010/diagram" id="0" name="" descr="Stopwatch 75% with solid fill"/>
+        </a:ext>
+      </dgm:extLst>
+    </dgm:pt>
+    <dgm:pt modelId="{96C0C72A-03B8-4448-B99B-1D83AA692F1B}" type="pres">
+      <dgm:prSet presAssocID="{B32D5A24-89BB-4F4C-AF39-2678FC41C60C}" presName="textRect" presStyleLbl="revTx" presStyleIdx="2" presStyleCnt="6">
+        <dgm:presLayoutVars>
+          <dgm:bulletEnabled val="1"/>
+        </dgm:presLayoutVars>
+      </dgm:prSet>
+      <dgm:spPr/>
+    </dgm:pt>
+    <dgm:pt modelId="{032275DA-E08F-4814-B6E2-A95816BF8EB0}" type="pres">
+      <dgm:prSet presAssocID="{CC3D8CF2-3209-4185-829E-D1C51AE3B261}" presName="sibTrans" presStyleLbl="sibTrans2D1" presStyleIdx="0" presStyleCnt="0"/>
+      <dgm:spPr/>
+    </dgm:pt>
+    <dgm:pt modelId="{87B96D41-7168-43B8-905A-E27837C578DF}" type="pres">
+      <dgm:prSet presAssocID="{E74786FD-2CED-433F-B81E-FB23E4B5B42A}" presName="compNode" presStyleCnt="0"/>
+      <dgm:spPr/>
+    </dgm:pt>
+    <dgm:pt modelId="{D56A5A73-D62E-480F-9733-DBBDFDC59810}" type="pres">
+      <dgm:prSet presAssocID="{E74786FD-2CED-433F-B81E-FB23E4B5B42A}" presName="pictRect" presStyleLbl="node1" presStyleIdx="3" presStyleCnt="6"/>
+      <dgm:spPr>
+        <a:blipFill>
+          <a:blip xmlns:r="http://schemas.openxmlformats.org/officeDocument/2006/relationships" r:embed="rId7">
+            <a:extLst>
+              <a:ext uri="{96DAC541-7B7A-43D3-8B79-37D633B846F1}">
+                <asvg:svgBlip xmlns:asvg="http://schemas.microsoft.com/office/drawing/2016/SVG/main" r:embed="rId8"/>
+              </a:ext>
+            </a:extLst>
+          </a:blip>
+          <a:srcRect/>
+          <a:stretch>
+            <a:fillRect t="-23000" b="-23000"/>
+          </a:stretch>
+        </a:blipFill>
+      </dgm:spPr>
+      <dgm:extLst>
+        <a:ext uri="{E40237B7-FDA0-4F09-8148-C483321AD2D9}">
+          <dgm14:cNvPr xmlns:dgm14="http://schemas.microsoft.com/office/drawing/2010/diagram" id="0" name="" descr="Gears with solid fill"/>
+        </a:ext>
+      </dgm:extLst>
+    </dgm:pt>
+    <dgm:pt modelId="{D9966C2C-A3F0-4E4B-B0C2-B7C4EBE0B2C1}" type="pres">
+      <dgm:prSet presAssocID="{E74786FD-2CED-433F-B81E-FB23E4B5B42A}" presName="textRect" presStyleLbl="revTx" presStyleIdx="3" presStyleCnt="6">
+        <dgm:presLayoutVars>
+          <dgm:bulletEnabled val="1"/>
+        </dgm:presLayoutVars>
+      </dgm:prSet>
+      <dgm:spPr/>
+    </dgm:pt>
+    <dgm:pt modelId="{36FA60D0-502D-4F9D-A676-E6499F26D03B}" type="pres">
+      <dgm:prSet presAssocID="{3F1BA69D-FE4F-4FD5-9721-3D3CA904DB0D}" presName="sibTrans" presStyleLbl="sibTrans2D1" presStyleIdx="0" presStyleCnt="0"/>
+      <dgm:spPr/>
+    </dgm:pt>
+    <dgm:pt modelId="{932E8E32-9BED-4057-A020-CFD34F4BF052}" type="pres">
+      <dgm:prSet presAssocID="{0A39FEBB-D9F5-473B-9F99-6F4FF8CCF42B}" presName="compNode" presStyleCnt="0"/>
+      <dgm:spPr/>
+    </dgm:pt>
+    <dgm:pt modelId="{55BD7BEC-72A6-4B3F-A8B9-8DF68B3722D5}" type="pres">
+      <dgm:prSet presAssocID="{0A39FEBB-D9F5-473B-9F99-6F4FF8CCF42B}" presName="pictRect" presStyleLbl="node1" presStyleIdx="4" presStyleCnt="6"/>
+      <dgm:spPr>
+        <a:blipFill>
+          <a:blip xmlns:r="http://schemas.openxmlformats.org/officeDocument/2006/relationships" r:embed="rId9">
+            <a:extLst>
+              <a:ext uri="{96DAC541-7B7A-43D3-8B79-37D633B846F1}">
+                <asvg:svgBlip xmlns:asvg="http://schemas.microsoft.com/office/drawing/2016/SVG/main" r:embed="rId10"/>
+              </a:ext>
+            </a:extLst>
+          </a:blip>
+          <a:srcRect/>
+          <a:stretch>
+            <a:fillRect t="-23000" b="-23000"/>
+          </a:stretch>
+        </a:blipFill>
+      </dgm:spPr>
+      <dgm:extLst>
+        <a:ext uri="{E40237B7-FDA0-4F09-8148-C483321AD2D9}">
+          <dgm14:cNvPr xmlns:dgm14="http://schemas.microsoft.com/office/drawing/2010/diagram" id="0" name="" descr="Shuffle with solid fill"/>
+        </a:ext>
+      </dgm:extLst>
+    </dgm:pt>
+    <dgm:pt modelId="{7D270498-B7EB-47EE-9CA1-C0278607FF04}" type="pres">
+      <dgm:prSet presAssocID="{0A39FEBB-D9F5-473B-9F99-6F4FF8CCF42B}" presName="textRect" presStyleLbl="revTx" presStyleIdx="4" presStyleCnt="6">
+        <dgm:presLayoutVars>
+          <dgm:bulletEnabled val="1"/>
+        </dgm:presLayoutVars>
+      </dgm:prSet>
+      <dgm:spPr/>
+    </dgm:pt>
+    <dgm:pt modelId="{80E8F06E-2F6B-443B-92AA-7076764AC5B2}" type="pres">
+      <dgm:prSet presAssocID="{1B56EE11-B587-4F80-9BFE-7B8DCFD3DBE6}" presName="sibTrans" presStyleLbl="sibTrans2D1" presStyleIdx="0" presStyleCnt="0"/>
+      <dgm:spPr/>
+    </dgm:pt>
+    <dgm:pt modelId="{3FD7A055-3B29-4EC8-80D4-5EC47BA9CED7}" type="pres">
+      <dgm:prSet presAssocID="{082CE6B6-C991-48F8-8A59-42BB70E51731}" presName="compNode" presStyleCnt="0"/>
+      <dgm:spPr/>
+    </dgm:pt>
+    <dgm:pt modelId="{19AF60A6-5E88-40A7-8A35-6F7E9929DF5F}" type="pres">
+      <dgm:prSet presAssocID="{082CE6B6-C991-48F8-8A59-42BB70E51731}" presName="pictRect" presStyleLbl="node1" presStyleIdx="5" presStyleCnt="6"/>
+      <dgm:spPr>
+        <a:blipFill>
+          <a:blip xmlns:r="http://schemas.openxmlformats.org/officeDocument/2006/relationships" r:embed="rId11">
+            <a:extLst>
+              <a:ext uri="{96DAC541-7B7A-43D3-8B79-37D633B846F1}">
+                <asvg:svgBlip xmlns:asvg="http://schemas.microsoft.com/office/drawing/2016/SVG/main" r:embed="rId12"/>
+              </a:ext>
+            </a:extLst>
+          </a:blip>
+          <a:srcRect/>
+          <a:stretch>
+            <a:fillRect t="-23000" b="-23000"/>
+          </a:stretch>
+        </a:blipFill>
+      </dgm:spPr>
+      <dgm:extLst>
+        <a:ext uri="{E40237B7-FDA0-4F09-8148-C483321AD2D9}">
+          <dgm14:cNvPr xmlns:dgm14="http://schemas.microsoft.com/office/drawing/2010/diagram" id="0" name="" descr="Bar chart with solid fill"/>
+        </a:ext>
+      </dgm:extLst>
+    </dgm:pt>
+    <dgm:pt modelId="{BDBBCB0B-83FA-4ABF-B8C9-4BE148C5884D}" type="pres">
+      <dgm:prSet presAssocID="{082CE6B6-C991-48F8-8A59-42BB70E51731}" presName="textRect" presStyleLbl="revTx" presStyleIdx="5" presStyleCnt="6">
+        <dgm:presLayoutVars>
+          <dgm:bulletEnabled val="1"/>
+        </dgm:presLayoutVars>
+      </dgm:prSet>
+      <dgm:spPr/>
+    </dgm:pt>
+  </dgm:ptLst>
+  <dgm:cxnLst>
+    <dgm:cxn modelId="{6FAABB1C-431B-4696-8325-F0A748394A95}" type="presOf" srcId="{082CE6B6-C991-48F8-8A59-42BB70E51731}" destId="{BDBBCB0B-83FA-4ABF-B8C9-4BE148C5884D}" srcOrd="0" destOrd="0" presId="urn:microsoft.com/office/officeart/2005/8/layout/pList1"/>
+    <dgm:cxn modelId="{F4B49A32-6861-4752-91A5-43C76CA7E20A}" type="presOf" srcId="{A44B9E63-DC64-421C-B20B-CB8EC57573D2}" destId="{781F1151-1726-475C-AFE9-3E301809C857}" srcOrd="0" destOrd="0" presId="urn:microsoft.com/office/officeart/2005/8/layout/pList1"/>
+    <dgm:cxn modelId="{6B0F203A-BA3D-43E8-8E94-3FB9307DC430}" type="presOf" srcId="{E74786FD-2CED-433F-B81E-FB23E4B5B42A}" destId="{D9966C2C-A3F0-4E4B-B0C2-B7C4EBE0B2C1}" srcOrd="0" destOrd="0" presId="urn:microsoft.com/office/officeart/2005/8/layout/pList1"/>
+    <dgm:cxn modelId="{A322D260-AE39-445F-B5CA-33B2579AE93D}" srcId="{AE1472F7-0925-46F9-B4D8-932E67C83366}" destId="{0A39FEBB-D9F5-473B-9F99-6F4FF8CCF42B}" srcOrd="4" destOrd="0" parTransId="{4356E689-D838-43F3-B717-9F3D9A305287}" sibTransId="{1B56EE11-B587-4F80-9BFE-7B8DCFD3DBE6}"/>
+    <dgm:cxn modelId="{33AFB642-AAD3-4C95-9852-0AA135B82870}" type="presOf" srcId="{0A39FEBB-D9F5-473B-9F99-6F4FF8CCF42B}" destId="{7D270498-B7EB-47EE-9CA1-C0278607FF04}" srcOrd="0" destOrd="0" presId="urn:microsoft.com/office/officeart/2005/8/layout/pList1"/>
+    <dgm:cxn modelId="{963CA243-4D49-492D-B4BF-0D14F10A9F70}" srcId="{AE1472F7-0925-46F9-B4D8-932E67C83366}" destId="{B0401208-FE72-4FAD-8E96-4355FA95BAB8}" srcOrd="0" destOrd="0" parTransId="{B6A0ED6F-B39C-49F1-80BB-43F2CE1CF2E6}" sibTransId="{CF1DB156-37F1-427C-8F95-F80656559085}"/>
+    <dgm:cxn modelId="{BF7EA843-3A81-4BFE-AD87-DD4AEF7F2523}" srcId="{AE1472F7-0925-46F9-B4D8-932E67C83366}" destId="{E74786FD-2CED-433F-B81E-FB23E4B5B42A}" srcOrd="3" destOrd="0" parTransId="{57EDC003-28EC-4D9B-80D4-EADFBD26A47F}" sibTransId="{3F1BA69D-FE4F-4FD5-9721-3D3CA904DB0D}"/>
+    <dgm:cxn modelId="{AE2C1E82-DF5C-45E4-A1E5-A13DD3D301BF}" type="presOf" srcId="{3F1BA69D-FE4F-4FD5-9721-3D3CA904DB0D}" destId="{36FA60D0-502D-4F9D-A676-E6499F26D03B}" srcOrd="0" destOrd="0" presId="urn:microsoft.com/office/officeart/2005/8/layout/pList1"/>
+    <dgm:cxn modelId="{605C5488-3A53-4975-91D2-5497DA81985D}" type="presOf" srcId="{AE1472F7-0925-46F9-B4D8-932E67C83366}" destId="{E1DEE9DF-F064-4C50-A472-35986DF5BE57}" srcOrd="0" destOrd="0" presId="urn:microsoft.com/office/officeart/2005/8/layout/pList1"/>
+    <dgm:cxn modelId="{2D19CD9F-C884-44B7-94D7-BB3283E3B48E}" srcId="{AE1472F7-0925-46F9-B4D8-932E67C83366}" destId="{A44B9E63-DC64-421C-B20B-CB8EC57573D2}" srcOrd="1" destOrd="0" parTransId="{870A4D1E-5D57-41BB-AF92-D02C0A5EE650}" sibTransId="{9B2323AD-7FBA-48B9-97F2-9DC1B7F33050}"/>
+    <dgm:cxn modelId="{67A652AF-3DDB-4F76-B035-D99E1A06319B}" type="presOf" srcId="{B0401208-FE72-4FAD-8E96-4355FA95BAB8}" destId="{8BA21C14-5E5E-411E-ADD7-78B8B34F33EF}" srcOrd="0" destOrd="0" presId="urn:microsoft.com/office/officeart/2005/8/layout/pList1"/>
+    <dgm:cxn modelId="{2C7BE1B7-A83D-4F64-9E64-C68C7362C72D}" type="presOf" srcId="{9B2323AD-7FBA-48B9-97F2-9DC1B7F33050}" destId="{A7C5C128-8521-451C-98F7-9AAE1BE311D4}" srcOrd="0" destOrd="0" presId="urn:microsoft.com/office/officeart/2005/8/layout/pList1"/>
+    <dgm:cxn modelId="{9AD0E7B7-AE3A-4B0F-863A-4C8063FBF88A}" srcId="{AE1472F7-0925-46F9-B4D8-932E67C83366}" destId="{082CE6B6-C991-48F8-8A59-42BB70E51731}" srcOrd="5" destOrd="0" parTransId="{DDE7937E-328A-4416-BD0A-50D65C725DAA}" sibTransId="{063DE07C-78C8-4949-9367-A4A5B890F86A}"/>
+    <dgm:cxn modelId="{72AF07BF-2089-4464-84A5-F618818D7125}" srcId="{AE1472F7-0925-46F9-B4D8-932E67C83366}" destId="{B32D5A24-89BB-4F4C-AF39-2678FC41C60C}" srcOrd="2" destOrd="0" parTransId="{CF893CC8-803C-404D-94C9-2EBD2EEC8911}" sibTransId="{CC3D8CF2-3209-4185-829E-D1C51AE3B261}"/>
+    <dgm:cxn modelId="{19CCE5CE-4DD5-4AF7-A7F1-2B2CC6623465}" type="presOf" srcId="{CC3D8CF2-3209-4185-829E-D1C51AE3B261}" destId="{032275DA-E08F-4814-B6E2-A95816BF8EB0}" srcOrd="0" destOrd="0" presId="urn:microsoft.com/office/officeart/2005/8/layout/pList1"/>
+    <dgm:cxn modelId="{867155D2-5EDB-44EE-9783-9DA9D9A3C9C3}" type="presOf" srcId="{B32D5A24-89BB-4F4C-AF39-2678FC41C60C}" destId="{96C0C72A-03B8-4448-B99B-1D83AA692F1B}" srcOrd="0" destOrd="0" presId="urn:microsoft.com/office/officeart/2005/8/layout/pList1"/>
+    <dgm:cxn modelId="{07CE79D2-B30D-4FB0-A986-A36811EB1668}" type="presOf" srcId="{1B56EE11-B587-4F80-9BFE-7B8DCFD3DBE6}" destId="{80E8F06E-2F6B-443B-92AA-7076764AC5B2}" srcOrd="0" destOrd="0" presId="urn:microsoft.com/office/officeart/2005/8/layout/pList1"/>
+    <dgm:cxn modelId="{635436E2-5A52-47B9-9F2B-6E36244E4283}" type="presOf" srcId="{CF1DB156-37F1-427C-8F95-F80656559085}" destId="{89B38939-86FC-4F60-B113-8F352642D7C3}" srcOrd="0" destOrd="0" presId="urn:microsoft.com/office/officeart/2005/8/layout/pList1"/>
+    <dgm:cxn modelId="{929D4DA8-32B0-4124-9000-D1ACB0C4BF25}" type="presParOf" srcId="{E1DEE9DF-F064-4C50-A472-35986DF5BE57}" destId="{F36E11BD-6E86-41E2-9C28-1B376910FEA6}" srcOrd="0" destOrd="0" presId="urn:microsoft.com/office/officeart/2005/8/layout/pList1"/>
+    <dgm:cxn modelId="{D3895CC9-0117-44C1-A63E-56989E4D332C}" type="presParOf" srcId="{F36E11BD-6E86-41E2-9C28-1B376910FEA6}" destId="{0EC3307A-9E36-412F-A327-C6C247205EE2}" srcOrd="0" destOrd="0" presId="urn:microsoft.com/office/officeart/2005/8/layout/pList1"/>
+    <dgm:cxn modelId="{22AC6597-C0FA-4D61-98BA-2681ABF395F7}" type="presParOf" srcId="{F36E11BD-6E86-41E2-9C28-1B376910FEA6}" destId="{8BA21C14-5E5E-411E-ADD7-78B8B34F33EF}" srcOrd="1" destOrd="0" presId="urn:microsoft.com/office/officeart/2005/8/layout/pList1"/>
+    <dgm:cxn modelId="{B9CC5A1A-8896-4511-9DFE-A4E85BE4BDB8}" type="presParOf" srcId="{E1DEE9DF-F064-4C50-A472-35986DF5BE57}" destId="{89B38939-86FC-4F60-B113-8F352642D7C3}" srcOrd="1" destOrd="0" presId="urn:microsoft.com/office/officeart/2005/8/layout/pList1"/>
+    <dgm:cxn modelId="{95ECAF7B-42E5-4077-9D91-D50EC9782F2E}" type="presParOf" srcId="{E1DEE9DF-F064-4C50-A472-35986DF5BE57}" destId="{B1BFC519-DB11-4C46-A110-224514B9750E}" srcOrd="2" destOrd="0" presId="urn:microsoft.com/office/officeart/2005/8/layout/pList1"/>
+    <dgm:cxn modelId="{A61F418C-8396-4EDE-A73D-748573139581}" type="presParOf" srcId="{B1BFC519-DB11-4C46-A110-224514B9750E}" destId="{0AFB5329-2D84-4237-AB17-E70C2070148C}" srcOrd="0" destOrd="0" presId="urn:microsoft.com/office/officeart/2005/8/layout/pList1"/>
+    <dgm:cxn modelId="{1E9F26CB-F65D-4BBB-8D8A-74E152863715}" type="presParOf" srcId="{B1BFC519-DB11-4C46-A110-224514B9750E}" destId="{781F1151-1726-475C-AFE9-3E301809C857}" srcOrd="1" destOrd="0" presId="urn:microsoft.com/office/officeart/2005/8/layout/pList1"/>
+    <dgm:cxn modelId="{79D2ECF8-9CF6-42AE-A991-C781A6C08A3F}" type="presParOf" srcId="{E1DEE9DF-F064-4C50-A472-35986DF5BE57}" destId="{A7C5C128-8521-451C-98F7-9AAE1BE311D4}" srcOrd="3" destOrd="0" presId="urn:microsoft.com/office/officeart/2005/8/layout/pList1"/>
+    <dgm:cxn modelId="{B5EA7EB3-5F56-443E-874D-9F0611932DA8}" type="presParOf" srcId="{E1DEE9DF-F064-4C50-A472-35986DF5BE57}" destId="{B1AEBB8B-FB95-4DEE-9012-C6791FE76701}" srcOrd="4" destOrd="0" presId="urn:microsoft.com/office/officeart/2005/8/layout/pList1"/>
+    <dgm:cxn modelId="{3EAEEA75-BF59-4ED9-B097-092EACFC559B}" type="presParOf" srcId="{B1AEBB8B-FB95-4DEE-9012-C6791FE76701}" destId="{22EEAAEC-42EF-4BC2-9D34-F11FD5BCA975}" srcOrd="0" destOrd="0" presId="urn:microsoft.com/office/officeart/2005/8/layout/pList1"/>
+    <dgm:cxn modelId="{6E8ECEA9-44DE-4F89-A5A1-B41E6F17AC6E}" type="presParOf" srcId="{B1AEBB8B-FB95-4DEE-9012-C6791FE76701}" destId="{96C0C72A-03B8-4448-B99B-1D83AA692F1B}" srcOrd="1" destOrd="0" presId="urn:microsoft.com/office/officeart/2005/8/layout/pList1"/>
+    <dgm:cxn modelId="{C310CE3A-058C-4FBF-A6E2-CB90068069DE}" type="presParOf" srcId="{E1DEE9DF-F064-4C50-A472-35986DF5BE57}" destId="{032275DA-E08F-4814-B6E2-A95816BF8EB0}" srcOrd="5" destOrd="0" presId="urn:microsoft.com/office/officeart/2005/8/layout/pList1"/>
+    <dgm:cxn modelId="{C4DDD76B-71EF-4B70-A736-1AA128489BA2}" type="presParOf" srcId="{E1DEE9DF-F064-4C50-A472-35986DF5BE57}" destId="{87B96D41-7168-43B8-905A-E27837C578DF}" srcOrd="6" destOrd="0" presId="urn:microsoft.com/office/officeart/2005/8/layout/pList1"/>
+    <dgm:cxn modelId="{417CBCF8-8084-41D3-938D-CA6772C62C6F}" type="presParOf" srcId="{87B96D41-7168-43B8-905A-E27837C578DF}" destId="{D56A5A73-D62E-480F-9733-DBBDFDC59810}" srcOrd="0" destOrd="0" presId="urn:microsoft.com/office/officeart/2005/8/layout/pList1"/>
+    <dgm:cxn modelId="{8AD93AB5-55EB-4824-8DDC-D12869545FB9}" type="presParOf" srcId="{87B96D41-7168-43B8-905A-E27837C578DF}" destId="{D9966C2C-A3F0-4E4B-B0C2-B7C4EBE0B2C1}" srcOrd="1" destOrd="0" presId="urn:microsoft.com/office/officeart/2005/8/layout/pList1"/>
+    <dgm:cxn modelId="{2E28DDCF-40CD-4A1B-BA38-9159554902D8}" type="presParOf" srcId="{E1DEE9DF-F064-4C50-A472-35986DF5BE57}" destId="{36FA60D0-502D-4F9D-A676-E6499F26D03B}" srcOrd="7" destOrd="0" presId="urn:microsoft.com/office/officeart/2005/8/layout/pList1"/>
+    <dgm:cxn modelId="{AD999F8D-A661-43A2-8E3A-3955CE4D1477}" type="presParOf" srcId="{E1DEE9DF-F064-4C50-A472-35986DF5BE57}" destId="{932E8E32-9BED-4057-A020-CFD34F4BF052}" srcOrd="8" destOrd="0" presId="urn:microsoft.com/office/officeart/2005/8/layout/pList1"/>
+    <dgm:cxn modelId="{41D3217D-E2A1-489F-B7C6-F8718F1E1A8A}" type="presParOf" srcId="{932E8E32-9BED-4057-A020-CFD34F4BF052}" destId="{55BD7BEC-72A6-4B3F-A8B9-8DF68B3722D5}" srcOrd="0" destOrd="0" presId="urn:microsoft.com/office/officeart/2005/8/layout/pList1"/>
+    <dgm:cxn modelId="{582E5E30-8960-4D8A-A07F-4A279B32E672}" type="presParOf" srcId="{932E8E32-9BED-4057-A020-CFD34F4BF052}" destId="{7D270498-B7EB-47EE-9CA1-C0278607FF04}" srcOrd="1" destOrd="0" presId="urn:microsoft.com/office/officeart/2005/8/layout/pList1"/>
+    <dgm:cxn modelId="{293126FF-0283-4E3B-B22E-6281F4581B4C}" type="presParOf" srcId="{E1DEE9DF-F064-4C50-A472-35986DF5BE57}" destId="{80E8F06E-2F6B-443B-92AA-7076764AC5B2}" srcOrd="9" destOrd="0" presId="urn:microsoft.com/office/officeart/2005/8/layout/pList1"/>
+    <dgm:cxn modelId="{DD390696-43FD-428F-BC17-9EB6618CAB5B}" type="presParOf" srcId="{E1DEE9DF-F064-4C50-A472-35986DF5BE57}" destId="{3FD7A055-3B29-4EC8-80D4-5EC47BA9CED7}" srcOrd="10" destOrd="0" presId="urn:microsoft.com/office/officeart/2005/8/layout/pList1"/>
+    <dgm:cxn modelId="{FA175DE0-D917-4619-954C-54D61255BAE4}" type="presParOf" srcId="{3FD7A055-3B29-4EC8-80D4-5EC47BA9CED7}" destId="{19AF60A6-5E88-40A7-8A35-6F7E9929DF5F}" srcOrd="0" destOrd="0" presId="urn:microsoft.com/office/officeart/2005/8/layout/pList1"/>
+    <dgm:cxn modelId="{8E7A135A-66C0-4403-9FE3-5D6753045F1D}" type="presParOf" srcId="{3FD7A055-3B29-4EC8-80D4-5EC47BA9CED7}" destId="{BDBBCB0B-83FA-4ABF-B8C9-4BE148C5884D}" srcOrd="1" destOrd="0" presId="urn:microsoft.com/office/officeart/2005/8/layout/pList1"/>
+  </dgm:cxnLst>
+  <dgm:bg/>
+  <dgm:whole/>
+  <dgm:extLst>
+    <a:ext uri="http://schemas.microsoft.com/office/drawing/2008/diagram">
+      <dsp:dataModelExt xmlns:dsp="http://schemas.microsoft.com/office/drawing/2008/diagram" relId="rId6" minVer="http://schemas.openxmlformats.org/drawingml/2006/diagram"/>
     </a:ext>
   </dgm:extLst>
 </dgm:dataModel>
@@ -5419,6 +6848,873 @@
 </dsp:drawing>
 </file>
 
+<file path=ppt/diagrams/drawing3.xml><?xml version="1.0" encoding="utf-8"?>
+<dsp:drawing xmlns:dgm="http://schemas.openxmlformats.org/drawingml/2006/diagram" xmlns:dsp="http://schemas.microsoft.com/office/drawing/2008/diagram" xmlns:a="http://schemas.openxmlformats.org/drawingml/2006/main">
+  <dsp:spTree>
+    <dsp:nvGrpSpPr>
+      <dsp:cNvPr id="0" name=""/>
+      <dsp:cNvGrpSpPr/>
+    </dsp:nvGrpSpPr>
+    <dsp:grpSpPr/>
+    <dsp:sp modelId="{0EC3307A-9E36-412F-A327-C6C247205EE2}">
+      <dsp:nvSpPr>
+        <dsp:cNvPr id="0" name=""/>
+        <dsp:cNvSpPr/>
+      </dsp:nvSpPr>
+      <dsp:spPr>
+        <a:xfrm>
+          <a:off x="160287" y="1204"/>
+          <a:ext cx="2439756" cy="1680991"/>
+        </a:xfrm>
+        <a:prstGeom prst="roundRect">
+          <a:avLst/>
+        </a:prstGeom>
+        <a:blipFill>
+          <a:blip xmlns:r="http://schemas.openxmlformats.org/officeDocument/2006/relationships" r:embed="rId1">
+            <a:extLst>
+              <a:ext uri="{96DAC541-7B7A-43D3-8B79-37D633B846F1}">
+                <asvg:svgBlip xmlns:asvg="http://schemas.microsoft.com/office/drawing/2016/SVG/main" r:embed="rId2"/>
+              </a:ext>
+            </a:extLst>
+          </a:blip>
+          <a:srcRect/>
+          <a:stretch>
+            <a:fillRect t="-23000" b="-23000"/>
+          </a:stretch>
+        </a:blipFill>
+        <a:ln w="19050" cap="flat" cmpd="sng" algn="ctr">
+          <a:solidFill>
+            <a:schemeClr val="lt1">
+              <a:hueOff val="0"/>
+              <a:satOff val="0"/>
+              <a:lumOff val="0"/>
+              <a:alphaOff val="0"/>
+            </a:schemeClr>
+          </a:solidFill>
+          <a:prstDash val="solid"/>
+          <a:miter lim="800000"/>
+        </a:ln>
+        <a:effectLst/>
+      </dsp:spPr>
+      <dsp:style>
+        <a:lnRef idx="2">
+          <a:scrgbClr r="0" g="0" b="0"/>
+        </a:lnRef>
+        <a:fillRef idx="1">
+          <a:scrgbClr r="0" g="0" b="0"/>
+        </a:fillRef>
+        <a:effectRef idx="0">
+          <a:scrgbClr r="0" g="0" b="0"/>
+        </a:effectRef>
+        <a:fontRef idx="minor">
+          <a:schemeClr val="lt1"/>
+        </a:fontRef>
+      </dsp:style>
+    </dsp:sp>
+    <dsp:sp modelId="{8BA21C14-5E5E-411E-ADD7-78B8B34F33EF}">
+      <dsp:nvSpPr>
+        <dsp:cNvPr id="0" name=""/>
+        <dsp:cNvSpPr/>
+      </dsp:nvSpPr>
+      <dsp:spPr>
+        <a:xfrm>
+          <a:off x="160287" y="1682196"/>
+          <a:ext cx="2439756" cy="905149"/>
+        </a:xfrm>
+        <a:prstGeom prst="rect">
+          <a:avLst/>
+        </a:prstGeom>
+        <a:noFill/>
+        <a:ln>
+          <a:noFill/>
+        </a:ln>
+        <a:effectLst/>
+      </dsp:spPr>
+      <dsp:style>
+        <a:lnRef idx="0">
+          <a:scrgbClr r="0" g="0" b="0"/>
+        </a:lnRef>
+        <a:fillRef idx="0">
+          <a:scrgbClr r="0" g="0" b="0"/>
+        </a:fillRef>
+        <a:effectRef idx="0">
+          <a:scrgbClr r="0" g="0" b="0"/>
+        </a:effectRef>
+        <a:fontRef idx="minor"/>
+      </dsp:style>
+      <dsp:txBody>
+        <a:bodyPr spcFirstLastPara="0" vert="horz" wrap="square" lIns="113792" tIns="113792" rIns="113792" bIns="0" numCol="1" spcCol="1270" anchor="t" anchorCtr="0">
+          <a:noAutofit/>
+        </a:bodyPr>
+        <a:lstStyle/>
+        <a:p>
+          <a:pPr marL="0" lvl="0" indent="0" algn="ctr" defTabSz="711200">
+            <a:lnSpc>
+              <a:spcPct val="90000"/>
+            </a:lnSpc>
+            <a:spcBef>
+              <a:spcPct val="0"/>
+            </a:spcBef>
+            <a:spcAft>
+              <a:spcPct val="35000"/>
+            </a:spcAft>
+            <a:buNone/>
+          </a:pPr>
+          <a:r>
+            <a:rPr lang="de-AT" sz="1600" kern="1200" dirty="0"/>
+            <a:t>Streamline </a:t>
+          </a:r>
+          <a:r>
+            <a:rPr lang="de-AT" sz="1600" kern="1200" dirty="0" err="1"/>
+            <a:t>the</a:t>
+          </a:r>
+          <a:r>
+            <a:rPr lang="de-AT" sz="1600" kern="1200" dirty="0"/>
+            <a:t> </a:t>
+          </a:r>
+          <a:r>
+            <a:rPr lang="de-AT" sz="1600" kern="1200" dirty="0" err="1"/>
+            <a:t>experiment</a:t>
+          </a:r>
+          <a:endParaRPr lang="en-GB" sz="1600" kern="1200" dirty="0"/>
+        </a:p>
+      </dsp:txBody>
+      <dsp:txXfrm>
+        <a:off x="160287" y="1682196"/>
+        <a:ext cx="2439756" cy="905149"/>
+      </dsp:txXfrm>
+    </dsp:sp>
+    <dsp:sp modelId="{0AFB5329-2D84-4237-AB17-E70C2070148C}">
+      <dsp:nvSpPr>
+        <dsp:cNvPr id="0" name=""/>
+        <dsp:cNvSpPr/>
+      </dsp:nvSpPr>
+      <dsp:spPr>
+        <a:xfrm>
+          <a:off x="2844121" y="1204"/>
+          <a:ext cx="2439756" cy="1680991"/>
+        </a:xfrm>
+        <a:prstGeom prst="roundRect">
+          <a:avLst/>
+        </a:prstGeom>
+        <a:blipFill>
+          <a:blip xmlns:r="http://schemas.openxmlformats.org/officeDocument/2006/relationships" r:embed="rId3">
+            <a:extLst>
+              <a:ext uri="{96DAC541-7B7A-43D3-8B79-37D633B846F1}">
+                <asvg:svgBlip xmlns:asvg="http://schemas.microsoft.com/office/drawing/2016/SVG/main" r:embed="rId4"/>
+              </a:ext>
+            </a:extLst>
+          </a:blip>
+          <a:srcRect/>
+          <a:stretch>
+            <a:fillRect t="-23000" b="-23000"/>
+          </a:stretch>
+        </a:blipFill>
+        <a:ln w="19050" cap="flat" cmpd="sng" algn="ctr">
+          <a:solidFill>
+            <a:schemeClr val="lt1">
+              <a:hueOff val="0"/>
+              <a:satOff val="0"/>
+              <a:lumOff val="0"/>
+              <a:alphaOff val="0"/>
+            </a:schemeClr>
+          </a:solidFill>
+          <a:prstDash val="solid"/>
+          <a:miter lim="800000"/>
+        </a:ln>
+        <a:effectLst/>
+      </dsp:spPr>
+      <dsp:style>
+        <a:lnRef idx="2">
+          <a:scrgbClr r="0" g="0" b="0"/>
+        </a:lnRef>
+        <a:fillRef idx="1">
+          <a:scrgbClr r="0" g="0" b="0"/>
+        </a:fillRef>
+        <a:effectRef idx="0">
+          <a:scrgbClr r="0" g="0" b="0"/>
+        </a:effectRef>
+        <a:fontRef idx="minor">
+          <a:schemeClr val="lt1"/>
+        </a:fontRef>
+      </dsp:style>
+    </dsp:sp>
+    <dsp:sp modelId="{781F1151-1726-475C-AFE9-3E301809C857}">
+      <dsp:nvSpPr>
+        <dsp:cNvPr id="0" name=""/>
+        <dsp:cNvSpPr/>
+      </dsp:nvSpPr>
+      <dsp:spPr>
+        <a:xfrm>
+          <a:off x="2844121" y="1682196"/>
+          <a:ext cx="2439756" cy="905149"/>
+        </a:xfrm>
+        <a:prstGeom prst="rect">
+          <a:avLst/>
+        </a:prstGeom>
+        <a:noFill/>
+        <a:ln>
+          <a:noFill/>
+        </a:ln>
+        <a:effectLst/>
+      </dsp:spPr>
+      <dsp:style>
+        <a:lnRef idx="0">
+          <a:scrgbClr r="0" g="0" b="0"/>
+        </a:lnRef>
+        <a:fillRef idx="0">
+          <a:scrgbClr r="0" g="0" b="0"/>
+        </a:fillRef>
+        <a:effectRef idx="0">
+          <a:scrgbClr r="0" g="0" b="0"/>
+        </a:effectRef>
+        <a:fontRef idx="minor"/>
+      </dsp:style>
+      <dsp:txBody>
+        <a:bodyPr spcFirstLastPara="0" vert="horz" wrap="square" lIns="113792" tIns="113792" rIns="113792" bIns="0" numCol="1" spcCol="1270" anchor="t" anchorCtr="0">
+          <a:noAutofit/>
+        </a:bodyPr>
+        <a:lstStyle/>
+        <a:p>
+          <a:pPr marL="0" lvl="0" indent="0" algn="ctr" defTabSz="711200">
+            <a:lnSpc>
+              <a:spcPct val="90000"/>
+            </a:lnSpc>
+            <a:spcBef>
+              <a:spcPct val="0"/>
+            </a:spcBef>
+            <a:spcAft>
+              <a:spcPct val="35000"/>
+            </a:spcAft>
+            <a:buNone/>
+          </a:pPr>
+          <a:r>
+            <a:rPr lang="de-AT" sz="1600" kern="1200" dirty="0"/>
+            <a:t>Run </a:t>
+          </a:r>
+          <a:r>
+            <a:rPr lang="de-AT" sz="1600" kern="1200" dirty="0" err="1"/>
+            <a:t>the</a:t>
+          </a:r>
+          <a:r>
+            <a:rPr lang="de-AT" sz="1600" kern="1200" dirty="0"/>
+            <a:t> </a:t>
+          </a:r>
+          <a:r>
+            <a:rPr lang="de-AT" sz="1600" kern="1200" dirty="0" err="1"/>
+            <a:t>experiment</a:t>
+          </a:r>
+          <a:r>
+            <a:rPr lang="de-AT" sz="1600" kern="1200" dirty="0"/>
+            <a:t> on </a:t>
+          </a:r>
+          <a:r>
+            <a:rPr lang="de-AT" sz="1600" kern="1200" dirty="0" err="1"/>
+            <a:t>more</a:t>
+          </a:r>
+          <a:r>
+            <a:rPr lang="de-AT" sz="1600" kern="1200" dirty="0"/>
+            <a:t> </a:t>
+          </a:r>
+          <a:r>
+            <a:rPr lang="de-AT" sz="1600" kern="1200" dirty="0" err="1"/>
+            <a:t>stocks</a:t>
+          </a:r>
+          <a:endParaRPr lang="en-GB" sz="1600" kern="1200" dirty="0"/>
+        </a:p>
+      </dsp:txBody>
+      <dsp:txXfrm>
+        <a:off x="2844121" y="1682196"/>
+        <a:ext cx="2439756" cy="905149"/>
+      </dsp:txXfrm>
+    </dsp:sp>
+    <dsp:sp modelId="{22EEAAEC-42EF-4BC2-9D34-F11FD5BCA975}">
+      <dsp:nvSpPr>
+        <dsp:cNvPr id="0" name=""/>
+        <dsp:cNvSpPr/>
+      </dsp:nvSpPr>
+      <dsp:spPr>
+        <a:xfrm>
+          <a:off x="5527956" y="1204"/>
+          <a:ext cx="2439756" cy="1680991"/>
+        </a:xfrm>
+        <a:prstGeom prst="roundRect">
+          <a:avLst/>
+        </a:prstGeom>
+        <a:blipFill>
+          <a:blip xmlns:r="http://schemas.openxmlformats.org/officeDocument/2006/relationships" r:embed="rId5">
+            <a:extLst>
+              <a:ext uri="{96DAC541-7B7A-43D3-8B79-37D633B846F1}">
+                <asvg:svgBlip xmlns:asvg="http://schemas.microsoft.com/office/drawing/2016/SVG/main" r:embed="rId6"/>
+              </a:ext>
+            </a:extLst>
+          </a:blip>
+          <a:srcRect/>
+          <a:stretch>
+            <a:fillRect t="-23000" b="-23000"/>
+          </a:stretch>
+        </a:blipFill>
+        <a:ln w="19050" cap="flat" cmpd="sng" algn="ctr">
+          <a:solidFill>
+            <a:schemeClr val="lt1">
+              <a:hueOff val="0"/>
+              <a:satOff val="0"/>
+              <a:lumOff val="0"/>
+              <a:alphaOff val="0"/>
+            </a:schemeClr>
+          </a:solidFill>
+          <a:prstDash val="solid"/>
+          <a:miter lim="800000"/>
+        </a:ln>
+        <a:effectLst/>
+      </dsp:spPr>
+      <dsp:style>
+        <a:lnRef idx="2">
+          <a:scrgbClr r="0" g="0" b="0"/>
+        </a:lnRef>
+        <a:fillRef idx="1">
+          <a:scrgbClr r="0" g="0" b="0"/>
+        </a:fillRef>
+        <a:effectRef idx="0">
+          <a:scrgbClr r="0" g="0" b="0"/>
+        </a:effectRef>
+        <a:fontRef idx="minor">
+          <a:schemeClr val="lt1"/>
+        </a:fontRef>
+      </dsp:style>
+    </dsp:sp>
+    <dsp:sp modelId="{96C0C72A-03B8-4448-B99B-1D83AA692F1B}">
+      <dsp:nvSpPr>
+        <dsp:cNvPr id="0" name=""/>
+        <dsp:cNvSpPr/>
+      </dsp:nvSpPr>
+      <dsp:spPr>
+        <a:xfrm>
+          <a:off x="5527956" y="1682196"/>
+          <a:ext cx="2439756" cy="905149"/>
+        </a:xfrm>
+        <a:prstGeom prst="rect">
+          <a:avLst/>
+        </a:prstGeom>
+        <a:noFill/>
+        <a:ln>
+          <a:noFill/>
+        </a:ln>
+        <a:effectLst/>
+      </dsp:spPr>
+      <dsp:style>
+        <a:lnRef idx="0">
+          <a:scrgbClr r="0" g="0" b="0"/>
+        </a:lnRef>
+        <a:fillRef idx="0">
+          <a:scrgbClr r="0" g="0" b="0"/>
+        </a:fillRef>
+        <a:effectRef idx="0">
+          <a:scrgbClr r="0" g="0" b="0"/>
+        </a:effectRef>
+        <a:fontRef idx="minor"/>
+      </dsp:style>
+      <dsp:txBody>
+        <a:bodyPr spcFirstLastPara="0" vert="horz" wrap="square" lIns="113792" tIns="113792" rIns="113792" bIns="0" numCol="1" spcCol="1270" anchor="t" anchorCtr="0">
+          <a:noAutofit/>
+        </a:bodyPr>
+        <a:lstStyle/>
+        <a:p>
+          <a:pPr marL="0" lvl="0" indent="0" algn="ctr" defTabSz="711200">
+            <a:lnSpc>
+              <a:spcPct val="90000"/>
+            </a:lnSpc>
+            <a:spcBef>
+              <a:spcPct val="0"/>
+            </a:spcBef>
+            <a:spcAft>
+              <a:spcPct val="35000"/>
+            </a:spcAft>
+            <a:buNone/>
+          </a:pPr>
+          <a:r>
+            <a:rPr lang="de-AT" sz="1600" kern="1200" dirty="0"/>
+            <a:t>Run </a:t>
+          </a:r>
+          <a:r>
+            <a:rPr lang="de-AT" sz="1600" kern="1200" dirty="0" err="1"/>
+            <a:t>the</a:t>
+          </a:r>
+          <a:r>
+            <a:rPr lang="de-AT" sz="1600" kern="1200" dirty="0"/>
+            <a:t> </a:t>
+          </a:r>
+          <a:r>
+            <a:rPr lang="de-AT" sz="1600" kern="1200" dirty="0" err="1"/>
+            <a:t>experiment</a:t>
+          </a:r>
+          <a:r>
+            <a:rPr lang="de-AT" sz="1600" kern="1200" dirty="0"/>
+            <a:t> </a:t>
+          </a:r>
+          <a:r>
+            <a:rPr lang="de-AT" sz="1600" kern="1200" dirty="0" err="1"/>
+            <a:t>across</a:t>
+          </a:r>
+          <a:r>
+            <a:rPr lang="de-AT" sz="1600" kern="1200" dirty="0"/>
+            <a:t> </a:t>
+          </a:r>
+          <a:r>
+            <a:rPr lang="de-AT" sz="1600" kern="1200" dirty="0" err="1"/>
+            <a:t>longer</a:t>
+          </a:r>
+          <a:r>
+            <a:rPr lang="de-AT" sz="1600" kern="1200" dirty="0"/>
+            <a:t> time-</a:t>
+          </a:r>
+          <a:r>
+            <a:rPr lang="de-AT" sz="1600" kern="1200" dirty="0" err="1"/>
+            <a:t>periods</a:t>
+          </a:r>
+          <a:endParaRPr lang="en-GB" sz="1600" kern="1200" dirty="0"/>
+        </a:p>
+      </dsp:txBody>
+      <dsp:txXfrm>
+        <a:off x="5527956" y="1682196"/>
+        <a:ext cx="2439756" cy="905149"/>
+      </dsp:txXfrm>
+    </dsp:sp>
+    <dsp:sp modelId="{D56A5A73-D62E-480F-9733-DBBDFDC59810}">
+      <dsp:nvSpPr>
+        <dsp:cNvPr id="0" name=""/>
+        <dsp:cNvSpPr/>
+      </dsp:nvSpPr>
+      <dsp:spPr>
+        <a:xfrm>
+          <a:off x="160287" y="2831321"/>
+          <a:ext cx="2439756" cy="1680991"/>
+        </a:xfrm>
+        <a:prstGeom prst="roundRect">
+          <a:avLst/>
+        </a:prstGeom>
+        <a:blipFill>
+          <a:blip xmlns:r="http://schemas.openxmlformats.org/officeDocument/2006/relationships" r:embed="rId7">
+            <a:extLst>
+              <a:ext uri="{96DAC541-7B7A-43D3-8B79-37D633B846F1}">
+                <asvg:svgBlip xmlns:asvg="http://schemas.microsoft.com/office/drawing/2016/SVG/main" r:embed="rId8"/>
+              </a:ext>
+            </a:extLst>
+          </a:blip>
+          <a:srcRect/>
+          <a:stretch>
+            <a:fillRect t="-23000" b="-23000"/>
+          </a:stretch>
+        </a:blipFill>
+        <a:ln w="19050" cap="flat" cmpd="sng" algn="ctr">
+          <a:solidFill>
+            <a:schemeClr val="lt1">
+              <a:hueOff val="0"/>
+              <a:satOff val="0"/>
+              <a:lumOff val="0"/>
+              <a:alphaOff val="0"/>
+            </a:schemeClr>
+          </a:solidFill>
+          <a:prstDash val="solid"/>
+          <a:miter lim="800000"/>
+        </a:ln>
+        <a:effectLst/>
+      </dsp:spPr>
+      <dsp:style>
+        <a:lnRef idx="2">
+          <a:scrgbClr r="0" g="0" b="0"/>
+        </a:lnRef>
+        <a:fillRef idx="1">
+          <a:scrgbClr r="0" g="0" b="0"/>
+        </a:fillRef>
+        <a:effectRef idx="0">
+          <a:scrgbClr r="0" g="0" b="0"/>
+        </a:effectRef>
+        <a:fontRef idx="minor">
+          <a:schemeClr val="lt1"/>
+        </a:fontRef>
+      </dsp:style>
+    </dsp:sp>
+    <dsp:sp modelId="{D9966C2C-A3F0-4E4B-B0C2-B7C4EBE0B2C1}">
+      <dsp:nvSpPr>
+        <dsp:cNvPr id="0" name=""/>
+        <dsp:cNvSpPr/>
+      </dsp:nvSpPr>
+      <dsp:spPr>
+        <a:xfrm>
+          <a:off x="160287" y="4512313"/>
+          <a:ext cx="2439756" cy="905149"/>
+        </a:xfrm>
+        <a:prstGeom prst="rect">
+          <a:avLst/>
+        </a:prstGeom>
+        <a:noFill/>
+        <a:ln>
+          <a:noFill/>
+        </a:ln>
+        <a:effectLst/>
+      </dsp:spPr>
+      <dsp:style>
+        <a:lnRef idx="0">
+          <a:scrgbClr r="0" g="0" b="0"/>
+        </a:lnRef>
+        <a:fillRef idx="0">
+          <a:scrgbClr r="0" g="0" b="0"/>
+        </a:fillRef>
+        <a:effectRef idx="0">
+          <a:scrgbClr r="0" g="0" b="0"/>
+        </a:effectRef>
+        <a:fontRef idx="minor"/>
+      </dsp:style>
+      <dsp:txBody>
+        <a:bodyPr spcFirstLastPara="0" vert="horz" wrap="square" lIns="113792" tIns="113792" rIns="113792" bIns="0" numCol="1" spcCol="1270" anchor="t" anchorCtr="0">
+          <a:noAutofit/>
+        </a:bodyPr>
+        <a:lstStyle/>
+        <a:p>
+          <a:pPr marL="0" lvl="0" indent="0" algn="ctr" defTabSz="711200">
+            <a:lnSpc>
+              <a:spcPct val="90000"/>
+            </a:lnSpc>
+            <a:spcBef>
+              <a:spcPct val="0"/>
+            </a:spcBef>
+            <a:spcAft>
+              <a:spcPct val="35000"/>
+            </a:spcAft>
+            <a:buNone/>
+          </a:pPr>
+          <a:r>
+            <a:rPr lang="de-AT" sz="1600" kern="1200" dirty="0"/>
+            <a:t>(</a:t>
+          </a:r>
+          <a:r>
+            <a:rPr lang="de-AT" sz="1600" kern="1200" dirty="0" err="1"/>
+            <a:t>potentially</a:t>
+          </a:r>
+          <a:r>
+            <a:rPr lang="de-AT" sz="1600" kern="1200" dirty="0"/>
+            <a:t>) Implement </a:t>
+          </a:r>
+          <a:r>
+            <a:rPr lang="de-AT" sz="1600" kern="1200" dirty="0" err="1"/>
+            <a:t>more</a:t>
+          </a:r>
+          <a:r>
+            <a:rPr lang="de-AT" sz="1600" kern="1200" dirty="0"/>
+            <a:t> </a:t>
+          </a:r>
+          <a:r>
+            <a:rPr lang="de-AT" sz="1600" kern="1200" dirty="0" err="1"/>
+            <a:t>models</a:t>
+          </a:r>
+          <a:endParaRPr lang="de-AT" sz="1600" kern="1200" dirty="0"/>
+        </a:p>
+        <a:p>
+          <a:pPr marL="0" lvl="0" indent="0" algn="ctr" defTabSz="711200">
+            <a:lnSpc>
+              <a:spcPct val="90000"/>
+            </a:lnSpc>
+            <a:spcBef>
+              <a:spcPct val="0"/>
+            </a:spcBef>
+            <a:spcAft>
+              <a:spcPct val="35000"/>
+            </a:spcAft>
+            <a:buNone/>
+          </a:pPr>
+          <a:endParaRPr lang="en-GB" sz="1600" kern="1200" dirty="0"/>
+        </a:p>
+      </dsp:txBody>
+      <dsp:txXfrm>
+        <a:off x="160287" y="4512313"/>
+        <a:ext cx="2439756" cy="905149"/>
+      </dsp:txXfrm>
+    </dsp:sp>
+    <dsp:sp modelId="{55BD7BEC-72A6-4B3F-A8B9-8DF68B3722D5}">
+      <dsp:nvSpPr>
+        <dsp:cNvPr id="0" name=""/>
+        <dsp:cNvSpPr/>
+      </dsp:nvSpPr>
+      <dsp:spPr>
+        <a:xfrm>
+          <a:off x="2844121" y="2831321"/>
+          <a:ext cx="2439756" cy="1680991"/>
+        </a:xfrm>
+        <a:prstGeom prst="roundRect">
+          <a:avLst/>
+        </a:prstGeom>
+        <a:blipFill>
+          <a:blip xmlns:r="http://schemas.openxmlformats.org/officeDocument/2006/relationships" r:embed="rId9">
+            <a:extLst>
+              <a:ext uri="{96DAC541-7B7A-43D3-8B79-37D633B846F1}">
+                <asvg:svgBlip xmlns:asvg="http://schemas.microsoft.com/office/drawing/2016/SVG/main" r:embed="rId10"/>
+              </a:ext>
+            </a:extLst>
+          </a:blip>
+          <a:srcRect/>
+          <a:stretch>
+            <a:fillRect t="-23000" b="-23000"/>
+          </a:stretch>
+        </a:blipFill>
+        <a:ln w="19050" cap="flat" cmpd="sng" algn="ctr">
+          <a:solidFill>
+            <a:schemeClr val="lt1">
+              <a:hueOff val="0"/>
+              <a:satOff val="0"/>
+              <a:lumOff val="0"/>
+              <a:alphaOff val="0"/>
+            </a:schemeClr>
+          </a:solidFill>
+          <a:prstDash val="solid"/>
+          <a:miter lim="800000"/>
+        </a:ln>
+        <a:effectLst/>
+      </dsp:spPr>
+      <dsp:style>
+        <a:lnRef idx="2">
+          <a:scrgbClr r="0" g="0" b="0"/>
+        </a:lnRef>
+        <a:fillRef idx="1">
+          <a:scrgbClr r="0" g="0" b="0"/>
+        </a:fillRef>
+        <a:effectRef idx="0">
+          <a:scrgbClr r="0" g="0" b="0"/>
+        </a:effectRef>
+        <a:fontRef idx="minor">
+          <a:schemeClr val="lt1"/>
+        </a:fontRef>
+      </dsp:style>
+    </dsp:sp>
+    <dsp:sp modelId="{7D270498-B7EB-47EE-9CA1-C0278607FF04}">
+      <dsp:nvSpPr>
+        <dsp:cNvPr id="0" name=""/>
+        <dsp:cNvSpPr/>
+      </dsp:nvSpPr>
+      <dsp:spPr>
+        <a:xfrm>
+          <a:off x="2844121" y="4512313"/>
+          <a:ext cx="2439756" cy="905149"/>
+        </a:xfrm>
+        <a:prstGeom prst="rect">
+          <a:avLst/>
+        </a:prstGeom>
+        <a:noFill/>
+        <a:ln>
+          <a:noFill/>
+        </a:ln>
+        <a:effectLst/>
+      </dsp:spPr>
+      <dsp:style>
+        <a:lnRef idx="0">
+          <a:scrgbClr r="0" g="0" b="0"/>
+        </a:lnRef>
+        <a:fillRef idx="0">
+          <a:scrgbClr r="0" g="0" b="0"/>
+        </a:fillRef>
+        <a:effectRef idx="0">
+          <a:scrgbClr r="0" g="0" b="0"/>
+        </a:effectRef>
+        <a:fontRef idx="minor"/>
+      </dsp:style>
+      <dsp:txBody>
+        <a:bodyPr spcFirstLastPara="0" vert="horz" wrap="square" lIns="113792" tIns="113792" rIns="113792" bIns="0" numCol="1" spcCol="1270" anchor="t" anchorCtr="0">
+          <a:noAutofit/>
+        </a:bodyPr>
+        <a:lstStyle/>
+        <a:p>
+          <a:pPr marL="0" lvl="0" indent="0" algn="ctr" defTabSz="711200">
+            <a:lnSpc>
+              <a:spcPct val="90000"/>
+            </a:lnSpc>
+            <a:spcBef>
+              <a:spcPct val="0"/>
+            </a:spcBef>
+            <a:spcAft>
+              <a:spcPct val="35000"/>
+            </a:spcAft>
+            <a:buNone/>
+          </a:pPr>
+          <a:r>
+            <a:rPr lang="de-AT" sz="1600" kern="1200" dirty="0"/>
+            <a:t>(</a:t>
+          </a:r>
+          <a:r>
+            <a:rPr lang="de-AT" sz="1600" kern="1200" dirty="0" err="1"/>
+            <a:t>potentially</a:t>
+          </a:r>
+          <a:r>
+            <a:rPr lang="de-AT" sz="1600" kern="1200" dirty="0"/>
+            <a:t>) Implement hybrid </a:t>
+          </a:r>
+          <a:r>
+            <a:rPr lang="de-AT" sz="1600" kern="1200" dirty="0" err="1"/>
+            <a:t>models</a:t>
+          </a:r>
+          <a:endParaRPr lang="en-GB" sz="1600" kern="1200" dirty="0"/>
+        </a:p>
+      </dsp:txBody>
+      <dsp:txXfrm>
+        <a:off x="2844121" y="4512313"/>
+        <a:ext cx="2439756" cy="905149"/>
+      </dsp:txXfrm>
+    </dsp:sp>
+    <dsp:sp modelId="{19AF60A6-5E88-40A7-8A35-6F7E9929DF5F}">
+      <dsp:nvSpPr>
+        <dsp:cNvPr id="0" name=""/>
+        <dsp:cNvSpPr/>
+      </dsp:nvSpPr>
+      <dsp:spPr>
+        <a:xfrm>
+          <a:off x="5527956" y="2831321"/>
+          <a:ext cx="2439756" cy="1680991"/>
+        </a:xfrm>
+        <a:prstGeom prst="roundRect">
+          <a:avLst/>
+        </a:prstGeom>
+        <a:blipFill>
+          <a:blip xmlns:r="http://schemas.openxmlformats.org/officeDocument/2006/relationships" r:embed="rId11">
+            <a:extLst>
+              <a:ext uri="{96DAC541-7B7A-43D3-8B79-37D633B846F1}">
+                <asvg:svgBlip xmlns:asvg="http://schemas.microsoft.com/office/drawing/2016/SVG/main" r:embed="rId12"/>
+              </a:ext>
+            </a:extLst>
+          </a:blip>
+          <a:srcRect/>
+          <a:stretch>
+            <a:fillRect t="-23000" b="-23000"/>
+          </a:stretch>
+        </a:blipFill>
+        <a:ln w="19050" cap="flat" cmpd="sng" algn="ctr">
+          <a:solidFill>
+            <a:schemeClr val="lt1">
+              <a:hueOff val="0"/>
+              <a:satOff val="0"/>
+              <a:lumOff val="0"/>
+              <a:alphaOff val="0"/>
+            </a:schemeClr>
+          </a:solidFill>
+          <a:prstDash val="solid"/>
+          <a:miter lim="800000"/>
+        </a:ln>
+        <a:effectLst/>
+      </dsp:spPr>
+      <dsp:style>
+        <a:lnRef idx="2">
+          <a:scrgbClr r="0" g="0" b="0"/>
+        </a:lnRef>
+        <a:fillRef idx="1">
+          <a:scrgbClr r="0" g="0" b="0"/>
+        </a:fillRef>
+        <a:effectRef idx="0">
+          <a:scrgbClr r="0" g="0" b="0"/>
+        </a:effectRef>
+        <a:fontRef idx="minor">
+          <a:schemeClr val="lt1"/>
+        </a:fontRef>
+      </dsp:style>
+    </dsp:sp>
+    <dsp:sp modelId="{BDBBCB0B-83FA-4ABF-B8C9-4BE148C5884D}">
+      <dsp:nvSpPr>
+        <dsp:cNvPr id="0" name=""/>
+        <dsp:cNvSpPr/>
+      </dsp:nvSpPr>
+      <dsp:spPr>
+        <a:xfrm>
+          <a:off x="5527956" y="4512313"/>
+          <a:ext cx="2439756" cy="905149"/>
+        </a:xfrm>
+        <a:prstGeom prst="rect">
+          <a:avLst/>
+        </a:prstGeom>
+        <a:noFill/>
+        <a:ln>
+          <a:noFill/>
+        </a:ln>
+        <a:effectLst/>
+      </dsp:spPr>
+      <dsp:style>
+        <a:lnRef idx="0">
+          <a:scrgbClr r="0" g="0" b="0"/>
+        </a:lnRef>
+        <a:fillRef idx="0">
+          <a:scrgbClr r="0" g="0" b="0"/>
+        </a:fillRef>
+        <a:effectRef idx="0">
+          <a:scrgbClr r="0" g="0" b="0"/>
+        </a:effectRef>
+        <a:fontRef idx="minor"/>
+      </dsp:style>
+      <dsp:txBody>
+        <a:bodyPr spcFirstLastPara="0" vert="horz" wrap="square" lIns="113792" tIns="113792" rIns="113792" bIns="0" numCol="1" spcCol="1270" anchor="t" anchorCtr="0">
+          <a:noAutofit/>
+        </a:bodyPr>
+        <a:lstStyle/>
+        <a:p>
+          <a:pPr marL="0" lvl="0" indent="0" algn="ctr" defTabSz="711200">
+            <a:lnSpc>
+              <a:spcPct val="90000"/>
+            </a:lnSpc>
+            <a:spcBef>
+              <a:spcPct val="0"/>
+            </a:spcBef>
+            <a:spcAft>
+              <a:spcPct val="35000"/>
+            </a:spcAft>
+            <a:buNone/>
+          </a:pPr>
+          <a:r>
+            <a:rPr lang="de-AT" sz="1600" kern="1200" dirty="0"/>
+            <a:t>(</a:t>
+          </a:r>
+          <a:r>
+            <a:rPr lang="de-AT" sz="1600" kern="1200" dirty="0" err="1"/>
+            <a:t>potentially</a:t>
+          </a:r>
+          <a:r>
+            <a:rPr lang="de-AT" sz="1600" kern="1200" dirty="0"/>
+            <a:t>) Include </a:t>
+          </a:r>
+          <a:r>
+            <a:rPr lang="de-AT" sz="1600" kern="1200" dirty="0" err="1"/>
+            <a:t>other</a:t>
+          </a:r>
+          <a:r>
+            <a:rPr lang="de-AT" sz="1600" kern="1200" dirty="0"/>
+            <a:t> </a:t>
+          </a:r>
+          <a:r>
+            <a:rPr lang="de-AT" sz="1600" kern="1200" dirty="0" err="1"/>
+            <a:t>types</a:t>
+          </a:r>
+          <a:r>
+            <a:rPr lang="de-AT" sz="1600" kern="1200" dirty="0"/>
+            <a:t> </a:t>
+          </a:r>
+          <a:r>
+            <a:rPr lang="de-AT" sz="1600" kern="1200" dirty="0" err="1"/>
+            <a:t>of</a:t>
+          </a:r>
+          <a:r>
+            <a:rPr lang="de-AT" sz="1600" kern="1200" dirty="0"/>
+            <a:t> </a:t>
+          </a:r>
+          <a:r>
+            <a:rPr lang="de-AT" sz="1600" kern="1200" dirty="0" err="1"/>
+            <a:t>data</a:t>
+          </a:r>
+          <a:endParaRPr lang="en-GB" sz="1600" kern="1200" dirty="0"/>
+        </a:p>
+      </dsp:txBody>
+      <dsp:txXfrm>
+        <a:off x="5527956" y="4512313"/>
+        <a:ext cx="2439756" cy="905149"/>
+      </dsp:txXfrm>
+    </dsp:sp>
+  </dsp:spTree>
+</dsp:drawing>
+</file>
+
 <file path=ppt/diagrams/layout1.xml><?xml version="1.0" encoding="utf-8"?>
 <dgm:layoutDef xmlns:dgm="http://schemas.openxmlformats.org/drawingml/2006/diagram" xmlns:a="http://schemas.openxmlformats.org/drawingml/2006/main" uniqueId="urn:microsoft.com/office/officeart/2005/8/layout/hProcess10">
   <dgm:title val=""/>
@@ -5953,6 +8249,167 @@
 </dgm:layoutDef>
 </file>
 
+<file path=ppt/diagrams/layout3.xml><?xml version="1.0" encoding="utf-8"?>
+<dgm:layoutDef xmlns:dgm="http://schemas.openxmlformats.org/drawingml/2006/diagram" xmlns:a="http://schemas.openxmlformats.org/drawingml/2006/main" uniqueId="urn:microsoft.com/office/officeart/2005/8/layout/pList1">
+  <dgm:title val=""/>
+  <dgm:desc val=""/>
+  <dgm:catLst>
+    <dgm:cat type="list" pri="2000"/>
+    <dgm:cat type="picture" pri="2500"/>
+    <dgm:cat type="pictureconvert" pri="2500"/>
+  </dgm:catLst>
+  <dgm:sampData>
+    <dgm:dataModel>
+      <dgm:ptLst>
+        <dgm:pt modelId="0" type="doc"/>
+        <dgm:pt modelId="1">
+          <dgm:prSet phldr="1"/>
+        </dgm:pt>
+        <dgm:pt modelId="2">
+          <dgm:prSet phldr="1"/>
+        </dgm:pt>
+        <dgm:pt modelId="3">
+          <dgm:prSet phldr="1"/>
+        </dgm:pt>
+        <dgm:pt modelId="4">
+          <dgm:prSet phldr="1"/>
+        </dgm:pt>
+      </dgm:ptLst>
+      <dgm:cxnLst>
+        <dgm:cxn modelId="7" srcId="0" destId="1" srcOrd="0" destOrd="0"/>
+        <dgm:cxn modelId="8" srcId="0" destId="2" srcOrd="1" destOrd="0"/>
+        <dgm:cxn modelId="9" srcId="0" destId="3" srcOrd="2" destOrd="0"/>
+        <dgm:cxn modelId="10" srcId="0" destId="4" srcOrd="3" destOrd="0"/>
+      </dgm:cxnLst>
+      <dgm:bg/>
+      <dgm:whole/>
+    </dgm:dataModel>
+  </dgm:sampData>
+  <dgm:styleData>
+    <dgm:dataModel>
+      <dgm:ptLst>
+        <dgm:pt modelId="0" type="doc"/>
+        <dgm:pt modelId="1"/>
+        <dgm:pt modelId="2"/>
+      </dgm:ptLst>
+      <dgm:cxnLst>
+        <dgm:cxn modelId="3" srcId="0" destId="1" srcOrd="0" destOrd="0"/>
+        <dgm:cxn modelId="4" srcId="0" destId="2" srcOrd="1" destOrd="0"/>
+      </dgm:cxnLst>
+      <dgm:bg/>
+      <dgm:whole/>
+    </dgm:dataModel>
+  </dgm:styleData>
+  <dgm:clrData useDef="1">
+    <dgm:dataModel>
+      <dgm:ptLst/>
+      <dgm:bg/>
+      <dgm:whole/>
+    </dgm:dataModel>
+  </dgm:clrData>
+  <dgm:layoutNode name="Name0">
+    <dgm:varLst>
+      <dgm:dir/>
+      <dgm:resizeHandles val="exact"/>
+    </dgm:varLst>
+    <dgm:choose name="Name1">
+      <dgm:if name="Name2" axis="self" func="var" arg="dir" op="equ" val="norm">
+        <dgm:alg type="snake">
+          <dgm:param type="grDir" val="tL"/>
+          <dgm:param type="flowDir" val="row"/>
+          <dgm:param type="contDir" val="sameDir"/>
+          <dgm:param type="off" val="ctr"/>
+          <dgm:param type="vertAlign" val="mid"/>
+          <dgm:param type="horzAlign" val="ctr"/>
+        </dgm:alg>
+      </dgm:if>
+      <dgm:else name="Name3">
+        <dgm:alg type="snake">
+          <dgm:param type="grDir" val="tR"/>
+          <dgm:param type="flowDir" val="row"/>
+          <dgm:param type="contDir" val="sameDir"/>
+          <dgm:param type="off" val="ctr"/>
+          <dgm:param type="vertAlign" val="mid"/>
+          <dgm:param type="horzAlign" val="ctr"/>
+        </dgm:alg>
+      </dgm:else>
+    </dgm:choose>
+    <dgm:shape xmlns:r="http://schemas.openxmlformats.org/officeDocument/2006/relationships" r:blip="">
+      <dgm:adjLst/>
+    </dgm:shape>
+    <dgm:presOf/>
+    <dgm:constrLst>
+      <dgm:constr type="w" for="ch" forName="compNode" refType="w"/>
+      <dgm:constr type="w" for="ch" ptType="sibTrans" refType="w" refFor="ch" refForName="compNode" op="equ" fact="0.1"/>
+      <dgm:constr type="sp" refType="w" refFor="ch" refForName="compNode" op="equ" fact="0.1"/>
+      <dgm:constr type="primFontSz" for="des" ptType="node" op="equ" val="65"/>
+    </dgm:constrLst>
+    <dgm:ruleLst/>
+    <dgm:forEach name="Name4" axis="ch" ptType="node">
+      <dgm:layoutNode name="compNode">
+        <dgm:alg type="composite">
+          <dgm:param type="ar" val="0.943"/>
+        </dgm:alg>
+        <dgm:shape xmlns:r="http://schemas.openxmlformats.org/officeDocument/2006/relationships" r:blip="">
+          <dgm:adjLst/>
+        </dgm:shape>
+        <dgm:presOf axis="self"/>
+        <dgm:constrLst>
+          <dgm:constr type="h" refType="w" fact="1.06"/>
+          <dgm:constr type="h" for="ch" forName="pictRect" refType="h" fact="0.65"/>
+          <dgm:constr type="w" for="ch" forName="pictRect" refType="w"/>
+          <dgm:constr type="l" for="ch" forName="pictRect"/>
+          <dgm:constr type="t" for="ch" forName="pictRect"/>
+          <dgm:constr type="w" for="ch" forName="textRect" refType="w"/>
+          <dgm:constr type="h" for="ch" forName="textRect" refType="h" fact="0.35"/>
+          <dgm:constr type="l" for="ch" forName="textRect"/>
+          <dgm:constr type="t" for="ch" forName="textRect" refType="b" refFor="ch" refForName="pictRect"/>
+        </dgm:constrLst>
+        <dgm:ruleLst/>
+        <dgm:layoutNode name="pictRect">
+          <dgm:alg type="sp"/>
+          <dgm:shape xmlns:r="http://schemas.openxmlformats.org/officeDocument/2006/relationships" type="roundRect" r:blip="" blipPhldr="1">
+            <dgm:adjLst/>
+          </dgm:shape>
+          <dgm:presOf/>
+          <dgm:constrLst/>
+          <dgm:ruleLst/>
+        </dgm:layoutNode>
+        <dgm:layoutNode name="textRect" styleLbl="revTx">
+          <dgm:varLst>
+            <dgm:bulletEnabled val="1"/>
+          </dgm:varLst>
+          <dgm:alg type="tx">
+            <dgm:param type="txAnchorVert" val="t"/>
+          </dgm:alg>
+          <dgm:shape xmlns:r="http://schemas.openxmlformats.org/officeDocument/2006/relationships" type="rect" r:blip="">
+            <dgm:adjLst/>
+          </dgm:shape>
+          <dgm:presOf axis="desOrSelf" ptType="node"/>
+          <dgm:constrLst>
+            <dgm:constr type="bMarg"/>
+          </dgm:constrLst>
+          <dgm:ruleLst>
+            <dgm:rule type="primFontSz" val="5" fact="NaN" max="NaN"/>
+          </dgm:ruleLst>
+        </dgm:layoutNode>
+      </dgm:layoutNode>
+      <dgm:forEach name="Name5" axis="followSib" ptType="sibTrans" cnt="1">
+        <dgm:layoutNode name="sibTrans">
+          <dgm:alg type="sp"/>
+          <dgm:shape xmlns:r="http://schemas.openxmlformats.org/officeDocument/2006/relationships" type="rect" r:blip="" hideGeom="1">
+            <dgm:adjLst/>
+          </dgm:shape>
+          <dgm:presOf axis="self"/>
+          <dgm:constrLst/>
+          <dgm:ruleLst/>
+        </dgm:layoutNode>
+      </dgm:forEach>
+    </dgm:forEach>
+  </dgm:layoutNode>
+</dgm:layoutDef>
+</file>
+
 <file path=ppt/diagrams/quickStyle1.xml><?xml version="1.0" encoding="utf-8"?>
 <dgm:styleDef xmlns:dgm="http://schemas.openxmlformats.org/drawingml/2006/diagram" xmlns:a="http://schemas.openxmlformats.org/drawingml/2006/main" uniqueId="urn:microsoft.com/office/officeart/2005/8/quickstyle/simple1">
   <dgm:title val=""/>
@@ -6988,6 +9445,1040 @@
 </file>
 
 <file path=ppt/diagrams/quickStyle2.xml><?xml version="1.0" encoding="utf-8"?>
+<dgm:styleDef xmlns:dgm="http://schemas.openxmlformats.org/drawingml/2006/diagram" xmlns:a="http://schemas.openxmlformats.org/drawingml/2006/main" uniqueId="urn:microsoft.com/office/officeart/2005/8/quickstyle/simple1">
+  <dgm:title val=""/>
+  <dgm:desc val=""/>
+  <dgm:catLst>
+    <dgm:cat type="simple" pri="10100"/>
+  </dgm:catLst>
+  <dgm:scene3d>
+    <a:camera prst="orthographicFront"/>
+    <a:lightRig rig="threePt" dir="t"/>
+  </dgm:scene3d>
+  <dgm:styleLbl name="node0">
+    <dgm:scene3d>
+      <a:camera prst="orthographicFront"/>
+      <a:lightRig rig="threePt" dir="t"/>
+    </dgm:scene3d>
+    <dgm:sp3d/>
+    <dgm:txPr/>
+    <dgm:style>
+      <a:lnRef idx="2">
+        <a:scrgbClr r="0" g="0" b="0"/>
+      </a:lnRef>
+      <a:fillRef idx="1">
+        <a:scrgbClr r="0" g="0" b="0"/>
+      </a:fillRef>
+      <a:effectRef idx="0">
+        <a:scrgbClr r="0" g="0" b="0"/>
+      </a:effectRef>
+      <a:fontRef idx="minor">
+        <a:schemeClr val="lt1"/>
+      </a:fontRef>
+    </dgm:style>
+  </dgm:styleLbl>
+  <dgm:styleLbl name="lnNode1">
+    <dgm:scene3d>
+      <a:camera prst="orthographicFront"/>
+      <a:lightRig rig="threePt" dir="t"/>
+    </dgm:scene3d>
+    <dgm:sp3d/>
+    <dgm:txPr/>
+    <dgm:style>
+      <a:lnRef idx="2">
+        <a:scrgbClr r="0" g="0" b="0"/>
+      </a:lnRef>
+      <a:fillRef idx="1">
+        <a:scrgbClr r="0" g="0" b="0"/>
+      </a:fillRef>
+      <a:effectRef idx="0">
+        <a:scrgbClr r="0" g="0" b="0"/>
+      </a:effectRef>
+      <a:fontRef idx="minor">
+        <a:schemeClr val="lt1"/>
+      </a:fontRef>
+    </dgm:style>
+  </dgm:styleLbl>
+  <dgm:styleLbl name="vennNode1">
+    <dgm:scene3d>
+      <a:camera prst="orthographicFront"/>
+      <a:lightRig rig="threePt" dir="t"/>
+    </dgm:scene3d>
+    <dgm:sp3d/>
+    <dgm:txPr/>
+    <dgm:style>
+      <a:lnRef idx="2">
+        <a:scrgbClr r="0" g="0" b="0"/>
+      </a:lnRef>
+      <a:fillRef idx="1">
+        <a:scrgbClr r="0" g="0" b="0"/>
+      </a:fillRef>
+      <a:effectRef idx="0">
+        <a:scrgbClr r="0" g="0" b="0"/>
+      </a:effectRef>
+      <a:fontRef idx="minor">
+        <a:schemeClr val="tx1"/>
+      </a:fontRef>
+    </dgm:style>
+  </dgm:styleLbl>
+  <dgm:styleLbl name="alignNode1">
+    <dgm:scene3d>
+      <a:camera prst="orthographicFront"/>
+      <a:lightRig rig="threePt" dir="t"/>
+    </dgm:scene3d>
+    <dgm:sp3d/>
+    <dgm:txPr/>
+    <dgm:style>
+      <a:lnRef idx="2">
+        <a:scrgbClr r="0" g="0" b="0"/>
+      </a:lnRef>
+      <a:fillRef idx="1">
+        <a:scrgbClr r="0" g="0" b="0"/>
+      </a:fillRef>
+      <a:effectRef idx="0">
+        <a:scrgbClr r="0" g="0" b="0"/>
+      </a:effectRef>
+      <a:fontRef idx="minor">
+        <a:schemeClr val="lt1"/>
+      </a:fontRef>
+    </dgm:style>
+  </dgm:styleLbl>
+  <dgm:styleLbl name="node1">
+    <dgm:scene3d>
+      <a:camera prst="orthographicFront"/>
+      <a:lightRig rig="threePt" dir="t"/>
+    </dgm:scene3d>
+    <dgm:sp3d/>
+    <dgm:txPr/>
+    <dgm:style>
+      <a:lnRef idx="2">
+        <a:scrgbClr r="0" g="0" b="0"/>
+      </a:lnRef>
+      <a:fillRef idx="1">
+        <a:scrgbClr r="0" g="0" b="0"/>
+      </a:fillRef>
+      <a:effectRef idx="0">
+        <a:scrgbClr r="0" g="0" b="0"/>
+      </a:effectRef>
+      <a:fontRef idx="minor">
+        <a:schemeClr val="lt1"/>
+      </a:fontRef>
+    </dgm:style>
+  </dgm:styleLbl>
+  <dgm:styleLbl name="node2">
+    <dgm:scene3d>
+      <a:camera prst="orthographicFront"/>
+      <a:lightRig rig="threePt" dir="t"/>
+    </dgm:scene3d>
+    <dgm:sp3d/>
+    <dgm:txPr/>
+    <dgm:style>
+      <a:lnRef idx="2">
+        <a:scrgbClr r="0" g="0" b="0"/>
+      </a:lnRef>
+      <a:fillRef idx="1">
+        <a:scrgbClr r="0" g="0" b="0"/>
+      </a:fillRef>
+      <a:effectRef idx="0">
+        <a:scrgbClr r="0" g="0" b="0"/>
+      </a:effectRef>
+      <a:fontRef idx="minor">
+        <a:schemeClr val="lt1"/>
+      </a:fontRef>
+    </dgm:style>
+  </dgm:styleLbl>
+  <dgm:styleLbl name="node3">
+    <dgm:scene3d>
+      <a:camera prst="orthographicFront"/>
+      <a:lightRig rig="threePt" dir="t"/>
+    </dgm:scene3d>
+    <dgm:sp3d/>
+    <dgm:txPr/>
+    <dgm:style>
+      <a:lnRef idx="2">
+        <a:scrgbClr r="0" g="0" b="0"/>
+      </a:lnRef>
+      <a:fillRef idx="1">
+        <a:scrgbClr r="0" g="0" b="0"/>
+      </a:fillRef>
+      <a:effectRef idx="0">
+        <a:scrgbClr r="0" g="0" b="0"/>
+      </a:effectRef>
+      <a:fontRef idx="minor">
+        <a:schemeClr val="lt1"/>
+      </a:fontRef>
+    </dgm:style>
+  </dgm:styleLbl>
+  <dgm:styleLbl name="node4">
+    <dgm:scene3d>
+      <a:camera prst="orthographicFront"/>
+      <a:lightRig rig="threePt" dir="t"/>
+    </dgm:scene3d>
+    <dgm:sp3d/>
+    <dgm:txPr/>
+    <dgm:style>
+      <a:lnRef idx="2">
+        <a:scrgbClr r="0" g="0" b="0"/>
+      </a:lnRef>
+      <a:fillRef idx="1">
+        <a:scrgbClr r="0" g="0" b="0"/>
+      </a:fillRef>
+      <a:effectRef idx="0">
+        <a:scrgbClr r="0" g="0" b="0"/>
+      </a:effectRef>
+      <a:fontRef idx="minor">
+        <a:schemeClr val="lt1"/>
+      </a:fontRef>
+    </dgm:style>
+  </dgm:styleLbl>
+  <dgm:styleLbl name="fgImgPlace1">
+    <dgm:scene3d>
+      <a:camera prst="orthographicFront"/>
+      <a:lightRig rig="threePt" dir="t"/>
+    </dgm:scene3d>
+    <dgm:sp3d/>
+    <dgm:txPr/>
+    <dgm:style>
+      <a:lnRef idx="2">
+        <a:scrgbClr r="0" g="0" b="0"/>
+      </a:lnRef>
+      <a:fillRef idx="1">
+        <a:scrgbClr r="0" g="0" b="0"/>
+      </a:fillRef>
+      <a:effectRef idx="0">
+        <a:scrgbClr r="0" g="0" b="0"/>
+      </a:effectRef>
+      <a:fontRef idx="minor"/>
+    </dgm:style>
+  </dgm:styleLbl>
+  <dgm:styleLbl name="alignImgPlace1">
+    <dgm:scene3d>
+      <a:camera prst="orthographicFront"/>
+      <a:lightRig rig="threePt" dir="t"/>
+    </dgm:scene3d>
+    <dgm:sp3d/>
+    <dgm:txPr/>
+    <dgm:style>
+      <a:lnRef idx="2">
+        <a:scrgbClr r="0" g="0" b="0"/>
+      </a:lnRef>
+      <a:fillRef idx="1">
+        <a:scrgbClr r="0" g="0" b="0"/>
+      </a:fillRef>
+      <a:effectRef idx="0">
+        <a:scrgbClr r="0" g="0" b="0"/>
+      </a:effectRef>
+      <a:fontRef idx="minor"/>
+    </dgm:style>
+  </dgm:styleLbl>
+  <dgm:styleLbl name="bgImgPlace1">
+    <dgm:scene3d>
+      <a:camera prst="orthographicFront"/>
+      <a:lightRig rig="threePt" dir="t"/>
+    </dgm:scene3d>
+    <dgm:sp3d/>
+    <dgm:txPr/>
+    <dgm:style>
+      <a:lnRef idx="2">
+        <a:scrgbClr r="0" g="0" b="0"/>
+      </a:lnRef>
+      <a:fillRef idx="1">
+        <a:scrgbClr r="0" g="0" b="0"/>
+      </a:fillRef>
+      <a:effectRef idx="0">
+        <a:scrgbClr r="0" g="0" b="0"/>
+      </a:effectRef>
+      <a:fontRef idx="minor"/>
+    </dgm:style>
+  </dgm:styleLbl>
+  <dgm:styleLbl name="sibTrans2D1">
+    <dgm:scene3d>
+      <a:camera prst="orthographicFront"/>
+      <a:lightRig rig="threePt" dir="t"/>
+    </dgm:scene3d>
+    <dgm:sp3d/>
+    <dgm:txPr/>
+    <dgm:style>
+      <a:lnRef idx="0">
+        <a:scrgbClr r="0" g="0" b="0"/>
+      </a:lnRef>
+      <a:fillRef idx="1">
+        <a:scrgbClr r="0" g="0" b="0"/>
+      </a:fillRef>
+      <a:effectRef idx="0">
+        <a:scrgbClr r="0" g="0" b="0"/>
+      </a:effectRef>
+      <a:fontRef idx="minor">
+        <a:schemeClr val="lt1"/>
+      </a:fontRef>
+    </dgm:style>
+  </dgm:styleLbl>
+  <dgm:styleLbl name="fgSibTrans2D1">
+    <dgm:scene3d>
+      <a:camera prst="orthographicFront"/>
+      <a:lightRig rig="threePt" dir="t"/>
+    </dgm:scene3d>
+    <dgm:sp3d/>
+    <dgm:txPr/>
+    <dgm:style>
+      <a:lnRef idx="0">
+        <a:scrgbClr r="0" g="0" b="0"/>
+      </a:lnRef>
+      <a:fillRef idx="1">
+        <a:scrgbClr r="0" g="0" b="0"/>
+      </a:fillRef>
+      <a:effectRef idx="0">
+        <a:scrgbClr r="0" g="0" b="0"/>
+      </a:effectRef>
+      <a:fontRef idx="minor">
+        <a:schemeClr val="lt1"/>
+      </a:fontRef>
+    </dgm:style>
+  </dgm:styleLbl>
+  <dgm:styleLbl name="bgSibTrans2D1">
+    <dgm:scene3d>
+      <a:camera prst="orthographicFront"/>
+      <a:lightRig rig="threePt" dir="t"/>
+    </dgm:scene3d>
+    <dgm:sp3d/>
+    <dgm:txPr/>
+    <dgm:style>
+      <a:lnRef idx="0">
+        <a:scrgbClr r="0" g="0" b="0"/>
+      </a:lnRef>
+      <a:fillRef idx="1">
+        <a:scrgbClr r="0" g="0" b="0"/>
+      </a:fillRef>
+      <a:effectRef idx="0">
+        <a:scrgbClr r="0" g="0" b="0"/>
+      </a:effectRef>
+      <a:fontRef idx="minor">
+        <a:schemeClr val="lt1"/>
+      </a:fontRef>
+    </dgm:style>
+  </dgm:styleLbl>
+  <dgm:styleLbl name="sibTrans1D1">
+    <dgm:scene3d>
+      <a:camera prst="orthographicFront"/>
+      <a:lightRig rig="threePt" dir="t"/>
+    </dgm:scene3d>
+    <dgm:sp3d/>
+    <dgm:txPr/>
+    <dgm:style>
+      <a:lnRef idx="1">
+        <a:scrgbClr r="0" g="0" b="0"/>
+      </a:lnRef>
+      <a:fillRef idx="0">
+        <a:scrgbClr r="0" g="0" b="0"/>
+      </a:fillRef>
+      <a:effectRef idx="0">
+        <a:scrgbClr r="0" g="0" b="0"/>
+      </a:effectRef>
+      <a:fontRef idx="minor"/>
+    </dgm:style>
+  </dgm:styleLbl>
+  <dgm:styleLbl name="callout">
+    <dgm:scene3d>
+      <a:camera prst="orthographicFront"/>
+      <a:lightRig rig="threePt" dir="t"/>
+    </dgm:scene3d>
+    <dgm:sp3d/>
+    <dgm:txPr/>
+    <dgm:style>
+      <a:lnRef idx="2">
+        <a:scrgbClr r="0" g="0" b="0"/>
+      </a:lnRef>
+      <a:fillRef idx="1">
+        <a:scrgbClr r="0" g="0" b="0"/>
+      </a:fillRef>
+      <a:effectRef idx="0">
+        <a:scrgbClr r="0" g="0" b="0"/>
+      </a:effectRef>
+      <a:fontRef idx="minor"/>
+    </dgm:style>
+  </dgm:styleLbl>
+  <dgm:styleLbl name="asst0">
+    <dgm:scene3d>
+      <a:camera prst="orthographicFront"/>
+      <a:lightRig rig="threePt" dir="t"/>
+    </dgm:scene3d>
+    <dgm:sp3d/>
+    <dgm:txPr/>
+    <dgm:style>
+      <a:lnRef idx="2">
+        <a:scrgbClr r="0" g="0" b="0"/>
+      </a:lnRef>
+      <a:fillRef idx="1">
+        <a:scrgbClr r="0" g="0" b="0"/>
+      </a:fillRef>
+      <a:effectRef idx="0">
+        <a:scrgbClr r="0" g="0" b="0"/>
+      </a:effectRef>
+      <a:fontRef idx="minor">
+        <a:schemeClr val="lt1"/>
+      </a:fontRef>
+    </dgm:style>
+  </dgm:styleLbl>
+  <dgm:styleLbl name="asst1">
+    <dgm:scene3d>
+      <a:camera prst="orthographicFront"/>
+      <a:lightRig rig="threePt" dir="t"/>
+    </dgm:scene3d>
+    <dgm:sp3d/>
+    <dgm:txPr/>
+    <dgm:style>
+      <a:lnRef idx="2">
+        <a:scrgbClr r="0" g="0" b="0"/>
+      </a:lnRef>
+      <a:fillRef idx="1">
+        <a:scrgbClr r="0" g="0" b="0"/>
+      </a:fillRef>
+      <a:effectRef idx="0">
+        <a:scrgbClr r="0" g="0" b="0"/>
+      </a:effectRef>
+      <a:fontRef idx="minor">
+        <a:schemeClr val="lt1"/>
+      </a:fontRef>
+    </dgm:style>
+  </dgm:styleLbl>
+  <dgm:styleLbl name="asst2">
+    <dgm:scene3d>
+      <a:camera prst="orthographicFront"/>
+      <a:lightRig rig="threePt" dir="t"/>
+    </dgm:scene3d>
+    <dgm:sp3d/>
+    <dgm:txPr/>
+    <dgm:style>
+      <a:lnRef idx="2">
+        <a:scrgbClr r="0" g="0" b="0"/>
+      </a:lnRef>
+      <a:fillRef idx="1">
+        <a:scrgbClr r="0" g="0" b="0"/>
+      </a:fillRef>
+      <a:effectRef idx="0">
+        <a:scrgbClr r="0" g="0" b="0"/>
+      </a:effectRef>
+      <a:fontRef idx="minor">
+        <a:schemeClr val="lt1"/>
+      </a:fontRef>
+    </dgm:style>
+  </dgm:styleLbl>
+  <dgm:styleLbl name="asst3">
+    <dgm:scene3d>
+      <a:camera prst="orthographicFront"/>
+      <a:lightRig rig="threePt" dir="t"/>
+    </dgm:scene3d>
+    <dgm:sp3d/>
+    <dgm:txPr/>
+    <dgm:style>
+      <a:lnRef idx="2">
+        <a:scrgbClr r="0" g="0" b="0"/>
+      </a:lnRef>
+      <a:fillRef idx="1">
+        <a:scrgbClr r="0" g="0" b="0"/>
+      </a:fillRef>
+      <a:effectRef idx="0">
+        <a:scrgbClr r="0" g="0" b="0"/>
+      </a:effectRef>
+      <a:fontRef idx="minor">
+        <a:schemeClr val="lt1"/>
+      </a:fontRef>
+    </dgm:style>
+  </dgm:styleLbl>
+  <dgm:styleLbl name="asst4">
+    <dgm:scene3d>
+      <a:camera prst="orthographicFront"/>
+      <a:lightRig rig="threePt" dir="t"/>
+    </dgm:scene3d>
+    <dgm:sp3d/>
+    <dgm:txPr/>
+    <dgm:style>
+      <a:lnRef idx="2">
+        <a:scrgbClr r="0" g="0" b="0"/>
+      </a:lnRef>
+      <a:fillRef idx="1">
+        <a:scrgbClr r="0" g="0" b="0"/>
+      </a:fillRef>
+      <a:effectRef idx="0">
+        <a:scrgbClr r="0" g="0" b="0"/>
+      </a:effectRef>
+      <a:fontRef idx="minor">
+        <a:schemeClr val="lt1"/>
+      </a:fontRef>
+    </dgm:style>
+  </dgm:styleLbl>
+  <dgm:styleLbl name="parChTrans2D1">
+    <dgm:scene3d>
+      <a:camera prst="orthographicFront"/>
+      <a:lightRig rig="threePt" dir="t"/>
+    </dgm:scene3d>
+    <dgm:sp3d/>
+    <dgm:txPr/>
+    <dgm:style>
+      <a:lnRef idx="2">
+        <a:scrgbClr r="0" g="0" b="0"/>
+      </a:lnRef>
+      <a:fillRef idx="1">
+        <a:scrgbClr r="0" g="0" b="0"/>
+      </a:fillRef>
+      <a:effectRef idx="0">
+        <a:scrgbClr r="0" g="0" b="0"/>
+      </a:effectRef>
+      <a:fontRef idx="minor">
+        <a:schemeClr val="lt1"/>
+      </a:fontRef>
+    </dgm:style>
+  </dgm:styleLbl>
+  <dgm:styleLbl name="parChTrans2D2">
+    <dgm:scene3d>
+      <a:camera prst="orthographicFront"/>
+      <a:lightRig rig="threePt" dir="t"/>
+    </dgm:scene3d>
+    <dgm:sp3d/>
+    <dgm:txPr/>
+    <dgm:style>
+      <a:lnRef idx="2">
+        <a:scrgbClr r="0" g="0" b="0"/>
+      </a:lnRef>
+      <a:fillRef idx="1">
+        <a:scrgbClr r="0" g="0" b="0"/>
+      </a:fillRef>
+      <a:effectRef idx="0">
+        <a:scrgbClr r="0" g="0" b="0"/>
+      </a:effectRef>
+      <a:fontRef idx="minor">
+        <a:schemeClr val="lt1"/>
+      </a:fontRef>
+    </dgm:style>
+  </dgm:styleLbl>
+  <dgm:styleLbl name="parChTrans2D3">
+    <dgm:scene3d>
+      <a:camera prst="orthographicFront"/>
+      <a:lightRig rig="threePt" dir="t"/>
+    </dgm:scene3d>
+    <dgm:sp3d/>
+    <dgm:txPr/>
+    <dgm:style>
+      <a:lnRef idx="2">
+        <a:scrgbClr r="0" g="0" b="0"/>
+      </a:lnRef>
+      <a:fillRef idx="1">
+        <a:scrgbClr r="0" g="0" b="0"/>
+      </a:fillRef>
+      <a:effectRef idx="0">
+        <a:scrgbClr r="0" g="0" b="0"/>
+      </a:effectRef>
+      <a:fontRef idx="minor">
+        <a:schemeClr val="lt1"/>
+      </a:fontRef>
+    </dgm:style>
+  </dgm:styleLbl>
+  <dgm:styleLbl name="parChTrans2D4">
+    <dgm:scene3d>
+      <a:camera prst="orthographicFront"/>
+      <a:lightRig rig="threePt" dir="t"/>
+    </dgm:scene3d>
+    <dgm:sp3d/>
+    <dgm:txPr/>
+    <dgm:style>
+      <a:lnRef idx="2">
+        <a:scrgbClr r="0" g="0" b="0"/>
+      </a:lnRef>
+      <a:fillRef idx="1">
+        <a:scrgbClr r="0" g="0" b="0"/>
+      </a:fillRef>
+      <a:effectRef idx="0">
+        <a:scrgbClr r="0" g="0" b="0"/>
+      </a:effectRef>
+      <a:fontRef idx="minor">
+        <a:schemeClr val="lt1"/>
+      </a:fontRef>
+    </dgm:style>
+  </dgm:styleLbl>
+  <dgm:styleLbl name="parChTrans1D1">
+    <dgm:scene3d>
+      <a:camera prst="orthographicFront"/>
+      <a:lightRig rig="threePt" dir="t"/>
+    </dgm:scene3d>
+    <dgm:sp3d/>
+    <dgm:txPr/>
+    <dgm:style>
+      <a:lnRef idx="2">
+        <a:scrgbClr r="0" g="0" b="0"/>
+      </a:lnRef>
+      <a:fillRef idx="0">
+        <a:scrgbClr r="0" g="0" b="0"/>
+      </a:fillRef>
+      <a:effectRef idx="0">
+        <a:scrgbClr r="0" g="0" b="0"/>
+      </a:effectRef>
+      <a:fontRef idx="minor"/>
+    </dgm:style>
+  </dgm:styleLbl>
+  <dgm:styleLbl name="parChTrans1D2">
+    <dgm:scene3d>
+      <a:camera prst="orthographicFront"/>
+      <a:lightRig rig="threePt" dir="t"/>
+    </dgm:scene3d>
+    <dgm:sp3d/>
+    <dgm:txPr/>
+    <dgm:style>
+      <a:lnRef idx="2">
+        <a:scrgbClr r="0" g="0" b="0"/>
+      </a:lnRef>
+      <a:fillRef idx="0">
+        <a:scrgbClr r="0" g="0" b="0"/>
+      </a:fillRef>
+      <a:effectRef idx="0">
+        <a:scrgbClr r="0" g="0" b="0"/>
+      </a:effectRef>
+      <a:fontRef idx="minor"/>
+    </dgm:style>
+  </dgm:styleLbl>
+  <dgm:styleLbl name="parChTrans1D3">
+    <dgm:scene3d>
+      <a:camera prst="orthographicFront"/>
+      <a:lightRig rig="threePt" dir="t"/>
+    </dgm:scene3d>
+    <dgm:sp3d/>
+    <dgm:txPr/>
+    <dgm:style>
+      <a:lnRef idx="2">
+        <a:scrgbClr r="0" g="0" b="0"/>
+      </a:lnRef>
+      <a:fillRef idx="0">
+        <a:scrgbClr r="0" g="0" b="0"/>
+      </a:fillRef>
+      <a:effectRef idx="0">
+        <a:scrgbClr r="0" g="0" b="0"/>
+      </a:effectRef>
+      <a:fontRef idx="minor"/>
+    </dgm:style>
+  </dgm:styleLbl>
+  <dgm:styleLbl name="parChTrans1D4">
+    <dgm:scene3d>
+      <a:camera prst="orthographicFront"/>
+      <a:lightRig rig="threePt" dir="t"/>
+    </dgm:scene3d>
+    <dgm:sp3d/>
+    <dgm:txPr/>
+    <dgm:style>
+      <a:lnRef idx="2">
+        <a:scrgbClr r="0" g="0" b="0"/>
+      </a:lnRef>
+      <a:fillRef idx="0">
+        <a:scrgbClr r="0" g="0" b="0"/>
+      </a:fillRef>
+      <a:effectRef idx="0">
+        <a:scrgbClr r="0" g="0" b="0"/>
+      </a:effectRef>
+      <a:fontRef idx="minor"/>
+    </dgm:style>
+  </dgm:styleLbl>
+  <dgm:styleLbl name="fgAcc1">
+    <dgm:scene3d>
+      <a:camera prst="orthographicFront"/>
+      <a:lightRig rig="threePt" dir="t"/>
+    </dgm:scene3d>
+    <dgm:sp3d/>
+    <dgm:txPr/>
+    <dgm:style>
+      <a:lnRef idx="2">
+        <a:scrgbClr r="0" g="0" b="0"/>
+      </a:lnRef>
+      <a:fillRef idx="1">
+        <a:scrgbClr r="0" g="0" b="0"/>
+      </a:fillRef>
+      <a:effectRef idx="0">
+        <a:scrgbClr r="0" g="0" b="0"/>
+      </a:effectRef>
+      <a:fontRef idx="minor"/>
+    </dgm:style>
+  </dgm:styleLbl>
+  <dgm:styleLbl name="conFgAcc1">
+    <dgm:scene3d>
+      <a:camera prst="orthographicFront"/>
+      <a:lightRig rig="threePt" dir="t"/>
+    </dgm:scene3d>
+    <dgm:sp3d/>
+    <dgm:txPr/>
+    <dgm:style>
+      <a:lnRef idx="2">
+        <a:scrgbClr r="0" g="0" b="0"/>
+      </a:lnRef>
+      <a:fillRef idx="1">
+        <a:scrgbClr r="0" g="0" b="0"/>
+      </a:fillRef>
+      <a:effectRef idx="0">
+        <a:scrgbClr r="0" g="0" b="0"/>
+      </a:effectRef>
+      <a:fontRef idx="minor"/>
+    </dgm:style>
+  </dgm:styleLbl>
+  <dgm:styleLbl name="alignAcc1">
+    <dgm:scene3d>
+      <a:camera prst="orthographicFront"/>
+      <a:lightRig rig="threePt" dir="t"/>
+    </dgm:scene3d>
+    <dgm:sp3d/>
+    <dgm:txPr/>
+    <dgm:style>
+      <a:lnRef idx="2">
+        <a:scrgbClr r="0" g="0" b="0"/>
+      </a:lnRef>
+      <a:fillRef idx="1">
+        <a:scrgbClr r="0" g="0" b="0"/>
+      </a:fillRef>
+      <a:effectRef idx="0">
+        <a:scrgbClr r="0" g="0" b="0"/>
+      </a:effectRef>
+      <a:fontRef idx="minor"/>
+    </dgm:style>
+  </dgm:styleLbl>
+  <dgm:styleLbl name="trAlignAcc1">
+    <dgm:scene3d>
+      <a:camera prst="orthographicFront"/>
+      <a:lightRig rig="threePt" dir="t"/>
+    </dgm:scene3d>
+    <dgm:sp3d/>
+    <dgm:txPr/>
+    <dgm:style>
+      <a:lnRef idx="1">
+        <a:scrgbClr r="0" g="0" b="0"/>
+      </a:lnRef>
+      <a:fillRef idx="1">
+        <a:scrgbClr r="0" g="0" b="0"/>
+      </a:fillRef>
+      <a:effectRef idx="0">
+        <a:scrgbClr r="0" g="0" b="0"/>
+      </a:effectRef>
+      <a:fontRef idx="minor"/>
+    </dgm:style>
+  </dgm:styleLbl>
+  <dgm:styleLbl name="bgAcc1">
+    <dgm:scene3d>
+      <a:camera prst="orthographicFront"/>
+      <a:lightRig rig="threePt" dir="t"/>
+    </dgm:scene3d>
+    <dgm:sp3d/>
+    <dgm:txPr/>
+    <dgm:style>
+      <a:lnRef idx="2">
+        <a:scrgbClr r="0" g="0" b="0"/>
+      </a:lnRef>
+      <a:fillRef idx="1">
+        <a:scrgbClr r="0" g="0" b="0"/>
+      </a:fillRef>
+      <a:effectRef idx="0">
+        <a:scrgbClr r="0" g="0" b="0"/>
+      </a:effectRef>
+      <a:fontRef idx="minor"/>
+    </dgm:style>
+  </dgm:styleLbl>
+  <dgm:styleLbl name="solidFgAcc1">
+    <dgm:scene3d>
+      <a:camera prst="orthographicFront"/>
+      <a:lightRig rig="threePt" dir="t"/>
+    </dgm:scene3d>
+    <dgm:sp3d/>
+    <dgm:txPr/>
+    <dgm:style>
+      <a:lnRef idx="2">
+        <a:scrgbClr r="0" g="0" b="0"/>
+      </a:lnRef>
+      <a:fillRef idx="1">
+        <a:scrgbClr r="0" g="0" b="0"/>
+      </a:fillRef>
+      <a:effectRef idx="0">
+        <a:scrgbClr r="0" g="0" b="0"/>
+      </a:effectRef>
+      <a:fontRef idx="minor"/>
+    </dgm:style>
+  </dgm:styleLbl>
+  <dgm:styleLbl name="solidAlignAcc1">
+    <dgm:scene3d>
+      <a:camera prst="orthographicFront"/>
+      <a:lightRig rig="threePt" dir="t"/>
+    </dgm:scene3d>
+    <dgm:sp3d/>
+    <dgm:txPr/>
+    <dgm:style>
+      <a:lnRef idx="2">
+        <a:scrgbClr r="0" g="0" b="0"/>
+      </a:lnRef>
+      <a:fillRef idx="1">
+        <a:scrgbClr r="0" g="0" b="0"/>
+      </a:fillRef>
+      <a:effectRef idx="0">
+        <a:scrgbClr r="0" g="0" b="0"/>
+      </a:effectRef>
+      <a:fontRef idx="minor"/>
+    </dgm:style>
+  </dgm:styleLbl>
+  <dgm:styleLbl name="solidBgAcc1">
+    <dgm:scene3d>
+      <a:camera prst="orthographicFront"/>
+      <a:lightRig rig="threePt" dir="t"/>
+    </dgm:scene3d>
+    <dgm:sp3d/>
+    <dgm:txPr/>
+    <dgm:style>
+      <a:lnRef idx="2">
+        <a:scrgbClr r="0" g="0" b="0"/>
+      </a:lnRef>
+      <a:fillRef idx="1">
+        <a:scrgbClr r="0" g="0" b="0"/>
+      </a:fillRef>
+      <a:effectRef idx="0">
+        <a:scrgbClr r="0" g="0" b="0"/>
+      </a:effectRef>
+      <a:fontRef idx="minor"/>
+    </dgm:style>
+  </dgm:styleLbl>
+  <dgm:styleLbl name="fgAccFollowNode1">
+    <dgm:scene3d>
+      <a:camera prst="orthographicFront"/>
+      <a:lightRig rig="threePt" dir="t"/>
+    </dgm:scene3d>
+    <dgm:sp3d/>
+    <dgm:txPr/>
+    <dgm:style>
+      <a:lnRef idx="2">
+        <a:scrgbClr r="0" g="0" b="0"/>
+      </a:lnRef>
+      <a:fillRef idx="1">
+        <a:scrgbClr r="0" g="0" b="0"/>
+      </a:fillRef>
+      <a:effectRef idx="0">
+        <a:scrgbClr r="0" g="0" b="0"/>
+      </a:effectRef>
+      <a:fontRef idx="minor"/>
+    </dgm:style>
+  </dgm:styleLbl>
+  <dgm:styleLbl name="alignAccFollowNode1">
+    <dgm:scene3d>
+      <a:camera prst="orthographicFront"/>
+      <a:lightRig rig="threePt" dir="t"/>
+    </dgm:scene3d>
+    <dgm:sp3d/>
+    <dgm:txPr/>
+    <dgm:style>
+      <a:lnRef idx="2">
+        <a:scrgbClr r="0" g="0" b="0"/>
+      </a:lnRef>
+      <a:fillRef idx="1">
+        <a:scrgbClr r="0" g="0" b="0"/>
+      </a:fillRef>
+      <a:effectRef idx="0">
+        <a:scrgbClr r="0" g="0" b="0"/>
+      </a:effectRef>
+      <a:fontRef idx="minor"/>
+    </dgm:style>
+  </dgm:styleLbl>
+  <dgm:styleLbl name="bgAccFollowNode1">
+    <dgm:scene3d>
+      <a:camera prst="orthographicFront"/>
+      <a:lightRig rig="threePt" dir="t"/>
+    </dgm:scene3d>
+    <dgm:sp3d/>
+    <dgm:txPr/>
+    <dgm:style>
+      <a:lnRef idx="2">
+        <a:scrgbClr r="0" g="0" b="0"/>
+      </a:lnRef>
+      <a:fillRef idx="1">
+        <a:scrgbClr r="0" g="0" b="0"/>
+      </a:fillRef>
+      <a:effectRef idx="0">
+        <a:scrgbClr r="0" g="0" b="0"/>
+      </a:effectRef>
+      <a:fontRef idx="minor"/>
+    </dgm:style>
+  </dgm:styleLbl>
+  <dgm:styleLbl name="fgAcc0">
+    <dgm:scene3d>
+      <a:camera prst="orthographicFront"/>
+      <a:lightRig rig="threePt" dir="t"/>
+    </dgm:scene3d>
+    <dgm:sp3d/>
+    <dgm:txPr/>
+    <dgm:style>
+      <a:lnRef idx="2">
+        <a:scrgbClr r="0" g="0" b="0"/>
+      </a:lnRef>
+      <a:fillRef idx="1">
+        <a:scrgbClr r="0" g="0" b="0"/>
+      </a:fillRef>
+      <a:effectRef idx="0">
+        <a:scrgbClr r="0" g="0" b="0"/>
+      </a:effectRef>
+      <a:fontRef idx="minor"/>
+    </dgm:style>
+  </dgm:styleLbl>
+  <dgm:styleLbl name="fgAcc2">
+    <dgm:scene3d>
+      <a:camera prst="orthographicFront"/>
+      <a:lightRig rig="threePt" dir="t"/>
+    </dgm:scene3d>
+    <dgm:sp3d/>
+    <dgm:txPr/>
+    <dgm:style>
+      <a:lnRef idx="2">
+        <a:scrgbClr r="0" g="0" b="0"/>
+      </a:lnRef>
+      <a:fillRef idx="1">
+        <a:scrgbClr r="0" g="0" b="0"/>
+      </a:fillRef>
+      <a:effectRef idx="0">
+        <a:scrgbClr r="0" g="0" b="0"/>
+      </a:effectRef>
+      <a:fontRef idx="minor"/>
+    </dgm:style>
+  </dgm:styleLbl>
+  <dgm:styleLbl name="fgAcc3">
+    <dgm:scene3d>
+      <a:camera prst="orthographicFront"/>
+      <a:lightRig rig="threePt" dir="t"/>
+    </dgm:scene3d>
+    <dgm:sp3d/>
+    <dgm:txPr/>
+    <dgm:style>
+      <a:lnRef idx="2">
+        <a:scrgbClr r="0" g="0" b="0"/>
+      </a:lnRef>
+      <a:fillRef idx="1">
+        <a:scrgbClr r="0" g="0" b="0"/>
+      </a:fillRef>
+      <a:effectRef idx="0">
+        <a:scrgbClr r="0" g="0" b="0"/>
+      </a:effectRef>
+      <a:fontRef idx="minor"/>
+    </dgm:style>
+  </dgm:styleLbl>
+  <dgm:styleLbl name="fgAcc4">
+    <dgm:scene3d>
+      <a:camera prst="orthographicFront"/>
+      <a:lightRig rig="threePt" dir="t"/>
+    </dgm:scene3d>
+    <dgm:sp3d/>
+    <dgm:txPr/>
+    <dgm:style>
+      <a:lnRef idx="2">
+        <a:scrgbClr r="0" g="0" b="0"/>
+      </a:lnRef>
+      <a:fillRef idx="1">
+        <a:scrgbClr r="0" g="0" b="0"/>
+      </a:fillRef>
+      <a:effectRef idx="0">
+        <a:scrgbClr r="0" g="0" b="0"/>
+      </a:effectRef>
+      <a:fontRef idx="minor"/>
+    </dgm:style>
+  </dgm:styleLbl>
+  <dgm:styleLbl name="bgShp">
+    <dgm:scene3d>
+      <a:camera prst="orthographicFront"/>
+      <a:lightRig rig="threePt" dir="t"/>
+    </dgm:scene3d>
+    <dgm:sp3d/>
+    <dgm:txPr/>
+    <dgm:style>
+      <a:lnRef idx="0">
+        <a:scrgbClr r="0" g="0" b="0"/>
+      </a:lnRef>
+      <a:fillRef idx="1">
+        <a:scrgbClr r="0" g="0" b="0"/>
+      </a:fillRef>
+      <a:effectRef idx="0">
+        <a:scrgbClr r="0" g="0" b="0"/>
+      </a:effectRef>
+      <a:fontRef idx="minor"/>
+    </dgm:style>
+  </dgm:styleLbl>
+  <dgm:styleLbl name="dkBgShp">
+    <dgm:scene3d>
+      <a:camera prst="orthographicFront"/>
+      <a:lightRig rig="threePt" dir="t"/>
+    </dgm:scene3d>
+    <dgm:sp3d/>
+    <dgm:txPr/>
+    <dgm:style>
+      <a:lnRef idx="0">
+        <a:scrgbClr r="0" g="0" b="0"/>
+      </a:lnRef>
+      <a:fillRef idx="1">
+        <a:scrgbClr r="0" g="0" b="0"/>
+      </a:fillRef>
+      <a:effectRef idx="0">
+        <a:scrgbClr r="0" g="0" b="0"/>
+      </a:effectRef>
+      <a:fontRef idx="minor"/>
+    </dgm:style>
+  </dgm:styleLbl>
+  <dgm:styleLbl name="trBgShp">
+    <dgm:scene3d>
+      <a:camera prst="orthographicFront"/>
+      <a:lightRig rig="threePt" dir="t"/>
+    </dgm:scene3d>
+    <dgm:sp3d/>
+    <dgm:txPr/>
+    <dgm:style>
+      <a:lnRef idx="0">
+        <a:scrgbClr r="0" g="0" b="0"/>
+      </a:lnRef>
+      <a:fillRef idx="1">
+        <a:scrgbClr r="0" g="0" b="0"/>
+      </a:fillRef>
+      <a:effectRef idx="0">
+        <a:scrgbClr r="0" g="0" b="0"/>
+      </a:effectRef>
+      <a:fontRef idx="minor"/>
+    </dgm:style>
+  </dgm:styleLbl>
+  <dgm:styleLbl name="fgShp">
+    <dgm:scene3d>
+      <a:camera prst="orthographicFront"/>
+      <a:lightRig rig="threePt" dir="t"/>
+    </dgm:scene3d>
+    <dgm:sp3d/>
+    <dgm:txPr/>
+    <dgm:style>
+      <a:lnRef idx="2">
+        <a:scrgbClr r="0" g="0" b="0"/>
+      </a:lnRef>
+      <a:fillRef idx="1">
+        <a:scrgbClr r="0" g="0" b="0"/>
+      </a:fillRef>
+      <a:effectRef idx="0">
+        <a:scrgbClr r="0" g="0" b="0"/>
+      </a:effectRef>
+      <a:fontRef idx="minor"/>
+    </dgm:style>
+  </dgm:styleLbl>
+  <dgm:styleLbl name="revTx">
+    <dgm:scene3d>
+      <a:camera prst="orthographicFront"/>
+      <a:lightRig rig="threePt" dir="t"/>
+    </dgm:scene3d>
+    <dgm:sp3d/>
+    <dgm:txPr/>
+    <dgm:style>
+      <a:lnRef idx="0">
+        <a:scrgbClr r="0" g="0" b="0"/>
+      </a:lnRef>
+      <a:fillRef idx="0">
+        <a:scrgbClr r="0" g="0" b="0"/>
+      </a:fillRef>
+      <a:effectRef idx="0">
+        <a:scrgbClr r="0" g="0" b="0"/>
+      </a:effectRef>
+      <a:fontRef idx="minor"/>
+    </dgm:style>
+  </dgm:styleLbl>
+</dgm:styleDef>
+</file>
+
+<file path=ppt/diagrams/quickStyle3.xml><?xml version="1.0" encoding="utf-8"?>
 <dgm:styleDef xmlns:dgm="http://schemas.openxmlformats.org/drawingml/2006/diagram" xmlns:a="http://schemas.openxmlformats.org/drawingml/2006/main" uniqueId="urn:microsoft.com/office/officeart/2005/8/quickstyle/simple1">
   <dgm:title val=""/>
   <dgm:desc val=""/>
@@ -8170,7 +11661,7 @@
           <a:p>
             <a:fld id="{CEFF5E25-F09A-46A4-A1BD-B5023731D883}" type="datetimeFigureOut">
               <a:rPr lang="en-GB" smtClean="0"/>
-              <a:t>04/08/2024</a:t>
+              <a:t>05/08/2024</a:t>
             </a:fld>
             <a:endParaRPr lang="en-GB"/>
           </a:p>
@@ -8370,7 +11861,7 @@
           <a:p>
             <a:fld id="{CEFF5E25-F09A-46A4-A1BD-B5023731D883}" type="datetimeFigureOut">
               <a:rPr lang="en-GB" smtClean="0"/>
-              <a:t>04/08/2024</a:t>
+              <a:t>05/08/2024</a:t>
             </a:fld>
             <a:endParaRPr lang="en-GB"/>
           </a:p>
@@ -8580,7 +12071,7 @@
           <a:p>
             <a:fld id="{CEFF5E25-F09A-46A4-A1BD-B5023731D883}" type="datetimeFigureOut">
               <a:rPr lang="en-GB" smtClean="0"/>
-              <a:t>04/08/2024</a:t>
+              <a:t>05/08/2024</a:t>
             </a:fld>
             <a:endParaRPr lang="en-GB"/>
           </a:p>
@@ -8780,7 +12271,7 @@
           <a:p>
             <a:fld id="{CEFF5E25-F09A-46A4-A1BD-B5023731D883}" type="datetimeFigureOut">
               <a:rPr lang="en-GB" smtClean="0"/>
-              <a:t>04/08/2024</a:t>
+              <a:t>05/08/2024</a:t>
             </a:fld>
             <a:endParaRPr lang="en-GB"/>
           </a:p>
@@ -9056,7 +12547,7 @@
           <a:p>
             <a:fld id="{CEFF5E25-F09A-46A4-A1BD-B5023731D883}" type="datetimeFigureOut">
               <a:rPr lang="en-GB" smtClean="0"/>
-              <a:t>04/08/2024</a:t>
+              <a:t>05/08/2024</a:t>
             </a:fld>
             <a:endParaRPr lang="en-GB"/>
           </a:p>
@@ -9324,7 +12815,7 @@
           <a:p>
             <a:fld id="{CEFF5E25-F09A-46A4-A1BD-B5023731D883}" type="datetimeFigureOut">
               <a:rPr lang="en-GB" smtClean="0"/>
-              <a:t>04/08/2024</a:t>
+              <a:t>05/08/2024</a:t>
             </a:fld>
             <a:endParaRPr lang="en-GB"/>
           </a:p>
@@ -9739,7 +13230,7 @@
           <a:p>
             <a:fld id="{CEFF5E25-F09A-46A4-A1BD-B5023731D883}" type="datetimeFigureOut">
               <a:rPr lang="en-GB" smtClean="0"/>
-              <a:t>04/08/2024</a:t>
+              <a:t>05/08/2024</a:t>
             </a:fld>
             <a:endParaRPr lang="en-GB"/>
           </a:p>
@@ -9881,7 +13372,7 @@
           <a:p>
             <a:fld id="{CEFF5E25-F09A-46A4-A1BD-B5023731D883}" type="datetimeFigureOut">
               <a:rPr lang="en-GB" smtClean="0"/>
-              <a:t>04/08/2024</a:t>
+              <a:t>05/08/2024</a:t>
             </a:fld>
             <a:endParaRPr lang="en-GB"/>
           </a:p>
@@ -9994,7 +13485,7 @@
           <a:p>
             <a:fld id="{CEFF5E25-F09A-46A4-A1BD-B5023731D883}" type="datetimeFigureOut">
               <a:rPr lang="en-GB" smtClean="0"/>
-              <a:t>04/08/2024</a:t>
+              <a:t>05/08/2024</a:t>
             </a:fld>
             <a:endParaRPr lang="en-GB"/>
           </a:p>
@@ -10307,7 +13798,7 @@
           <a:p>
             <a:fld id="{CEFF5E25-F09A-46A4-A1BD-B5023731D883}" type="datetimeFigureOut">
               <a:rPr lang="en-GB" smtClean="0"/>
-              <a:t>04/08/2024</a:t>
+              <a:t>05/08/2024</a:t>
             </a:fld>
             <a:endParaRPr lang="en-GB"/>
           </a:p>
@@ -10596,7 +14087,7 @@
           <a:p>
             <a:fld id="{CEFF5E25-F09A-46A4-A1BD-B5023731D883}" type="datetimeFigureOut">
               <a:rPr lang="en-GB" smtClean="0"/>
-              <a:t>04/08/2024</a:t>
+              <a:t>05/08/2024</a:t>
             </a:fld>
             <a:endParaRPr lang="en-GB"/>
           </a:p>
@@ -10839,7 +14330,7 @@
           <a:p>
             <a:fld id="{CEFF5E25-F09A-46A4-A1BD-B5023731D883}" type="datetimeFigureOut">
               <a:rPr lang="en-GB" smtClean="0"/>
-              <a:t>04/08/2024</a:t>
+              <a:t>05/08/2024</a:t>
             </a:fld>
             <a:endParaRPr lang="en-GB"/>
           </a:p>
@@ -11821,6 +15312,42 @@
           </a:p>
         </p:txBody>
       </p:sp>
+      <p:sp>
+        <p:nvSpPr>
+          <p:cNvPr id="8" name="TextBox 7">
+            <a:extLst>
+              <a:ext uri="{FF2B5EF4-FFF2-40B4-BE49-F238E27FC236}">
+                <a16:creationId xmlns:a16="http://schemas.microsoft.com/office/drawing/2014/main" id="{37FB085C-B466-DFDF-4DA9-3FBF05E3BE52}"/>
+              </a:ext>
+            </a:extLst>
+          </p:cNvPr>
+          <p:cNvSpPr txBox="1"/>
+          <p:nvPr/>
+        </p:nvSpPr>
+        <p:spPr>
+          <a:xfrm>
+            <a:off x="6669768" y="4280525"/>
+            <a:ext cx="4840514" cy="1446550"/>
+          </a:xfrm>
+          <a:prstGeom prst="rect">
+            <a:avLst/>
+          </a:prstGeom>
+          <a:noFill/>
+        </p:spPr>
+        <p:txBody>
+          <a:bodyPr wrap="square" rtlCol="0">
+            <a:spAutoFit/>
+          </a:bodyPr>
+          <a:lstStyle/>
+          <a:p>
+            <a:r>
+              <a:rPr lang="de-AT" sz="8800" dirty="0"/>
+              <a:t>Summary</a:t>
+            </a:r>
+            <a:endParaRPr lang="en-GB" sz="8800" dirty="0"/>
+          </a:p>
+        </p:txBody>
+      </p:sp>
     </p:spTree>
     <p:extLst>
       <p:ext uri="{BB962C8B-B14F-4D97-AF65-F5344CB8AC3E}">
@@ -12373,6 +15900,80 @@
           </a:p>
         </p:txBody>
       </p:sp>
+      <p:cxnSp>
+        <p:nvCxnSpPr>
+          <p:cNvPr id="14" name="Straight Connector 13">
+            <a:extLst>
+              <a:ext uri="{FF2B5EF4-FFF2-40B4-BE49-F238E27FC236}">
+                <a16:creationId xmlns:a16="http://schemas.microsoft.com/office/drawing/2014/main" id="{ACCBB92D-22FF-1B39-7710-98551348DE4D}"/>
+              </a:ext>
+            </a:extLst>
+          </p:cNvPr>
+          <p:cNvCxnSpPr/>
+          <p:nvPr/>
+        </p:nvCxnSpPr>
+        <p:spPr>
+          <a:xfrm>
+            <a:off x="0" y="3458748"/>
+            <a:ext cx="12192000" cy="0"/>
+          </a:xfrm>
+          <a:prstGeom prst="line">
+            <a:avLst/>
+          </a:prstGeom>
+        </p:spPr>
+        <p:style>
+          <a:lnRef idx="2">
+            <a:schemeClr val="accent1"/>
+          </a:lnRef>
+          <a:fillRef idx="0">
+            <a:schemeClr val="accent1"/>
+          </a:fillRef>
+          <a:effectRef idx="1">
+            <a:schemeClr val="accent1"/>
+          </a:effectRef>
+          <a:fontRef idx="minor">
+            <a:schemeClr val="tx1"/>
+          </a:fontRef>
+        </p:style>
+      </p:cxnSp>
+      <p:cxnSp>
+        <p:nvCxnSpPr>
+          <p:cNvPr id="16" name="Straight Connector 15">
+            <a:extLst>
+              <a:ext uri="{FF2B5EF4-FFF2-40B4-BE49-F238E27FC236}">
+                <a16:creationId xmlns:a16="http://schemas.microsoft.com/office/drawing/2014/main" id="{223687A6-1FB8-6AE3-23B8-A0AF25323E44}"/>
+              </a:ext>
+            </a:extLst>
+          </p:cNvPr>
+          <p:cNvCxnSpPr>
+            <a:cxnSpLocks/>
+          </p:cNvCxnSpPr>
+          <p:nvPr/>
+        </p:nvCxnSpPr>
+        <p:spPr>
+          <a:xfrm flipV="1">
+            <a:off x="3570823" y="0"/>
+            <a:ext cx="0" cy="3458748"/>
+          </a:xfrm>
+          <a:prstGeom prst="line">
+            <a:avLst/>
+          </a:prstGeom>
+        </p:spPr>
+        <p:style>
+          <a:lnRef idx="2">
+            <a:schemeClr val="accent1"/>
+          </a:lnRef>
+          <a:fillRef idx="0">
+            <a:schemeClr val="accent1"/>
+          </a:fillRef>
+          <a:effectRef idx="1">
+            <a:schemeClr val="accent1"/>
+          </a:effectRef>
+          <a:fontRef idx="minor">
+            <a:schemeClr val="tx1"/>
+          </a:fontRef>
+        </p:style>
+      </p:cxnSp>
     </p:spTree>
     <p:extLst>
       <p:ext uri="{BB962C8B-B14F-4D97-AF65-F5344CB8AC3E}">
@@ -12428,8 +16029,8 @@
         </p:nvSpPr>
         <p:spPr>
           <a:xfrm>
-            <a:off x="438912" y="312716"/>
-            <a:ext cx="3333096" cy="1446550"/>
+            <a:off x="188543" y="444572"/>
+            <a:ext cx="6174159" cy="923330"/>
           </a:xfrm>
           <a:prstGeom prst="rect">
             <a:avLst/>
@@ -12443,7 +16044,7 @@
           <a:lstStyle/>
           <a:p>
             <a:r>
-              <a:rPr lang="en-GB" sz="4400" dirty="0"/>
+              <a:rPr lang="en-GB" sz="5400" dirty="0"/>
               <a:t>Preliminary results:</a:t>
             </a:r>
           </a:p>
@@ -12463,8 +16064,8 @@
         </p:nvSpPr>
         <p:spPr>
           <a:xfrm>
-            <a:off x="614855" y="2286000"/>
-            <a:ext cx="4114800" cy="1754326"/>
+            <a:off x="248331" y="2269670"/>
+            <a:ext cx="5580969" cy="1384995"/>
           </a:xfrm>
           <a:prstGeom prst="rect">
             <a:avLst/>
@@ -12478,162 +16079,197 @@
           <a:lstStyle/>
           <a:p>
             <a:r>
-              <a:rPr lang="de-AT" dirty="0"/>
+              <a:rPr lang="de-AT" sz="1400" b="1" dirty="0"/>
+              <a:t>Summary </a:t>
+            </a:r>
+            <a:r>
+              <a:rPr lang="de-AT" sz="1400" b="1" dirty="0" err="1"/>
+              <a:t>of</a:t>
+            </a:r>
+            <a:r>
+              <a:rPr lang="de-AT" sz="1400" b="1" dirty="0"/>
+              <a:t> 18 different </a:t>
+            </a:r>
+            <a:r>
+              <a:rPr lang="de-AT" sz="1400" b="1" dirty="0" err="1"/>
+              <a:t>experiment</a:t>
+            </a:r>
+            <a:r>
+              <a:rPr lang="de-AT" sz="1400" b="1" dirty="0"/>
+              <a:t> </a:t>
+            </a:r>
+            <a:r>
+              <a:rPr lang="de-AT" sz="1400" b="1" dirty="0" err="1"/>
+              <a:t>configurations</a:t>
+            </a:r>
+            <a:endParaRPr lang="de-AT" sz="1400" b="1" dirty="0"/>
+          </a:p>
+          <a:p>
+            <a:endParaRPr lang="de-AT" sz="1400" dirty="0"/>
+          </a:p>
+          <a:p>
+            <a:r>
+              <a:rPr lang="de-AT" sz="1400" dirty="0"/>
               <a:t>Benchmark </a:t>
             </a:r>
             <a:r>
-              <a:rPr lang="de-AT" dirty="0" err="1"/>
+              <a:rPr lang="de-AT" sz="1400" dirty="0" err="1"/>
               <a:t>models</a:t>
             </a:r>
             <a:r>
-              <a:rPr lang="de-AT" dirty="0"/>
+              <a:rPr lang="de-AT" sz="1400" dirty="0"/>
               <a:t> </a:t>
             </a:r>
             <a:r>
-              <a:rPr lang="de-AT" dirty="0" err="1"/>
+              <a:rPr lang="de-AT" sz="1400" dirty="0" err="1"/>
               <a:t>outperform</a:t>
             </a:r>
             <a:r>
-              <a:rPr lang="de-AT" dirty="0"/>
+              <a:rPr lang="de-AT" sz="1400" dirty="0"/>
               <a:t> </a:t>
             </a:r>
             <a:r>
-              <a:rPr lang="de-AT" dirty="0" err="1"/>
+              <a:rPr lang="de-AT" sz="1400" dirty="0" err="1"/>
               <a:t>both</a:t>
             </a:r>
             <a:r>
-              <a:rPr lang="de-AT" dirty="0"/>
+              <a:rPr lang="de-AT" sz="1400" dirty="0"/>
               <a:t> </a:t>
             </a:r>
             <a:r>
-              <a:rPr lang="de-AT" dirty="0" err="1"/>
+              <a:rPr lang="de-AT" sz="1400" dirty="0" err="1"/>
               <a:t>raw</a:t>
             </a:r>
             <a:r>
-              <a:rPr lang="de-AT" dirty="0"/>
+              <a:rPr lang="de-AT" sz="1400" dirty="0"/>
               <a:t> and Fine-</a:t>
             </a:r>
             <a:r>
-              <a:rPr lang="de-AT" dirty="0" err="1"/>
+              <a:rPr lang="de-AT" sz="1400" dirty="0" err="1"/>
               <a:t>tuned</a:t>
             </a:r>
             <a:r>
-              <a:rPr lang="de-AT" dirty="0"/>
+              <a:rPr lang="de-AT" sz="1400" dirty="0"/>
               <a:t> </a:t>
             </a:r>
             <a:r>
-              <a:rPr lang="de-AT" dirty="0" err="1"/>
+              <a:rPr lang="de-AT" sz="1400" dirty="0" err="1"/>
               <a:t>versions</a:t>
             </a:r>
             <a:r>
-              <a:rPr lang="de-AT" dirty="0"/>
+              <a:rPr lang="de-AT" sz="1400" dirty="0"/>
               <a:t> </a:t>
             </a:r>
             <a:r>
-              <a:rPr lang="de-AT" dirty="0" err="1"/>
+              <a:rPr lang="de-AT" sz="1400" dirty="0" err="1"/>
               <a:t>of</a:t>
             </a:r>
             <a:r>
-              <a:rPr lang="de-AT" dirty="0"/>
+              <a:rPr lang="de-AT" sz="1400" dirty="0"/>
               <a:t> Lag-</a:t>
             </a:r>
             <a:r>
-              <a:rPr lang="de-AT" dirty="0" err="1"/>
+              <a:rPr lang="de-AT" sz="1400" dirty="0" err="1"/>
               <a:t>Llama</a:t>
             </a:r>
             <a:r>
-              <a:rPr lang="de-AT" dirty="0"/>
+              <a:rPr lang="de-AT" sz="1400" dirty="0"/>
               <a:t> in </a:t>
             </a:r>
             <a:r>
-              <a:rPr lang="de-AT" dirty="0" err="1"/>
+              <a:rPr lang="de-AT" sz="1400" dirty="0" err="1"/>
               <a:t>terms</a:t>
             </a:r>
             <a:r>
-              <a:rPr lang="de-AT" dirty="0"/>
+              <a:rPr lang="de-AT" sz="1400" dirty="0"/>
               <a:t> </a:t>
             </a:r>
             <a:r>
-              <a:rPr lang="de-AT" dirty="0" err="1"/>
+              <a:rPr lang="de-AT" sz="1400" dirty="0" err="1"/>
               <a:t>of</a:t>
             </a:r>
             <a:r>
-              <a:rPr lang="de-AT" dirty="0"/>
+              <a:rPr lang="de-AT" sz="1400" dirty="0"/>
               <a:t> traditional time-</a:t>
             </a:r>
             <a:r>
-              <a:rPr lang="de-AT" dirty="0" err="1"/>
+              <a:rPr lang="de-AT" sz="1400" dirty="0" err="1"/>
               <a:t>series</a:t>
             </a:r>
             <a:r>
-              <a:rPr lang="de-AT" dirty="0"/>
+              <a:rPr lang="de-AT" sz="1400" dirty="0"/>
               <a:t> </a:t>
             </a:r>
             <a:r>
-              <a:rPr lang="de-AT" dirty="0" err="1"/>
+              <a:rPr lang="de-AT" sz="1400" dirty="0" err="1"/>
               <a:t>evaluation</a:t>
             </a:r>
             <a:r>
-              <a:rPr lang="de-AT" dirty="0"/>
+              <a:rPr lang="de-AT" sz="1400" dirty="0"/>
               <a:t> </a:t>
             </a:r>
             <a:r>
-              <a:rPr lang="de-AT" dirty="0" err="1"/>
+              <a:rPr lang="de-AT" sz="1400" dirty="0" err="1"/>
               <a:t>metrics</a:t>
             </a:r>
             <a:r>
-              <a:rPr lang="de-AT" dirty="0"/>
+              <a:rPr lang="de-AT" sz="1400" dirty="0"/>
               <a:t>. </a:t>
             </a:r>
-            <a:r>
-              <a:rPr lang="de-AT" dirty="0" err="1"/>
+          </a:p>
+          <a:p>
+            <a:endParaRPr lang="de-AT" sz="1400" dirty="0"/>
+          </a:p>
+          <a:p>
+            <a:r>
+              <a:rPr lang="de-AT" sz="1400" dirty="0" err="1"/>
               <a:t>However</a:t>
             </a:r>
             <a:r>
-              <a:rPr lang="de-AT" dirty="0"/>
+              <a:rPr lang="de-AT" sz="1400" dirty="0"/>
               <a:t>, </a:t>
             </a:r>
             <a:r>
-              <a:rPr lang="de-AT" dirty="0" err="1"/>
+              <a:rPr lang="de-AT" sz="1400" dirty="0" err="1"/>
               <a:t>fine-tuned</a:t>
             </a:r>
             <a:r>
-              <a:rPr lang="de-AT" dirty="0"/>
+              <a:rPr lang="de-AT" sz="1400" dirty="0"/>
               <a:t> Lag-</a:t>
             </a:r>
             <a:r>
-              <a:rPr lang="de-AT" dirty="0" err="1"/>
+              <a:rPr lang="de-AT" sz="1400" dirty="0" err="1"/>
               <a:t>Llama</a:t>
             </a:r>
             <a:r>
-              <a:rPr lang="de-AT" dirty="0"/>
+              <a:rPr lang="de-AT" sz="1400" dirty="0"/>
               <a:t> </a:t>
             </a:r>
             <a:r>
-              <a:rPr lang="de-AT" dirty="0" err="1"/>
+              <a:rPr lang="de-AT" sz="1400" dirty="0" err="1"/>
               <a:t>outperforms</a:t>
             </a:r>
             <a:r>
-              <a:rPr lang="de-AT" dirty="0"/>
+              <a:rPr lang="de-AT" sz="1400" dirty="0"/>
               <a:t> all in </a:t>
             </a:r>
             <a:r>
-              <a:rPr lang="de-AT" dirty="0" err="1"/>
+              <a:rPr lang="de-AT" sz="1400" dirty="0" err="1"/>
               <a:t>terms</a:t>
             </a:r>
             <a:r>
-              <a:rPr lang="de-AT" dirty="0"/>
+              <a:rPr lang="de-AT" sz="1400" dirty="0"/>
               <a:t> </a:t>
             </a:r>
             <a:r>
-              <a:rPr lang="de-AT" dirty="0" err="1"/>
+              <a:rPr lang="de-AT" sz="1400" dirty="0" err="1"/>
               <a:t>of</a:t>
             </a:r>
             <a:r>
-              <a:rPr lang="de-AT" dirty="0"/>
-              <a:t> MDA</a:t>
-            </a:r>
-            <a:endParaRPr lang="en-GB" dirty="0"/>
+              <a:rPr lang="de-AT" sz="1400" dirty="0"/>
+              <a:t> MDA.</a:t>
+            </a:r>
+            <a:endParaRPr lang="en-GB" sz="1400" dirty="0"/>
           </a:p>
         </p:txBody>
       </p:sp>
@@ -12651,8 +16287,8 @@
         </p:nvSpPr>
         <p:spPr>
           <a:xfrm>
-            <a:off x="5194738" y="2254469"/>
-            <a:ext cx="4256690" cy="1754326"/>
+            <a:off x="6362703" y="2269670"/>
+            <a:ext cx="5580968" cy="1384995"/>
           </a:xfrm>
           <a:prstGeom prst="rect">
             <a:avLst/>
@@ -12666,213 +16302,420 @@
           <a:lstStyle/>
           <a:p>
             <a:r>
-              <a:rPr lang="de-AT" dirty="0"/>
+              <a:rPr lang="de-AT" sz="1400" b="1" dirty="0"/>
+              <a:t>Single </a:t>
+            </a:r>
+            <a:r>
+              <a:rPr lang="de-AT" sz="1400" b="1" dirty="0" err="1"/>
+              <a:t>configuration</a:t>
+            </a:r>
+            <a:r>
+              <a:rPr lang="de-AT" sz="1400" b="1" dirty="0"/>
+              <a:t>: </a:t>
+            </a:r>
+            <a:r>
+              <a:rPr lang="de-AT" sz="1400" b="1" dirty="0" err="1"/>
+              <a:t>minutely</a:t>
+            </a:r>
+            <a:r>
+              <a:rPr lang="de-AT" sz="1400" b="1" dirty="0"/>
+              <a:t> </a:t>
+            </a:r>
+            <a:r>
+              <a:rPr lang="de-AT" sz="1400" b="1" dirty="0" err="1"/>
+              <a:t>returns</a:t>
+            </a:r>
+            <a:r>
+              <a:rPr lang="de-AT" sz="1400" b="1" dirty="0"/>
+              <a:t> </a:t>
+            </a:r>
+            <a:r>
+              <a:rPr lang="de-AT" sz="1400" b="1" dirty="0" err="1"/>
+              <a:t>with</a:t>
+            </a:r>
+            <a:r>
+              <a:rPr lang="de-AT" sz="1400" b="1" dirty="0"/>
+              <a:t> </a:t>
+            </a:r>
+            <a:r>
+              <a:rPr lang="de-AT" sz="1400" b="1" dirty="0" err="1"/>
+              <a:t>context</a:t>
+            </a:r>
+            <a:r>
+              <a:rPr lang="de-AT" sz="1400" b="1" dirty="0"/>
+              <a:t> </a:t>
+            </a:r>
+            <a:r>
+              <a:rPr lang="de-AT" sz="1400" b="1" dirty="0" err="1"/>
+              <a:t>length</a:t>
+            </a:r>
+            <a:r>
+              <a:rPr lang="de-AT" sz="1400" b="1" dirty="0"/>
+              <a:t> </a:t>
+            </a:r>
+            <a:r>
+              <a:rPr lang="de-AT" sz="1400" b="1" dirty="0" err="1"/>
+              <a:t>of</a:t>
+            </a:r>
+            <a:r>
+              <a:rPr lang="de-AT" sz="1400" b="1" dirty="0"/>
+              <a:t> 64</a:t>
+            </a:r>
+          </a:p>
+          <a:p>
+            <a:endParaRPr lang="de-AT" sz="1400" dirty="0"/>
+          </a:p>
+          <a:p>
+            <a:r>
+              <a:rPr lang="de-AT" sz="1400" dirty="0"/>
               <a:t>Lag </a:t>
             </a:r>
             <a:r>
-              <a:rPr lang="de-AT" dirty="0" err="1"/>
+              <a:rPr lang="de-AT" sz="1400" dirty="0" err="1"/>
               <a:t>Llama</a:t>
             </a:r>
             <a:r>
-              <a:rPr lang="de-AT" dirty="0"/>
+              <a:rPr lang="de-AT" sz="1400" dirty="0"/>
               <a:t> </a:t>
             </a:r>
             <a:r>
-              <a:rPr lang="de-AT" dirty="0" err="1"/>
+              <a:rPr lang="de-AT" sz="1400" dirty="0" err="1"/>
               <a:t>with</a:t>
             </a:r>
             <a:r>
-              <a:rPr lang="de-AT" dirty="0"/>
+              <a:rPr lang="de-AT" sz="1400" dirty="0"/>
               <a:t> </a:t>
             </a:r>
             <a:r>
-              <a:rPr lang="de-AT" dirty="0" err="1"/>
+              <a:rPr lang="de-AT" sz="1400" dirty="0" err="1"/>
               <a:t>periodic</a:t>
             </a:r>
             <a:r>
-              <a:rPr lang="de-AT" dirty="0"/>
+              <a:rPr lang="de-AT" sz="1400" dirty="0"/>
               <a:t> </a:t>
             </a:r>
             <a:r>
-              <a:rPr lang="de-AT" dirty="0" err="1"/>
+              <a:rPr lang="de-AT" sz="1400" dirty="0" err="1"/>
               <a:t>re</a:t>
             </a:r>
             <a:r>
-              <a:rPr lang="de-AT" dirty="0"/>
+              <a:rPr lang="de-AT" sz="1400" dirty="0"/>
               <a:t>-tuning </a:t>
             </a:r>
             <a:r>
-              <a:rPr lang="de-AT" dirty="0" err="1"/>
+              <a:rPr lang="de-AT" sz="1400" dirty="0" err="1"/>
               <a:t>beats</a:t>
             </a:r>
             <a:r>
-              <a:rPr lang="de-AT" dirty="0"/>
+              <a:rPr lang="de-AT" sz="1400" dirty="0"/>
               <a:t> all </a:t>
             </a:r>
             <a:r>
-              <a:rPr lang="de-AT" dirty="0" err="1"/>
+              <a:rPr lang="de-AT" sz="1400" dirty="0" err="1"/>
               <a:t>other</a:t>
             </a:r>
             <a:r>
-              <a:rPr lang="de-AT" dirty="0"/>
+              <a:rPr lang="de-AT" sz="1400" dirty="0"/>
               <a:t> </a:t>
             </a:r>
             <a:r>
-              <a:rPr lang="de-AT" dirty="0" err="1"/>
+              <a:rPr lang="de-AT" sz="1400" dirty="0" err="1"/>
               <a:t>models</a:t>
             </a:r>
             <a:r>
-              <a:rPr lang="de-AT" dirty="0"/>
+              <a:rPr lang="de-AT" sz="1400" dirty="0"/>
               <a:t> </a:t>
             </a:r>
             <a:r>
-              <a:rPr lang="de-AT" dirty="0" err="1"/>
+              <a:rPr lang="de-AT" sz="1400" dirty="0" err="1"/>
               <a:t>across</a:t>
             </a:r>
             <a:r>
-              <a:rPr lang="de-AT" dirty="0"/>
+              <a:rPr lang="de-AT" sz="1400" dirty="0"/>
               <a:t> all </a:t>
             </a:r>
             <a:r>
-              <a:rPr lang="de-AT" dirty="0" err="1"/>
+              <a:rPr lang="de-AT" sz="1400" dirty="0" err="1"/>
               <a:t>metrics</a:t>
             </a:r>
             <a:r>
-              <a:rPr lang="de-AT" dirty="0"/>
+              <a:rPr lang="de-AT" sz="1400" dirty="0"/>
               <a:t> (</a:t>
             </a:r>
             <a:r>
-              <a:rPr lang="de-AT" dirty="0" err="1"/>
+              <a:rPr lang="de-AT" sz="1400" dirty="0" err="1"/>
               <a:t>only</a:t>
             </a:r>
             <a:r>
-              <a:rPr lang="de-AT" dirty="0"/>
+              <a:rPr lang="de-AT" sz="1400" dirty="0"/>
               <a:t> </a:t>
             </a:r>
             <a:r>
-              <a:rPr lang="de-AT" dirty="0" err="1"/>
+              <a:rPr lang="de-AT" sz="1400" dirty="0" err="1"/>
               <a:t>tied</a:t>
             </a:r>
             <a:r>
-              <a:rPr lang="de-AT" dirty="0"/>
+              <a:rPr lang="de-AT" sz="1400" dirty="0"/>
               <a:t> </a:t>
             </a:r>
             <a:r>
-              <a:rPr lang="de-AT" dirty="0" err="1"/>
+              <a:rPr lang="de-AT" sz="1400" dirty="0" err="1"/>
               <a:t>with</a:t>
             </a:r>
             <a:r>
-              <a:rPr lang="de-AT" dirty="0"/>
+              <a:rPr lang="de-AT" sz="1400" dirty="0"/>
               <a:t> </a:t>
             </a:r>
             <a:r>
-              <a:rPr lang="de-AT" dirty="0" err="1"/>
+              <a:rPr lang="de-AT" sz="1400" dirty="0" err="1"/>
               <a:t>raw</a:t>
             </a:r>
             <a:r>
-              <a:rPr lang="de-AT" dirty="0"/>
+              <a:rPr lang="de-AT" sz="1400" dirty="0"/>
               <a:t> Lag-</a:t>
             </a:r>
             <a:r>
-              <a:rPr lang="de-AT" dirty="0" err="1"/>
+              <a:rPr lang="de-AT" sz="1400" dirty="0" err="1"/>
               <a:t>Llama</a:t>
             </a:r>
             <a:r>
-              <a:rPr lang="de-AT" dirty="0"/>
+              <a:rPr lang="de-AT" sz="1400" dirty="0"/>
               <a:t> in </a:t>
             </a:r>
             <a:r>
-              <a:rPr lang="de-AT" dirty="0" err="1"/>
+              <a:rPr lang="de-AT" sz="1400" dirty="0" err="1"/>
               <a:t>terms</a:t>
             </a:r>
             <a:r>
-              <a:rPr lang="de-AT" dirty="0"/>
+              <a:rPr lang="de-AT" sz="1400" dirty="0"/>
               <a:t> </a:t>
             </a:r>
             <a:r>
-              <a:rPr lang="de-AT" dirty="0" err="1"/>
+              <a:rPr lang="de-AT" sz="1400" dirty="0" err="1"/>
               <a:t>of</a:t>
             </a:r>
             <a:r>
-              <a:rPr lang="de-AT" dirty="0"/>
+              <a:rPr lang="de-AT" sz="1400" dirty="0"/>
               <a:t> MDA). </a:t>
             </a:r>
-            <a:r>
-              <a:rPr lang="de-AT" dirty="0" err="1"/>
+          </a:p>
+          <a:p>
+            <a:endParaRPr lang="de-AT" sz="1400" dirty="0"/>
+          </a:p>
+          <a:p>
+            <a:r>
+              <a:rPr lang="de-AT" sz="1400" dirty="0" err="1"/>
               <a:t>Periodic</a:t>
             </a:r>
             <a:r>
-              <a:rPr lang="de-AT" dirty="0"/>
+              <a:rPr lang="de-AT" sz="1400" dirty="0"/>
               <a:t> </a:t>
             </a:r>
             <a:r>
-              <a:rPr lang="de-AT" dirty="0" err="1"/>
+              <a:rPr lang="de-AT" sz="1400" dirty="0" err="1"/>
               <a:t>re</a:t>
             </a:r>
             <a:r>
-              <a:rPr lang="de-AT" dirty="0"/>
+              <a:rPr lang="de-AT" sz="1400" dirty="0"/>
               <a:t>-tuning Lag-</a:t>
             </a:r>
             <a:r>
-              <a:rPr lang="de-AT" dirty="0" err="1"/>
+              <a:rPr lang="de-AT" sz="1400" dirty="0" err="1"/>
               <a:t>Llama</a:t>
             </a:r>
             <a:r>
-              <a:rPr lang="de-AT" dirty="0"/>
+              <a:rPr lang="de-AT" sz="1400" dirty="0"/>
               <a:t> </a:t>
             </a:r>
             <a:r>
-              <a:rPr lang="de-AT" dirty="0" err="1"/>
+              <a:rPr lang="de-AT" sz="1400" dirty="0" err="1"/>
               <a:t>even</a:t>
             </a:r>
             <a:r>
-              <a:rPr lang="de-AT" dirty="0"/>
+              <a:rPr lang="de-AT" sz="1400" dirty="0"/>
               <a:t> </a:t>
             </a:r>
             <a:r>
-              <a:rPr lang="de-AT" dirty="0" err="1"/>
+              <a:rPr lang="de-AT" sz="1400" dirty="0" err="1"/>
               <a:t>produces</a:t>
             </a:r>
             <a:r>
-              <a:rPr lang="de-AT" dirty="0"/>
-              <a:t> positive R^2 on </a:t>
-            </a:r>
-            <a:r>
-              <a:rPr lang="de-AT" dirty="0" err="1"/>
-              <a:t>minutely</a:t>
-            </a:r>
-            <a:r>
-              <a:rPr lang="de-AT" dirty="0"/>
-              <a:t> stock </a:t>
-            </a:r>
-            <a:r>
-              <a:rPr lang="de-AT" dirty="0" err="1"/>
-              <a:t>return</a:t>
-            </a:r>
-            <a:r>
-              <a:rPr lang="de-AT" dirty="0"/>
-              <a:t> </a:t>
-            </a:r>
-            <a:r>
-              <a:rPr lang="de-AT" dirty="0" err="1"/>
-              <a:t>prediction</a:t>
-            </a:r>
-            <a:r>
-              <a:rPr lang="de-AT" dirty="0"/>
-              <a:t> </a:t>
-            </a:r>
-            <a:r>
-              <a:rPr lang="de-AT" dirty="0" err="1"/>
-              <a:t>task</a:t>
-            </a:r>
-            <a:endParaRPr lang="en-GB" dirty="0"/>
+              <a:rPr lang="de-AT" sz="1400" dirty="0"/>
+              <a:t> positive R^2</a:t>
+            </a:r>
+            <a:endParaRPr lang="en-GB" sz="1400" dirty="0"/>
           </a:p>
         </p:txBody>
       </p:sp>
+      <p:pic>
+        <p:nvPicPr>
+          <p:cNvPr id="5" name="Picture 4" descr="A screenshot of a computer&#10;&#10;Description automatically generated">
+            <a:extLst>
+              <a:ext uri="{FF2B5EF4-FFF2-40B4-BE49-F238E27FC236}">
+                <a16:creationId xmlns:a16="http://schemas.microsoft.com/office/drawing/2014/main" id="{6953C271-C662-203F-14CC-80B518A5C098}"/>
+              </a:ext>
+            </a:extLst>
+          </p:cNvPr>
+          <p:cNvPicPr>
+            <a:picLocks noChangeAspect="1"/>
+          </p:cNvPicPr>
+          <p:nvPr/>
+        </p:nvPicPr>
+        <p:blipFill>
+          <a:blip r:embed="rId2"/>
+          <a:stretch>
+            <a:fillRect/>
+          </a:stretch>
+        </p:blipFill>
+        <p:spPr>
+          <a:xfrm>
+            <a:off x="248330" y="4040325"/>
+            <a:ext cx="5580969" cy="1911438"/>
+          </a:xfrm>
+          <a:prstGeom prst="rect">
+            <a:avLst/>
+          </a:prstGeom>
+        </p:spPr>
+      </p:pic>
+      <p:pic>
+        <p:nvPicPr>
+          <p:cNvPr id="7" name="Picture 6">
+            <a:extLst>
+              <a:ext uri="{FF2B5EF4-FFF2-40B4-BE49-F238E27FC236}">
+                <a16:creationId xmlns:a16="http://schemas.microsoft.com/office/drawing/2014/main" id="{F3A06C9B-E518-6C39-46E8-FA4BFC1A467A}"/>
+              </a:ext>
+            </a:extLst>
+          </p:cNvPr>
+          <p:cNvPicPr>
+            <a:picLocks noChangeAspect="1"/>
+          </p:cNvPicPr>
+          <p:nvPr/>
+        </p:nvPicPr>
+        <p:blipFill>
+          <a:blip r:embed="rId3"/>
+          <a:stretch>
+            <a:fillRect/>
+          </a:stretch>
+        </p:blipFill>
+        <p:spPr>
+          <a:xfrm>
+            <a:off x="6362702" y="4040325"/>
+            <a:ext cx="5580969" cy="1562100"/>
+          </a:xfrm>
+          <a:prstGeom prst="rect">
+            <a:avLst/>
+          </a:prstGeom>
+        </p:spPr>
+      </p:pic>
     </p:spTree>
     <p:extLst>
       <p:ext uri="{BB962C8B-B14F-4D97-AF65-F5344CB8AC3E}">
         <p14:creationId xmlns:p14="http://schemas.microsoft.com/office/powerpoint/2010/main" val="1379311477"/>
+      </p:ext>
+    </p:extLst>
+  </p:cSld>
+  <p:clrMapOvr>
+    <a:masterClrMapping/>
+  </p:clrMapOvr>
+</p:sld>
+</file>
+
+<file path=ppt/slides/slide5.xml><?xml version="1.0" encoding="utf-8"?>
+<p:sld xmlns:a="http://schemas.openxmlformats.org/drawingml/2006/main" xmlns:r="http://schemas.openxmlformats.org/officeDocument/2006/relationships" xmlns:p="http://schemas.openxmlformats.org/presentationml/2006/main">
+  <p:cSld>
+    <p:bg>
+      <p:bgPr>
+        <a:solidFill>
+          <a:schemeClr val="accent5">
+            <a:lumMod val="20000"/>
+            <a:lumOff val="80000"/>
+          </a:schemeClr>
+        </a:solidFill>
+        <a:effectLst/>
+      </p:bgPr>
+    </p:bg>
+    <p:spTree>
+      <p:nvGrpSpPr>
+        <p:cNvPr id="1" name=""/>
+        <p:cNvGrpSpPr/>
+        <p:nvPr/>
+      </p:nvGrpSpPr>
+      <p:grpSpPr>
+        <a:xfrm>
+          <a:off x="0" y="0"/>
+          <a:ext cx="0" cy="0"/>
+          <a:chOff x="0" y="0"/>
+          <a:chExt cx="0" cy="0"/>
+        </a:xfrm>
+      </p:grpSpPr>
+      <p:sp>
+        <p:nvSpPr>
+          <p:cNvPr id="2" name="TextBox 1">
+            <a:extLst>
+              <a:ext uri="{FF2B5EF4-FFF2-40B4-BE49-F238E27FC236}">
+                <a16:creationId xmlns:a16="http://schemas.microsoft.com/office/drawing/2014/main" id="{F22246DA-9BDD-54FA-ACC2-D92FD65198B0}"/>
+              </a:ext>
+            </a:extLst>
+          </p:cNvPr>
+          <p:cNvSpPr txBox="1"/>
+          <p:nvPr/>
+        </p:nvSpPr>
+        <p:spPr>
+          <a:xfrm>
+            <a:off x="244104" y="104486"/>
+            <a:ext cx="4599709" cy="923330"/>
+          </a:xfrm>
+          <a:prstGeom prst="rect">
+            <a:avLst/>
+          </a:prstGeom>
+          <a:noFill/>
+        </p:spPr>
+        <p:txBody>
+          <a:bodyPr wrap="square" rtlCol="0">
+            <a:spAutoFit/>
+          </a:bodyPr>
+          <a:lstStyle/>
+          <a:p>
+            <a:r>
+              <a:rPr lang="de-AT" sz="5400" dirty="0"/>
+              <a:t>Future Work</a:t>
+            </a:r>
+            <a:endParaRPr lang="en-GB" sz="5400" dirty="0"/>
+          </a:p>
+        </p:txBody>
+      </p:sp>
+      <p:graphicFrame>
+        <p:nvGraphicFramePr>
+          <p:cNvPr id="4" name="Diagram 3">
+            <a:extLst>
+              <a:ext uri="{FF2B5EF4-FFF2-40B4-BE49-F238E27FC236}">
+                <a16:creationId xmlns:a16="http://schemas.microsoft.com/office/drawing/2014/main" id="{0DAFBD9E-A748-C685-FE00-545196C0B7FC}"/>
+              </a:ext>
+            </a:extLst>
+          </p:cNvPr>
+          <p:cNvGraphicFramePr/>
+          <p:nvPr>
+            <p:extLst>
+              <p:ext uri="{D42A27DB-BD31-4B8C-83A1-F6EECF244321}">
+                <p14:modId xmlns:p14="http://schemas.microsoft.com/office/powerpoint/2010/main" val="164512510"/>
+              </p:ext>
+            </p:extLst>
+          </p:nvPr>
+        </p:nvGraphicFramePr>
+        <p:xfrm>
+          <a:off x="2032000" y="1439333"/>
+          <a:ext cx="8128000" cy="5418667"/>
+        </p:xfrm>
+        <a:graphic>
+          <a:graphicData uri="http://schemas.openxmlformats.org/drawingml/2006/diagram">
+            <dgm:relIds xmlns:dgm="http://schemas.openxmlformats.org/drawingml/2006/diagram" xmlns:r="http://schemas.openxmlformats.org/officeDocument/2006/relationships" r:dm="rId2" r:lo="rId3" r:qs="rId4" r:cs="rId5"/>
+          </a:graphicData>
+        </a:graphic>
+      </p:graphicFrame>
+    </p:spTree>
+    <p:extLst>
+      <p:ext uri="{BB962C8B-B14F-4D97-AF65-F5344CB8AC3E}">
+        <p14:creationId xmlns:p14="http://schemas.microsoft.com/office/powerpoint/2010/main" val="1531572420"/>
       </p:ext>
     </p:extLst>
   </p:cSld>

--- a/various documents/7th of August presentation.pptx
+++ b/various documents/7th of August presentation.pptx
@@ -10,6 +10,7 @@
     <p:sldId id="258" r:id="rId4"/>
     <p:sldId id="259" r:id="rId5"/>
     <p:sldId id="260" r:id="rId6"/>
+    <p:sldId id="261" r:id="rId7"/>
   </p:sldIdLst>
   <p:sldSz cx="12192000" cy="6858000"/>
   <p:notesSz cx="6858000" cy="9144000"/>
@@ -11661,7 +11662,7 @@
           <a:p>
             <a:fld id="{CEFF5E25-F09A-46A4-A1BD-B5023731D883}" type="datetimeFigureOut">
               <a:rPr lang="en-GB" smtClean="0"/>
-              <a:t>05/08/2024</a:t>
+              <a:t>06/08/2024</a:t>
             </a:fld>
             <a:endParaRPr lang="en-GB"/>
           </a:p>
@@ -11861,7 +11862,7 @@
           <a:p>
             <a:fld id="{CEFF5E25-F09A-46A4-A1BD-B5023731D883}" type="datetimeFigureOut">
               <a:rPr lang="en-GB" smtClean="0"/>
-              <a:t>05/08/2024</a:t>
+              <a:t>06/08/2024</a:t>
             </a:fld>
             <a:endParaRPr lang="en-GB"/>
           </a:p>
@@ -12071,7 +12072,7 @@
           <a:p>
             <a:fld id="{CEFF5E25-F09A-46A4-A1BD-B5023731D883}" type="datetimeFigureOut">
               <a:rPr lang="en-GB" smtClean="0"/>
-              <a:t>05/08/2024</a:t>
+              <a:t>06/08/2024</a:t>
             </a:fld>
             <a:endParaRPr lang="en-GB"/>
           </a:p>
@@ -12271,7 +12272,7 @@
           <a:p>
             <a:fld id="{CEFF5E25-F09A-46A4-A1BD-B5023731D883}" type="datetimeFigureOut">
               <a:rPr lang="en-GB" smtClean="0"/>
-              <a:t>05/08/2024</a:t>
+              <a:t>06/08/2024</a:t>
             </a:fld>
             <a:endParaRPr lang="en-GB"/>
           </a:p>
@@ -12547,7 +12548,7 @@
           <a:p>
             <a:fld id="{CEFF5E25-F09A-46A4-A1BD-B5023731D883}" type="datetimeFigureOut">
               <a:rPr lang="en-GB" smtClean="0"/>
-              <a:t>05/08/2024</a:t>
+              <a:t>06/08/2024</a:t>
             </a:fld>
             <a:endParaRPr lang="en-GB"/>
           </a:p>
@@ -12815,7 +12816,7 @@
           <a:p>
             <a:fld id="{CEFF5E25-F09A-46A4-A1BD-B5023731D883}" type="datetimeFigureOut">
               <a:rPr lang="en-GB" smtClean="0"/>
-              <a:t>05/08/2024</a:t>
+              <a:t>06/08/2024</a:t>
             </a:fld>
             <a:endParaRPr lang="en-GB"/>
           </a:p>
@@ -13230,7 +13231,7 @@
           <a:p>
             <a:fld id="{CEFF5E25-F09A-46A4-A1BD-B5023731D883}" type="datetimeFigureOut">
               <a:rPr lang="en-GB" smtClean="0"/>
-              <a:t>05/08/2024</a:t>
+              <a:t>06/08/2024</a:t>
             </a:fld>
             <a:endParaRPr lang="en-GB"/>
           </a:p>
@@ -13372,7 +13373,7 @@
           <a:p>
             <a:fld id="{CEFF5E25-F09A-46A4-A1BD-B5023731D883}" type="datetimeFigureOut">
               <a:rPr lang="en-GB" smtClean="0"/>
-              <a:t>05/08/2024</a:t>
+              <a:t>06/08/2024</a:t>
             </a:fld>
             <a:endParaRPr lang="en-GB"/>
           </a:p>
@@ -13485,7 +13486,7 @@
           <a:p>
             <a:fld id="{CEFF5E25-F09A-46A4-A1BD-B5023731D883}" type="datetimeFigureOut">
               <a:rPr lang="en-GB" smtClean="0"/>
-              <a:t>05/08/2024</a:t>
+              <a:t>06/08/2024</a:t>
             </a:fld>
             <a:endParaRPr lang="en-GB"/>
           </a:p>
@@ -13798,7 +13799,7 @@
           <a:p>
             <a:fld id="{CEFF5E25-F09A-46A4-A1BD-B5023731D883}" type="datetimeFigureOut">
               <a:rPr lang="en-GB" smtClean="0"/>
-              <a:t>05/08/2024</a:t>
+              <a:t>06/08/2024</a:t>
             </a:fld>
             <a:endParaRPr lang="en-GB"/>
           </a:p>
@@ -14087,7 +14088,7 @@
           <a:p>
             <a:fld id="{CEFF5E25-F09A-46A4-A1BD-B5023731D883}" type="datetimeFigureOut">
               <a:rPr lang="en-GB" smtClean="0"/>
-              <a:t>05/08/2024</a:t>
+              <a:t>06/08/2024</a:t>
             </a:fld>
             <a:endParaRPr lang="en-GB"/>
           </a:p>
@@ -14330,7 +14331,7 @@
           <a:p>
             <a:fld id="{CEFF5E25-F09A-46A4-A1BD-B5023731D883}" type="datetimeFigureOut">
               <a:rPr lang="en-GB" smtClean="0"/>
-              <a:t>05/08/2024</a:t>
+              <a:t>06/08/2024</a:t>
             </a:fld>
             <a:endParaRPr lang="en-GB"/>
           </a:p>
@@ -14808,9 +14809,16 @@
           <a:lstStyle/>
           <a:p>
             <a:r>
-              <a:rPr lang="en-GB" dirty="0"/>
-              <a:t>by Filip Topic</a:t>
-            </a:r>
+              <a:rPr lang="de-AT" dirty="0"/>
+              <a:t>By Filip Topic</a:t>
+            </a:r>
+          </a:p>
+          <a:p>
+            <a:r>
+              <a:rPr lang="de-AT" dirty="0"/>
+              <a:t>Supervisor: Andrea Bassani</a:t>
+            </a:r>
+            <a:endParaRPr lang="en-GB" dirty="0"/>
           </a:p>
         </p:txBody>
       </p:sp>
@@ -16716,6 +16724,84 @@
     <p:extLst>
       <p:ext uri="{BB962C8B-B14F-4D97-AF65-F5344CB8AC3E}">
         <p14:creationId xmlns:p14="http://schemas.microsoft.com/office/powerpoint/2010/main" val="1531572420"/>
+      </p:ext>
+    </p:extLst>
+  </p:cSld>
+  <p:clrMapOvr>
+    <a:masterClrMapping/>
+  </p:clrMapOvr>
+</p:sld>
+</file>
+
+<file path=ppt/slides/slide6.xml><?xml version="1.0" encoding="utf-8"?>
+<p:sld xmlns:a="http://schemas.openxmlformats.org/drawingml/2006/main" xmlns:r="http://schemas.openxmlformats.org/officeDocument/2006/relationships" xmlns:p="http://schemas.openxmlformats.org/presentationml/2006/main">
+  <p:cSld>
+    <p:bg>
+      <p:bgPr>
+        <a:solidFill>
+          <a:schemeClr val="accent5">
+            <a:lumMod val="20000"/>
+            <a:lumOff val="80000"/>
+          </a:schemeClr>
+        </a:solidFill>
+        <a:effectLst/>
+      </p:bgPr>
+    </p:bg>
+    <p:spTree>
+      <p:nvGrpSpPr>
+        <p:cNvPr id="1" name=""/>
+        <p:cNvGrpSpPr/>
+        <p:nvPr/>
+      </p:nvGrpSpPr>
+      <p:grpSpPr>
+        <a:xfrm>
+          <a:off x="0" y="0"/>
+          <a:ext cx="0" cy="0"/>
+          <a:chOff x="0" y="0"/>
+          <a:chExt cx="0" cy="0"/>
+        </a:xfrm>
+      </p:grpSpPr>
+      <p:sp>
+        <p:nvSpPr>
+          <p:cNvPr id="2" name="Title 1">
+            <a:extLst>
+              <a:ext uri="{FF2B5EF4-FFF2-40B4-BE49-F238E27FC236}">
+                <a16:creationId xmlns:a16="http://schemas.microsoft.com/office/drawing/2014/main" id="{C90D24CC-5C8A-D642-B74A-C2C7D2B65AEB}"/>
+              </a:ext>
+            </a:extLst>
+          </p:cNvPr>
+          <p:cNvSpPr>
+            <a:spLocks noGrp="1"/>
+          </p:cNvSpPr>
+          <p:nvPr>
+            <p:ph type="ctrTitle"/>
+          </p:nvPr>
+        </p:nvSpPr>
+        <p:spPr/>
+        <p:txBody>
+          <a:bodyPr/>
+          <a:lstStyle/>
+          <a:p>
+            <a:r>
+              <a:rPr lang="en-GB" dirty="0"/>
+              <a:t>Thank </a:t>
+            </a:r>
+            <a:r>
+              <a:rPr lang="de-AT" dirty="0" err="1"/>
+              <a:t>you</a:t>
+            </a:r>
+            <a:r>
+              <a:rPr lang="de-AT" dirty="0"/>
+              <a:t>!</a:t>
+            </a:r>
+            <a:endParaRPr lang="en-GB" dirty="0"/>
+          </a:p>
+        </p:txBody>
+      </p:sp>
+    </p:spTree>
+    <p:extLst>
+      <p:ext uri="{BB962C8B-B14F-4D97-AF65-F5344CB8AC3E}">
+        <p14:creationId xmlns:p14="http://schemas.microsoft.com/office/powerpoint/2010/main" val="3435533573"/>
       </p:ext>
     </p:extLst>
   </p:cSld>
